--- a/Proposal/Presentation/ProposalSlide.pptx
+++ b/Proposal/Presentation/ProposalSlide.pptx
@@ -2,7 +2,7 @@
 <file path=ppt/presentation.xml><?xml version="1.0" encoding="utf-8"?>
 <p:presentation xmlns:a="http://schemas.openxmlformats.org/drawingml/2006/main" xmlns:r="http://schemas.openxmlformats.org/officeDocument/2006/relationships" xmlns:p="http://schemas.openxmlformats.org/presentationml/2006/main" autoCompressPictures="0">
   <p:sldMasterIdLst>
-    <p:sldMasterId id="2147483687" r:id="rId1"/>
+    <p:sldMasterId id="2147483733" r:id="rId1"/>
   </p:sldMasterIdLst>
   <p:sldIdLst>
     <p:sldId id="256" r:id="rId2"/>
@@ -923,7 +923,7 @@
     </p:spTree>
     <p:extLst>
       <p:ext uri="{BB962C8B-B14F-4D97-AF65-F5344CB8AC3E}">
-        <p14:creationId xmlns:p14="http://schemas.microsoft.com/office/powerpoint/2010/main" val="14565467"/>
+        <p14:creationId xmlns:p14="http://schemas.microsoft.com/office/powerpoint/2010/main" val="1307574602"/>
       </p:ext>
     </p:extLst>
   </p:cSld>
@@ -1176,7 +1176,7 @@
     </p:spTree>
     <p:extLst>
       <p:ext uri="{BB962C8B-B14F-4D97-AF65-F5344CB8AC3E}">
-        <p14:creationId xmlns:p14="http://schemas.microsoft.com/office/powerpoint/2010/main" val="279032229"/>
+        <p14:creationId xmlns:p14="http://schemas.microsoft.com/office/powerpoint/2010/main" val="3111233448"/>
       </p:ext>
     </p:extLst>
   </p:cSld>
@@ -1574,7 +1574,7 @@
     </p:spTree>
     <p:extLst>
       <p:ext uri="{BB962C8B-B14F-4D97-AF65-F5344CB8AC3E}">
-        <p14:creationId xmlns:p14="http://schemas.microsoft.com/office/powerpoint/2010/main" val="2272091935"/>
+        <p14:creationId xmlns:p14="http://schemas.microsoft.com/office/powerpoint/2010/main" val="955603791"/>
       </p:ext>
     </p:extLst>
   </p:cSld>
@@ -1827,7 +1827,7 @@
     </p:spTree>
     <p:extLst>
       <p:ext uri="{BB962C8B-B14F-4D97-AF65-F5344CB8AC3E}">
-        <p14:creationId xmlns:p14="http://schemas.microsoft.com/office/powerpoint/2010/main" val="1374327684"/>
+        <p14:creationId xmlns:p14="http://schemas.microsoft.com/office/powerpoint/2010/main" val="1618271150"/>
       </p:ext>
     </p:extLst>
   </p:cSld>
@@ -2225,7 +2225,7 @@
     </p:spTree>
     <p:extLst>
       <p:ext uri="{BB962C8B-B14F-4D97-AF65-F5344CB8AC3E}">
-        <p14:creationId xmlns:p14="http://schemas.microsoft.com/office/powerpoint/2010/main" val="520476112"/>
+        <p14:creationId xmlns:p14="http://schemas.microsoft.com/office/powerpoint/2010/main" val="1287520110"/>
       </p:ext>
     </p:extLst>
   </p:cSld>
@@ -2538,7 +2538,7 @@
     </p:spTree>
     <p:extLst>
       <p:ext uri="{BB962C8B-B14F-4D97-AF65-F5344CB8AC3E}">
-        <p14:creationId xmlns:p14="http://schemas.microsoft.com/office/powerpoint/2010/main" val="3170510609"/>
+        <p14:creationId xmlns:p14="http://schemas.microsoft.com/office/powerpoint/2010/main" val="3673474014"/>
       </p:ext>
     </p:extLst>
   </p:cSld>
@@ -2710,7 +2710,7 @@
     </p:spTree>
     <p:extLst>
       <p:ext uri="{BB962C8B-B14F-4D97-AF65-F5344CB8AC3E}">
-        <p14:creationId xmlns:p14="http://schemas.microsoft.com/office/powerpoint/2010/main" val="3986424774"/>
+        <p14:creationId xmlns:p14="http://schemas.microsoft.com/office/powerpoint/2010/main" val="486023718"/>
       </p:ext>
     </p:extLst>
   </p:cSld>
@@ -2892,7 +2892,7 @@
     </p:spTree>
     <p:extLst>
       <p:ext uri="{BB962C8B-B14F-4D97-AF65-F5344CB8AC3E}">
-        <p14:creationId xmlns:p14="http://schemas.microsoft.com/office/powerpoint/2010/main" val="4159264221"/>
+        <p14:creationId xmlns:p14="http://schemas.microsoft.com/office/powerpoint/2010/main" val="53915930"/>
       </p:ext>
     </p:extLst>
   </p:cSld>
@@ -3062,7 +3062,7 @@
     </p:spTree>
     <p:extLst>
       <p:ext uri="{BB962C8B-B14F-4D97-AF65-F5344CB8AC3E}">
-        <p14:creationId xmlns:p14="http://schemas.microsoft.com/office/powerpoint/2010/main" val="4198484950"/>
+        <p14:creationId xmlns:p14="http://schemas.microsoft.com/office/powerpoint/2010/main" val="320722555"/>
       </p:ext>
     </p:extLst>
   </p:cSld>
@@ -3311,7 +3311,7 @@
     </p:spTree>
     <p:extLst>
       <p:ext uri="{BB962C8B-B14F-4D97-AF65-F5344CB8AC3E}">
-        <p14:creationId xmlns:p14="http://schemas.microsoft.com/office/powerpoint/2010/main" val="2104797199"/>
+        <p14:creationId xmlns:p14="http://schemas.microsoft.com/office/powerpoint/2010/main" val="4072711201"/>
       </p:ext>
     </p:extLst>
   </p:cSld>
@@ -3543,7 +3543,7 @@
     </p:spTree>
     <p:extLst>
       <p:ext uri="{BB962C8B-B14F-4D97-AF65-F5344CB8AC3E}">
-        <p14:creationId xmlns:p14="http://schemas.microsoft.com/office/powerpoint/2010/main" val="2223602455"/>
+        <p14:creationId xmlns:p14="http://schemas.microsoft.com/office/powerpoint/2010/main" val="1254314564"/>
       </p:ext>
     </p:extLst>
   </p:cSld>
@@ -3919,7 +3919,7 @@
     </p:spTree>
     <p:extLst>
       <p:ext uri="{BB962C8B-B14F-4D97-AF65-F5344CB8AC3E}">
-        <p14:creationId xmlns:p14="http://schemas.microsoft.com/office/powerpoint/2010/main" val="3133632612"/>
+        <p14:creationId xmlns:p14="http://schemas.microsoft.com/office/powerpoint/2010/main" val="202028357"/>
       </p:ext>
     </p:extLst>
   </p:cSld>
@@ -4044,7 +4044,7 @@
     </p:spTree>
     <p:extLst>
       <p:ext uri="{BB962C8B-B14F-4D97-AF65-F5344CB8AC3E}">
-        <p14:creationId xmlns:p14="http://schemas.microsoft.com/office/powerpoint/2010/main" val="3844513517"/>
+        <p14:creationId xmlns:p14="http://schemas.microsoft.com/office/powerpoint/2010/main" val="2385716000"/>
       </p:ext>
     </p:extLst>
   </p:cSld>
@@ -4141,7 +4141,7 @@
     </p:spTree>
     <p:extLst>
       <p:ext uri="{BB962C8B-B14F-4D97-AF65-F5344CB8AC3E}">
-        <p14:creationId xmlns:p14="http://schemas.microsoft.com/office/powerpoint/2010/main" val="718780500"/>
+        <p14:creationId xmlns:p14="http://schemas.microsoft.com/office/powerpoint/2010/main" val="2914927273"/>
       </p:ext>
     </p:extLst>
   </p:cSld>
@@ -4398,7 +4398,7 @@
     </p:spTree>
     <p:extLst>
       <p:ext uri="{BB962C8B-B14F-4D97-AF65-F5344CB8AC3E}">
-        <p14:creationId xmlns:p14="http://schemas.microsoft.com/office/powerpoint/2010/main" val="2282682420"/>
+        <p14:creationId xmlns:p14="http://schemas.microsoft.com/office/powerpoint/2010/main" val="88542493"/>
       </p:ext>
     </p:extLst>
   </p:cSld>
@@ -4663,7 +4663,7 @@
     </p:spTree>
     <p:extLst>
       <p:ext uri="{BB962C8B-B14F-4D97-AF65-F5344CB8AC3E}">
-        <p14:creationId xmlns:p14="http://schemas.microsoft.com/office/powerpoint/2010/main" val="1760597271"/>
+        <p14:creationId xmlns:p14="http://schemas.microsoft.com/office/powerpoint/2010/main" val="3150807819"/>
       </p:ext>
     </p:extLst>
   </p:cSld>
@@ -5443,28 +5443,28 @@
     </p:spTree>
     <p:extLst>
       <p:ext uri="{BB962C8B-B14F-4D97-AF65-F5344CB8AC3E}">
-        <p14:creationId xmlns:p14="http://schemas.microsoft.com/office/powerpoint/2010/main" val="627354576"/>
+        <p14:creationId xmlns:p14="http://schemas.microsoft.com/office/powerpoint/2010/main" val="3571548038"/>
       </p:ext>
     </p:extLst>
   </p:cSld>
   <p:clrMap bg1="lt1" tx1="dk1" bg2="lt2" tx2="dk2" accent1="accent1" accent2="accent2" accent3="accent3" accent4="accent4" accent5="accent5" accent6="accent6" hlink="hlink" folHlink="folHlink"/>
   <p:sldLayoutIdLst>
-    <p:sldLayoutId id="2147483688" r:id="rId1"/>
-    <p:sldLayoutId id="2147483689" r:id="rId2"/>
-    <p:sldLayoutId id="2147483690" r:id="rId3"/>
-    <p:sldLayoutId id="2147483691" r:id="rId4"/>
-    <p:sldLayoutId id="2147483692" r:id="rId5"/>
-    <p:sldLayoutId id="2147483693" r:id="rId6"/>
-    <p:sldLayoutId id="2147483694" r:id="rId7"/>
-    <p:sldLayoutId id="2147483695" r:id="rId8"/>
-    <p:sldLayoutId id="2147483696" r:id="rId9"/>
-    <p:sldLayoutId id="2147483697" r:id="rId10"/>
-    <p:sldLayoutId id="2147483698" r:id="rId11"/>
-    <p:sldLayoutId id="2147483699" r:id="rId12"/>
-    <p:sldLayoutId id="2147483700" r:id="rId13"/>
-    <p:sldLayoutId id="2147483701" r:id="rId14"/>
-    <p:sldLayoutId id="2147483702" r:id="rId15"/>
-    <p:sldLayoutId id="2147483703" r:id="rId16"/>
+    <p:sldLayoutId id="2147483734" r:id="rId1"/>
+    <p:sldLayoutId id="2147483735" r:id="rId2"/>
+    <p:sldLayoutId id="2147483736" r:id="rId3"/>
+    <p:sldLayoutId id="2147483737" r:id="rId4"/>
+    <p:sldLayoutId id="2147483738" r:id="rId5"/>
+    <p:sldLayoutId id="2147483739" r:id="rId6"/>
+    <p:sldLayoutId id="2147483740" r:id="rId7"/>
+    <p:sldLayoutId id="2147483741" r:id="rId8"/>
+    <p:sldLayoutId id="2147483742" r:id="rId9"/>
+    <p:sldLayoutId id="2147483743" r:id="rId10"/>
+    <p:sldLayoutId id="2147483744" r:id="rId11"/>
+    <p:sldLayoutId id="2147483745" r:id="rId12"/>
+    <p:sldLayoutId id="2147483746" r:id="rId13"/>
+    <p:sldLayoutId id="2147483747" r:id="rId14"/>
+    <p:sldLayoutId id="2147483748" r:id="rId15"/>
+    <p:sldLayoutId id="2147483749" r:id="rId16"/>
   </p:sldLayoutIdLst>
   <p:txStyles>
     <p:titleStyle>
@@ -5910,37 +5910,535 @@
               <a:rPr lang="en-US" sz="3200" dirty="0" smtClean="0"/>
             </a:br>
             <a:r>
-              <a:rPr lang="en-US" sz="3200" dirty="0" smtClean="0"/>
-              <a:t>A Presentation on project proposal of E-Mart</a:t>
-            </a:r>
-            <a:endParaRPr lang="en-US" sz="3200" dirty="0"/>
+              <a:rPr lang="en-US" sz="3600" b="1" dirty="0" smtClean="0">
+                <a:ln w="9525">
+                  <a:solidFill>
+                    <a:schemeClr val="bg1"/>
+                  </a:solidFill>
+                  <a:prstDash val="solid"/>
+                </a:ln>
+                <a:solidFill>
+                  <a:schemeClr val="tx1"/>
+                </a:solidFill>
+                <a:effectLst>
+                  <a:outerShdw blurRad="12700" dist="38100" dir="2700000" algn="tl" rotWithShape="0">
+                    <a:schemeClr val="bg1">
+                      <a:lumMod val="50000"/>
+                    </a:schemeClr>
+                  </a:outerShdw>
+                </a:effectLst>
+                <a:latin typeface="Times New Roman" panose="02020603050405020304" pitchFamily="18" charset="0"/>
+                <a:cs typeface="Times New Roman" panose="02020603050405020304" pitchFamily="18" charset="0"/>
+              </a:rPr>
+              <a:t>A PRESENTATION ON PROJECT PROPOSAL OF E-MART</a:t>
+            </a:r>
+            <a:endParaRPr lang="en-US" sz="3600" dirty="0">
+              <a:latin typeface="Times New Roman" panose="02020603050405020304" pitchFamily="18" charset="0"/>
+              <a:cs typeface="Times New Roman" panose="02020603050405020304" pitchFamily="18" charset="0"/>
+            </a:endParaRPr>
           </a:p>
         </p:txBody>
       </p:sp>
       <p:sp>
         <p:nvSpPr>
-          <p:cNvPr id="3" name="Subtitle 2"/>
-          <p:cNvSpPr>
-            <a:spLocks noGrp="1"/>
+          <p:cNvPr id="4" name="Subtitle 2"/>
+          <p:cNvSpPr txBox="1">
+            <a:spLocks/>
           </p:cNvSpPr>
-          <p:nvPr>
-            <p:ph type="subTitle" idx="1"/>
-          </p:nvPr>
+          <p:nvPr/>
         </p:nvSpPr>
         <p:spPr>
           <a:xfrm>
-            <a:off x="1856690" y="2786810"/>
-            <a:ext cx="7766936" cy="1096899"/>
+            <a:off x="929640" y="2319436"/>
+            <a:ext cx="8152195" cy="4191000"/>
           </a:xfrm>
+          <a:prstGeom prst="rect">
+            <a:avLst/>
+          </a:prstGeom>
+          <a:solidFill>
+            <a:schemeClr val="bg1"/>
+          </a:solidFill>
+          <a:ln w="55000" cap="flat" cmpd="thickThin" algn="ctr">
+            <a:solidFill>
+              <a:schemeClr val="accent2"/>
+            </a:solidFill>
+            <a:prstDash val="solid"/>
+          </a:ln>
+          <a:effectLst/>
         </p:spPr>
         <p:txBody>
-          <a:bodyPr/>
-          <a:lstStyle/>
-          <a:p>
-            <a:endParaRPr lang="en-US" dirty="0"/>
+          <a:bodyPr vert="horz" lIns="45720" rIns="45720" numCol="2">
+            <a:normAutofit/>
+          </a:bodyPr>
+          <a:lstStyle>
+            <a:lvl1pPr marL="0" marR="64008" indent="0" algn="r" rtl="0" eaLnBrk="1" latinLnBrk="0" hangingPunct="1">
+              <a:spcBef>
+                <a:spcPts val="400"/>
+              </a:spcBef>
+              <a:spcAft>
+                <a:spcPts val="0"/>
+              </a:spcAft>
+              <a:buClr>
+                <a:schemeClr val="accent1"/>
+              </a:buClr>
+              <a:buSzPct val="68000"/>
+              <a:buFont typeface="Wingdings 3"/>
+              <a:buNone/>
+              <a:defRPr kumimoji="0" sz="2700" kern="1200">
+                <a:solidFill>
+                  <a:schemeClr val="tx2"/>
+                </a:solidFill>
+                <a:latin typeface="+mn-lt"/>
+                <a:ea typeface="+mn-ea"/>
+                <a:cs typeface="+mn-cs"/>
+              </a:defRPr>
+            </a:lvl1pPr>
+            <a:lvl2pPr marL="457200" indent="0" algn="ctr" rtl="0" eaLnBrk="1" latinLnBrk="0" hangingPunct="1">
+              <a:spcBef>
+                <a:spcPts val="324"/>
+              </a:spcBef>
+              <a:buClr>
+                <a:schemeClr val="accent1"/>
+              </a:buClr>
+              <a:buFont typeface="Verdana"/>
+              <a:buNone/>
+              <a:defRPr kumimoji="0" sz="2300" kern="1200">
+                <a:solidFill>
+                  <a:schemeClr val="dk1"/>
+                </a:solidFill>
+                <a:latin typeface="+mn-lt"/>
+                <a:ea typeface="+mn-ea"/>
+                <a:cs typeface="+mn-cs"/>
+              </a:defRPr>
+            </a:lvl2pPr>
+            <a:lvl3pPr marL="914400" indent="0" algn="ctr" rtl="0" eaLnBrk="1" latinLnBrk="0" hangingPunct="1">
+              <a:spcBef>
+                <a:spcPts val="350"/>
+              </a:spcBef>
+              <a:buClr>
+                <a:schemeClr val="accent2"/>
+              </a:buClr>
+              <a:buSzPct val="100000"/>
+              <a:buFont typeface="Wingdings 2"/>
+              <a:buNone/>
+              <a:defRPr kumimoji="0" sz="2100" kern="1200">
+                <a:solidFill>
+                  <a:schemeClr val="dk1"/>
+                </a:solidFill>
+                <a:latin typeface="+mn-lt"/>
+                <a:ea typeface="+mn-ea"/>
+                <a:cs typeface="+mn-cs"/>
+              </a:defRPr>
+            </a:lvl3pPr>
+            <a:lvl4pPr marL="1371600" indent="0" algn="ctr" rtl="0" eaLnBrk="1" latinLnBrk="0" hangingPunct="1">
+              <a:spcBef>
+                <a:spcPts val="350"/>
+              </a:spcBef>
+              <a:buClr>
+                <a:schemeClr val="accent2"/>
+              </a:buClr>
+              <a:buFont typeface="Wingdings 2"/>
+              <a:buNone/>
+              <a:defRPr kumimoji="0" sz="1900" kern="1200">
+                <a:solidFill>
+                  <a:schemeClr val="dk1"/>
+                </a:solidFill>
+                <a:latin typeface="+mn-lt"/>
+                <a:ea typeface="+mn-ea"/>
+                <a:cs typeface="+mn-cs"/>
+              </a:defRPr>
+            </a:lvl4pPr>
+            <a:lvl5pPr marL="1828800" indent="0" algn="ctr" rtl="0" eaLnBrk="1" latinLnBrk="0" hangingPunct="1">
+              <a:spcBef>
+                <a:spcPts val="350"/>
+              </a:spcBef>
+              <a:buClr>
+                <a:schemeClr val="accent2"/>
+              </a:buClr>
+              <a:buFont typeface="Wingdings 2"/>
+              <a:buNone/>
+              <a:defRPr kumimoji="0" sz="1800" kern="1200">
+                <a:solidFill>
+                  <a:schemeClr val="dk1"/>
+                </a:solidFill>
+                <a:latin typeface="+mn-lt"/>
+                <a:ea typeface="+mn-ea"/>
+                <a:cs typeface="+mn-cs"/>
+              </a:defRPr>
+            </a:lvl5pPr>
+            <a:lvl6pPr marL="2286000" indent="0" algn="ctr" rtl="0" eaLnBrk="1" latinLnBrk="0" hangingPunct="1">
+              <a:spcBef>
+                <a:spcPts val="350"/>
+              </a:spcBef>
+              <a:buClr>
+                <a:schemeClr val="accent3"/>
+              </a:buClr>
+              <a:buFont typeface="Wingdings 2"/>
+              <a:buNone/>
+              <a:defRPr kumimoji="0" sz="1800" kern="1200">
+                <a:solidFill>
+                  <a:schemeClr val="dk1"/>
+                </a:solidFill>
+                <a:latin typeface="+mn-lt"/>
+                <a:ea typeface="+mn-ea"/>
+                <a:cs typeface="+mn-cs"/>
+              </a:defRPr>
+            </a:lvl6pPr>
+            <a:lvl7pPr marL="2743200" indent="0" algn="ctr" rtl="0" eaLnBrk="1" latinLnBrk="0" hangingPunct="1">
+              <a:spcBef>
+                <a:spcPts val="350"/>
+              </a:spcBef>
+              <a:buClr>
+                <a:schemeClr val="accent3"/>
+              </a:buClr>
+              <a:buFont typeface="Wingdings 2"/>
+              <a:buNone/>
+              <a:defRPr kumimoji="0" sz="1600" kern="1200">
+                <a:solidFill>
+                  <a:schemeClr val="dk1"/>
+                </a:solidFill>
+                <a:latin typeface="+mn-lt"/>
+                <a:ea typeface="+mn-ea"/>
+                <a:cs typeface="+mn-cs"/>
+              </a:defRPr>
+            </a:lvl7pPr>
+            <a:lvl8pPr marL="3200400" indent="0" algn="ctr" rtl="0" eaLnBrk="1" latinLnBrk="0" hangingPunct="1">
+              <a:spcBef>
+                <a:spcPts val="350"/>
+              </a:spcBef>
+              <a:buClr>
+                <a:schemeClr val="accent3"/>
+              </a:buClr>
+              <a:buFont typeface="Wingdings 2"/>
+              <a:buNone/>
+              <a:defRPr kumimoji="0" sz="1600" kern="1200">
+                <a:solidFill>
+                  <a:schemeClr val="dk1"/>
+                </a:solidFill>
+                <a:latin typeface="+mn-lt"/>
+                <a:ea typeface="+mn-ea"/>
+                <a:cs typeface="+mn-cs"/>
+              </a:defRPr>
+            </a:lvl8pPr>
+            <a:lvl9pPr marL="3657600" indent="0" algn="ctr" rtl="0" eaLnBrk="1" latinLnBrk="0" hangingPunct="1">
+              <a:spcBef>
+                <a:spcPts val="350"/>
+              </a:spcBef>
+              <a:buClr>
+                <a:schemeClr val="accent3"/>
+              </a:buClr>
+              <a:buFont typeface="Wingdings 2"/>
+              <a:buNone/>
+              <a:defRPr kumimoji="0" sz="1600" kern="1200" baseline="0">
+                <a:solidFill>
+                  <a:schemeClr val="dk1"/>
+                </a:solidFill>
+                <a:latin typeface="+mn-lt"/>
+                <a:ea typeface="+mn-ea"/>
+                <a:cs typeface="+mn-cs"/>
+              </a:defRPr>
+            </a:lvl9pPr>
+            <a:extLst/>
+          </a:lstStyle>
+          <a:p>
+            <a:pPr marL="0" marR="64008" lvl="0" indent="0" algn="l" defTabSz="914400" rtl="0" eaLnBrk="1" fontAlgn="auto" latinLnBrk="0" hangingPunct="1">
+              <a:lnSpc>
+                <a:spcPct val="150000"/>
+              </a:lnSpc>
+              <a:spcBef>
+                <a:spcPts val="400"/>
+              </a:spcBef>
+              <a:spcAft>
+                <a:spcPts val="0"/>
+              </a:spcAft>
+              <a:buClr>
+                <a:srgbClr val="2DA2BF"/>
+              </a:buClr>
+              <a:buSzPct val="68000"/>
+              <a:buFont typeface="Wingdings 3"/>
+              <a:buNone/>
+              <a:tabLst/>
+              <a:defRPr/>
+            </a:pPr>
+            <a:r>
+              <a:rPr kumimoji="0" lang="en-US" sz="2700" b="1" i="0" u="sng" strike="noStrike" kern="1200" cap="none" spc="0" normalizeH="0" baseline="0" noProof="0" dirty="0" smtClean="0">
+                <a:ln w="0"/>
+                <a:solidFill>
+                  <a:sysClr val="windowText" lastClr="000000"/>
+                </a:solidFill>
+                <a:effectLst>
+                  <a:outerShdw blurRad="38100" dist="19050" dir="2700000" algn="tl" rotWithShape="0">
+                    <a:sysClr val="windowText" lastClr="000000">
+                      <a:alpha val="40000"/>
+                    </a:sysClr>
+                  </a:outerShdw>
+                </a:effectLst>
+                <a:uLnTx/>
+                <a:uFillTx/>
+                <a:latin typeface="Times New Roman" pitchFamily="18" charset="0"/>
+                <a:ea typeface="+mn-ea"/>
+                <a:cs typeface="Times New Roman" pitchFamily="18" charset="0"/>
+              </a:rPr>
+              <a:t>PRESENTED BY</a:t>
+            </a:r>
+          </a:p>
+          <a:p>
+            <a:pPr marL="0" marR="64008" lvl="0" indent="0" algn="l" defTabSz="914400" rtl="0" eaLnBrk="1" fontAlgn="auto" latinLnBrk="0" hangingPunct="1">
+              <a:lnSpc>
+                <a:spcPct val="150000"/>
+              </a:lnSpc>
+              <a:spcBef>
+                <a:spcPts val="400"/>
+              </a:spcBef>
+              <a:spcAft>
+                <a:spcPts val="0"/>
+              </a:spcAft>
+              <a:buClr>
+                <a:srgbClr val="2DA2BF"/>
+              </a:buClr>
+              <a:buSzPct val="68000"/>
+              <a:buFont typeface="Wingdings 3"/>
+              <a:buNone/>
+              <a:tabLst/>
+              <a:defRPr/>
+            </a:pPr>
+            <a:r>
+              <a:rPr kumimoji="0" lang="en-US" sz="2400" b="0" i="0" u="none" strike="noStrike" kern="1200" cap="none" spc="50" normalizeH="0" baseline="0" noProof="0" dirty="0" smtClean="0">
+                <a:ln w="11430"/>
+                <a:solidFill>
+                  <a:schemeClr val="tx1"/>
+                </a:solidFill>
+                <a:effectLst>
+                  <a:outerShdw blurRad="76200" dist="50800" dir="5400000" algn="tl" rotWithShape="0">
+                    <a:srgbClr val="000000">
+                      <a:alpha val="65000"/>
+                    </a:srgbClr>
+                  </a:outerShdw>
+                </a:effectLst>
+                <a:uLnTx/>
+                <a:uFillTx/>
+                <a:latin typeface="Times New Roman" pitchFamily="18" charset="0"/>
+                <a:cs typeface="Times New Roman" pitchFamily="18" charset="0"/>
+              </a:rPr>
+              <a:t>SANDESH</a:t>
+            </a:r>
+            <a:r>
+              <a:rPr kumimoji="0" lang="en-US" sz="2400" b="0" i="0" u="none" strike="noStrike" kern="1200" cap="none" spc="50" normalizeH="0" noProof="0" dirty="0" smtClean="0">
+                <a:ln w="11430"/>
+                <a:solidFill>
+                  <a:schemeClr val="tx1"/>
+                </a:solidFill>
+                <a:effectLst>
+                  <a:outerShdw blurRad="76200" dist="50800" dir="5400000" algn="tl" rotWithShape="0">
+                    <a:srgbClr val="000000">
+                      <a:alpha val="65000"/>
+                    </a:srgbClr>
+                  </a:outerShdw>
+                </a:effectLst>
+                <a:uLnTx/>
+                <a:uFillTx/>
+                <a:latin typeface="Times New Roman" pitchFamily="18" charset="0"/>
+                <a:cs typeface="Times New Roman" pitchFamily="18" charset="0"/>
+              </a:rPr>
+              <a:t> LAWAJU(730335)</a:t>
+            </a:r>
+          </a:p>
+          <a:p>
+            <a:pPr marL="0" marR="64008" lvl="0" indent="0" algn="l" defTabSz="914400" rtl="0" eaLnBrk="1" fontAlgn="auto" latinLnBrk="0" hangingPunct="1">
+              <a:lnSpc>
+                <a:spcPct val="150000"/>
+              </a:lnSpc>
+              <a:spcBef>
+                <a:spcPts val="400"/>
+              </a:spcBef>
+              <a:spcAft>
+                <a:spcPts val="0"/>
+              </a:spcAft>
+              <a:buClr>
+                <a:srgbClr val="2DA2BF"/>
+              </a:buClr>
+              <a:buSzPct val="68000"/>
+              <a:buFont typeface="Wingdings 3"/>
+              <a:buNone/>
+              <a:tabLst/>
+              <a:defRPr/>
+            </a:pPr>
+            <a:r>
+              <a:rPr lang="en-US" sz="2400" spc="50" baseline="0" dirty="0" smtClean="0">
+                <a:ln w="11430"/>
+                <a:solidFill>
+                  <a:schemeClr val="tx1"/>
+                </a:solidFill>
+                <a:effectLst>
+                  <a:outerShdw blurRad="76200" dist="50800" dir="5400000" algn="tl" rotWithShape="0">
+                    <a:srgbClr val="000000">
+                      <a:alpha val="65000"/>
+                    </a:srgbClr>
+                  </a:outerShdw>
+                </a:effectLst>
+                <a:latin typeface="Times New Roman" pitchFamily="18" charset="0"/>
+                <a:cs typeface="Times New Roman" pitchFamily="18" charset="0"/>
+              </a:rPr>
+              <a:t>SUJAN</a:t>
+            </a:r>
+            <a:r>
+              <a:rPr lang="en-US" sz="2400" spc="50" dirty="0" smtClean="0">
+                <a:ln w="11430"/>
+                <a:solidFill>
+                  <a:schemeClr val="tx1"/>
+                </a:solidFill>
+                <a:effectLst>
+                  <a:outerShdw blurRad="76200" dist="50800" dir="5400000" algn="tl" rotWithShape="0">
+                    <a:srgbClr val="000000">
+                      <a:alpha val="65000"/>
+                    </a:srgbClr>
+                  </a:outerShdw>
+                </a:effectLst>
+                <a:latin typeface="Times New Roman" pitchFamily="18" charset="0"/>
+                <a:cs typeface="Times New Roman" pitchFamily="18" charset="0"/>
+              </a:rPr>
+              <a:t> KOJU(730342)</a:t>
+            </a:r>
+          </a:p>
+          <a:p>
+            <a:pPr marL="0" marR="64008" lvl="0" indent="0" algn="l" defTabSz="914400" rtl="0" eaLnBrk="1" fontAlgn="auto" latinLnBrk="0" hangingPunct="1">
+              <a:lnSpc>
+                <a:spcPct val="150000"/>
+              </a:lnSpc>
+              <a:spcBef>
+                <a:spcPts val="400"/>
+              </a:spcBef>
+              <a:spcAft>
+                <a:spcPts val="0"/>
+              </a:spcAft>
+              <a:buClr>
+                <a:srgbClr val="2DA2BF"/>
+              </a:buClr>
+              <a:buSzPct val="68000"/>
+              <a:buFont typeface="Wingdings 3"/>
+              <a:buNone/>
+              <a:tabLst/>
+              <a:defRPr/>
+            </a:pPr>
+            <a:r>
+              <a:rPr kumimoji="0" lang="en-US" sz="2400" b="0" i="0" u="none" strike="noStrike" kern="1200" cap="none" spc="50" normalizeH="0" baseline="0" noProof="0" dirty="0" smtClean="0">
+                <a:ln w="11430"/>
+                <a:solidFill>
+                  <a:schemeClr val="tx1"/>
+                </a:solidFill>
+                <a:effectLst>
+                  <a:outerShdw blurRad="76200" dist="50800" dir="5400000" algn="tl" rotWithShape="0">
+                    <a:srgbClr val="000000">
+                      <a:alpha val="65000"/>
+                    </a:srgbClr>
+                  </a:outerShdw>
+                </a:effectLst>
+                <a:uLnTx/>
+                <a:uFillTx/>
+                <a:latin typeface="Times New Roman" pitchFamily="18" charset="0"/>
+                <a:cs typeface="Times New Roman" pitchFamily="18" charset="0"/>
+              </a:rPr>
+              <a:t>UNIKA</a:t>
+            </a:r>
+            <a:r>
+              <a:rPr kumimoji="0" lang="en-US" sz="2400" b="0" i="0" u="none" strike="noStrike" kern="1200" cap="none" spc="50" normalizeH="0" noProof="0" dirty="0" smtClean="0">
+                <a:ln w="11430"/>
+                <a:solidFill>
+                  <a:schemeClr val="tx1"/>
+                </a:solidFill>
+                <a:effectLst>
+                  <a:outerShdw blurRad="76200" dist="50800" dir="5400000" algn="tl" rotWithShape="0">
+                    <a:srgbClr val="000000">
+                      <a:alpha val="65000"/>
+                    </a:srgbClr>
+                  </a:outerShdw>
+                </a:effectLst>
+                <a:uLnTx/>
+                <a:uFillTx/>
+                <a:latin typeface="Times New Roman" pitchFamily="18" charset="0"/>
+                <a:cs typeface="Times New Roman" pitchFamily="18" charset="0"/>
+              </a:rPr>
+              <a:t> SHAKYA(730348)</a:t>
+            </a:r>
+            <a:endParaRPr kumimoji="0" lang="en-US" sz="2400" b="0" i="0" u="none" strike="noStrike" kern="1200" cap="none" spc="50" normalizeH="0" baseline="0" noProof="0" dirty="0" smtClean="0">
+              <a:ln w="11430"/>
+              <a:solidFill>
+                <a:schemeClr val="tx1"/>
+              </a:solidFill>
+              <a:effectLst>
+                <a:outerShdw blurRad="76200" dist="50800" dir="5400000" algn="tl" rotWithShape="0">
+                  <a:srgbClr val="000000">
+                    <a:alpha val="65000"/>
+                  </a:srgbClr>
+                </a:outerShdw>
+              </a:effectLst>
+              <a:uLnTx/>
+              <a:uFillTx/>
+              <a:latin typeface="Times New Roman" pitchFamily="18" charset="0"/>
+              <a:cs typeface="Times New Roman" pitchFamily="18" charset="0"/>
+            </a:endParaRPr>
+          </a:p>
+          <a:p>
+            <a:pPr marL="0" marR="64008" lvl="0" indent="0" algn="l" defTabSz="914400" rtl="0" eaLnBrk="1" fontAlgn="auto" latinLnBrk="0" hangingPunct="1">
+              <a:lnSpc>
+                <a:spcPct val="100000"/>
+              </a:lnSpc>
+              <a:spcBef>
+                <a:spcPts val="400"/>
+              </a:spcBef>
+              <a:spcAft>
+                <a:spcPts val="0"/>
+              </a:spcAft>
+              <a:buClr>
+                <a:srgbClr val="2DA2BF"/>
+              </a:buClr>
+              <a:buSzPct val="68000"/>
+              <a:buFont typeface="Wingdings 3"/>
+              <a:buNone/>
+              <a:tabLst/>
+              <a:defRPr/>
+            </a:pPr>
+            <a:endParaRPr kumimoji="0" lang="en-US" sz="2000" b="0" i="0" u="none" strike="noStrike" kern="1200" cap="none" spc="0" normalizeH="0" baseline="0" noProof="0" dirty="0">
+              <a:ln>
+                <a:noFill/>
+              </a:ln>
+              <a:solidFill>
+                <a:srgbClr val="464646"/>
+              </a:solidFill>
+              <a:effectLst/>
+              <a:uLnTx/>
+              <a:uFillTx/>
+              <a:latin typeface="Lucida Sans Unicode"/>
+              <a:ea typeface="+mn-ea"/>
+              <a:cs typeface="+mn-cs"/>
+            </a:endParaRPr>
           </a:p>
         </p:txBody>
       </p:sp>
+      <p:pic>
+        <p:nvPicPr>
+          <p:cNvPr id="5" name="Picture 4"/>
+          <p:cNvPicPr>
+            <a:picLocks noChangeAspect="1"/>
+          </p:cNvPicPr>
+          <p:nvPr/>
+        </p:nvPicPr>
+        <p:blipFill>
+          <a:blip r:embed="rId2"/>
+          <a:stretch>
+            <a:fillRect/>
+          </a:stretch>
+        </p:blipFill>
+        <p:spPr>
+          <a:xfrm>
+            <a:off x="7206939" y="2599888"/>
+            <a:ext cx="1298561" cy="1292464"/>
+          </a:xfrm>
+          <a:prstGeom prst="rect">
+            <a:avLst/>
+          </a:prstGeom>
+        </p:spPr>
+      </p:pic>
     </p:spTree>
     <p:extLst>
       <p:ext uri="{BB962C8B-B14F-4D97-AF65-F5344CB8AC3E}">
@@ -5951,6 +6449,289 @@
   <p:clrMapOvr>
     <a:masterClrMapping/>
   </p:clrMapOvr>
+  <p:timing>
+    <p:tnLst>
+      <p:par>
+        <p:cTn id="1" dur="indefinite" restart="never" nodeType="tmRoot">
+          <p:childTnLst>
+            <p:seq concurrent="1" nextAc="seek">
+              <p:cTn id="2" dur="indefinite" nodeType="mainSeq">
+                <p:childTnLst>
+                  <p:par>
+                    <p:cTn id="3" fill="hold">
+                      <p:stCondLst>
+                        <p:cond delay="indefinite"/>
+                        <p:cond evt="onBegin" delay="0">
+                          <p:tn val="2"/>
+                        </p:cond>
+                      </p:stCondLst>
+                      <p:childTnLst>
+                        <p:par>
+                          <p:cTn id="4" fill="hold">
+                            <p:stCondLst>
+                              <p:cond delay="0"/>
+                            </p:stCondLst>
+                            <p:childTnLst>
+                              <p:par>
+                                <p:cTn id="5" presetID="2" presetClass="entr" presetSubtype="4" fill="hold" grpId="0" nodeType="withEffect">
+                                  <p:stCondLst>
+                                    <p:cond delay="0"/>
+                                  </p:stCondLst>
+                                  <p:childTnLst>
+                                    <p:set>
+                                      <p:cBhvr>
+                                        <p:cTn id="6" dur="1" fill="hold">
+                                          <p:stCondLst>
+                                            <p:cond delay="0"/>
+                                          </p:stCondLst>
+                                        </p:cTn>
+                                        <p:tgtEl>
+                                          <p:spTgt spid="2"/>
+                                        </p:tgtEl>
+                                        <p:attrNameLst>
+                                          <p:attrName>style.visibility</p:attrName>
+                                        </p:attrNameLst>
+                                      </p:cBhvr>
+                                      <p:to>
+                                        <p:strVal val="visible"/>
+                                      </p:to>
+                                    </p:set>
+                                    <p:anim calcmode="lin" valueType="num">
+                                      <p:cBhvr additive="base">
+                                        <p:cTn id="7" dur="500" fill="hold"/>
+                                        <p:tgtEl>
+                                          <p:spTgt spid="2"/>
+                                        </p:tgtEl>
+                                        <p:attrNameLst>
+                                          <p:attrName>ppt_x</p:attrName>
+                                        </p:attrNameLst>
+                                      </p:cBhvr>
+                                      <p:tavLst>
+                                        <p:tav tm="0">
+                                          <p:val>
+                                            <p:strVal val="#ppt_x"/>
+                                          </p:val>
+                                        </p:tav>
+                                        <p:tav tm="100000">
+                                          <p:val>
+                                            <p:strVal val="#ppt_x"/>
+                                          </p:val>
+                                        </p:tav>
+                                      </p:tavLst>
+                                    </p:anim>
+                                    <p:anim calcmode="lin" valueType="num">
+                                      <p:cBhvr additive="base">
+                                        <p:cTn id="8" dur="500" fill="hold"/>
+                                        <p:tgtEl>
+                                          <p:spTgt spid="2"/>
+                                        </p:tgtEl>
+                                        <p:attrNameLst>
+                                          <p:attrName>ppt_y</p:attrName>
+                                        </p:attrNameLst>
+                                      </p:cBhvr>
+                                      <p:tavLst>
+                                        <p:tav tm="0">
+                                          <p:val>
+                                            <p:strVal val="1+#ppt_h/2"/>
+                                          </p:val>
+                                        </p:tav>
+                                        <p:tav tm="100000">
+                                          <p:val>
+                                            <p:strVal val="#ppt_y"/>
+                                          </p:val>
+                                        </p:tav>
+                                      </p:tavLst>
+                                    </p:anim>
+                                  </p:childTnLst>
+                                </p:cTn>
+                              </p:par>
+                              <p:par>
+                                <p:cTn id="9" presetID="2" presetClass="entr" presetSubtype="4" fill="hold" grpId="0" nodeType="withEffect">
+                                  <p:stCondLst>
+                                    <p:cond delay="0"/>
+                                  </p:stCondLst>
+                                  <p:childTnLst>
+                                    <p:set>
+                                      <p:cBhvr>
+                                        <p:cTn id="10" dur="1" fill="hold">
+                                          <p:stCondLst>
+                                            <p:cond delay="0"/>
+                                          </p:stCondLst>
+                                        </p:cTn>
+                                        <p:tgtEl>
+                                          <p:spTgt spid="4"/>
+                                        </p:tgtEl>
+                                        <p:attrNameLst>
+                                          <p:attrName>style.visibility</p:attrName>
+                                        </p:attrNameLst>
+                                      </p:cBhvr>
+                                      <p:to>
+                                        <p:strVal val="visible"/>
+                                      </p:to>
+                                    </p:set>
+                                    <p:anim calcmode="lin" valueType="num">
+                                      <p:cBhvr additive="base">
+                                        <p:cTn id="11" dur="500" fill="hold"/>
+                                        <p:tgtEl>
+                                          <p:spTgt spid="4"/>
+                                        </p:tgtEl>
+                                        <p:attrNameLst>
+                                          <p:attrName>ppt_x</p:attrName>
+                                        </p:attrNameLst>
+                                      </p:cBhvr>
+                                      <p:tavLst>
+                                        <p:tav tm="0">
+                                          <p:val>
+                                            <p:strVal val="#ppt_x"/>
+                                          </p:val>
+                                        </p:tav>
+                                        <p:tav tm="100000">
+                                          <p:val>
+                                            <p:strVal val="#ppt_x"/>
+                                          </p:val>
+                                        </p:tav>
+                                      </p:tavLst>
+                                    </p:anim>
+                                    <p:anim calcmode="lin" valueType="num">
+                                      <p:cBhvr additive="base">
+                                        <p:cTn id="12" dur="500" fill="hold"/>
+                                        <p:tgtEl>
+                                          <p:spTgt spid="4"/>
+                                        </p:tgtEl>
+                                        <p:attrNameLst>
+                                          <p:attrName>ppt_y</p:attrName>
+                                        </p:attrNameLst>
+                                      </p:cBhvr>
+                                      <p:tavLst>
+                                        <p:tav tm="0">
+                                          <p:val>
+                                            <p:strVal val="1+#ppt_h/2"/>
+                                          </p:val>
+                                        </p:tav>
+                                        <p:tav tm="100000">
+                                          <p:val>
+                                            <p:strVal val="#ppt_y"/>
+                                          </p:val>
+                                        </p:tav>
+                                      </p:tavLst>
+                                    </p:anim>
+                                  </p:childTnLst>
+                                </p:cTn>
+                              </p:par>
+                            </p:childTnLst>
+                          </p:cTn>
+                        </p:par>
+                        <p:par>
+                          <p:cTn id="13" fill="hold">
+                            <p:stCondLst>
+                              <p:cond delay="500"/>
+                            </p:stCondLst>
+                            <p:childTnLst>
+                              <p:par>
+                                <p:cTn id="14" presetID="2" presetClass="entr" presetSubtype="4" fill="hold" nodeType="afterEffect">
+                                  <p:stCondLst>
+                                    <p:cond delay="0"/>
+                                  </p:stCondLst>
+                                  <p:childTnLst>
+                                    <p:set>
+                                      <p:cBhvr>
+                                        <p:cTn id="15" dur="1" fill="hold">
+                                          <p:stCondLst>
+                                            <p:cond delay="0"/>
+                                          </p:stCondLst>
+                                        </p:cTn>
+                                        <p:tgtEl>
+                                          <p:spTgt spid="5"/>
+                                        </p:tgtEl>
+                                        <p:attrNameLst>
+                                          <p:attrName>style.visibility</p:attrName>
+                                        </p:attrNameLst>
+                                      </p:cBhvr>
+                                      <p:to>
+                                        <p:strVal val="visible"/>
+                                      </p:to>
+                                    </p:set>
+                                    <p:anim calcmode="lin" valueType="num">
+                                      <p:cBhvr additive="base">
+                                        <p:cTn id="16" dur="500" fill="hold"/>
+                                        <p:tgtEl>
+                                          <p:spTgt spid="5"/>
+                                        </p:tgtEl>
+                                        <p:attrNameLst>
+                                          <p:attrName>ppt_x</p:attrName>
+                                        </p:attrNameLst>
+                                      </p:cBhvr>
+                                      <p:tavLst>
+                                        <p:tav tm="0">
+                                          <p:val>
+                                            <p:strVal val="#ppt_x"/>
+                                          </p:val>
+                                        </p:tav>
+                                        <p:tav tm="100000">
+                                          <p:val>
+                                            <p:strVal val="#ppt_x"/>
+                                          </p:val>
+                                        </p:tav>
+                                      </p:tavLst>
+                                    </p:anim>
+                                    <p:anim calcmode="lin" valueType="num">
+                                      <p:cBhvr additive="base">
+                                        <p:cTn id="17" dur="500" fill="hold"/>
+                                        <p:tgtEl>
+                                          <p:spTgt spid="5"/>
+                                        </p:tgtEl>
+                                        <p:attrNameLst>
+                                          <p:attrName>ppt_y</p:attrName>
+                                        </p:attrNameLst>
+                                      </p:cBhvr>
+                                      <p:tavLst>
+                                        <p:tav tm="0">
+                                          <p:val>
+                                            <p:strVal val="1+#ppt_h/2"/>
+                                          </p:val>
+                                        </p:tav>
+                                        <p:tav tm="100000">
+                                          <p:val>
+                                            <p:strVal val="#ppt_y"/>
+                                          </p:val>
+                                        </p:tav>
+                                      </p:tavLst>
+                                    </p:anim>
+                                  </p:childTnLst>
+                                </p:cTn>
+                              </p:par>
+                            </p:childTnLst>
+                          </p:cTn>
+                        </p:par>
+                      </p:childTnLst>
+                    </p:cTn>
+                  </p:par>
+                </p:childTnLst>
+              </p:cTn>
+              <p:prevCondLst>
+                <p:cond evt="onPrev" delay="0">
+                  <p:tgtEl>
+                    <p:sldTgt/>
+                  </p:tgtEl>
+                </p:cond>
+              </p:prevCondLst>
+              <p:nextCondLst>
+                <p:cond evt="onNext" delay="0">
+                  <p:tgtEl>
+                    <p:sldTgt/>
+                  </p:tgtEl>
+                </p:cond>
+              </p:nextCondLst>
+            </p:seq>
+          </p:childTnLst>
+        </p:cTn>
+      </p:par>
+    </p:tnLst>
+    <p:bldLst>
+      <p:bldP spid="2" grpId="0"/>
+      <p:bldP spid="4" grpId="0" animBg="1"/>
+    </p:bldLst>
+  </p:timing>
 </p:sld>
 </file>
 
@@ -5983,8 +6764,8 @@
         </p:nvSpPr>
         <p:spPr>
           <a:xfrm>
-            <a:off x="677334" y="609600"/>
-            <a:ext cx="8596668" cy="626772"/>
+            <a:off x="677333" y="609600"/>
+            <a:ext cx="3224965" cy="626772"/>
           </a:xfrm>
         </p:spPr>
         <p:txBody>
@@ -5998,6 +6779,8 @@
                 <a:solidFill>
                   <a:schemeClr val="tx1"/>
                 </a:solidFill>
+                <a:latin typeface="Times New Roman" panose="02020603050405020304" pitchFamily="18" charset="0"/>
+                <a:cs typeface="Times New Roman" panose="02020603050405020304" pitchFamily="18" charset="0"/>
               </a:rPr>
               <a:t>ER DIAGRAM</a:t>
             </a:r>
@@ -6005,6 +6788,8 @@
               <a:solidFill>
                 <a:schemeClr val="tx1"/>
               </a:solidFill>
+              <a:latin typeface="Times New Roman" panose="02020603050405020304" pitchFamily="18" charset="0"/>
+              <a:cs typeface="Times New Roman" panose="02020603050405020304" pitchFamily="18" charset="0"/>
             </a:endParaRPr>
           </a:p>
         </p:txBody>
@@ -6030,7 +6815,7 @@
         </p:blipFill>
         <p:spPr bwMode="auto">
           <a:xfrm>
-            <a:off x="3525216" y="51159"/>
+            <a:off x="3615368" y="51159"/>
             <a:ext cx="4757146" cy="6806841"/>
           </a:xfrm>
           <a:prstGeom prst="rect">
@@ -6055,9 +6840,181 @@
   <p:timing>
     <p:tnLst>
       <p:par>
-        <p:cTn id="1" dur="indefinite" restart="never" nodeType="tmRoot"/>
+        <p:cTn id="1" dur="indefinite" restart="never" nodeType="tmRoot">
+          <p:childTnLst>
+            <p:seq concurrent="1" nextAc="seek">
+              <p:cTn id="2" dur="indefinite" nodeType="mainSeq">
+                <p:childTnLst>
+                  <p:par>
+                    <p:cTn id="3" fill="hold">
+                      <p:stCondLst>
+                        <p:cond delay="indefinite"/>
+                        <p:cond evt="onBegin" delay="0">
+                          <p:tn val="2"/>
+                        </p:cond>
+                      </p:stCondLst>
+                      <p:childTnLst>
+                        <p:par>
+                          <p:cTn id="4" fill="hold">
+                            <p:stCondLst>
+                              <p:cond delay="0"/>
+                            </p:stCondLst>
+                            <p:childTnLst>
+                              <p:par>
+                                <p:cTn id="5" presetID="10" presetClass="entr" presetSubtype="0" fill="hold" grpId="0" nodeType="afterEffect">
+                                  <p:stCondLst>
+                                    <p:cond delay="0"/>
+                                  </p:stCondLst>
+                                  <p:childTnLst>
+                                    <p:set>
+                                      <p:cBhvr>
+                                        <p:cTn id="6" dur="1" fill="hold">
+                                          <p:stCondLst>
+                                            <p:cond delay="0"/>
+                                          </p:stCondLst>
+                                        </p:cTn>
+                                        <p:tgtEl>
+                                          <p:spTgt spid="2"/>
+                                        </p:tgtEl>
+                                        <p:attrNameLst>
+                                          <p:attrName>style.visibility</p:attrName>
+                                        </p:attrNameLst>
+                                      </p:cBhvr>
+                                      <p:to>
+                                        <p:strVal val="visible"/>
+                                      </p:to>
+                                    </p:set>
+                                    <p:animEffect transition="in" filter="fade">
+                                      <p:cBhvr>
+                                        <p:cTn id="7" dur="500"/>
+                                        <p:tgtEl>
+                                          <p:spTgt spid="2"/>
+                                        </p:tgtEl>
+                                      </p:cBhvr>
+                                    </p:animEffect>
+                                  </p:childTnLst>
+                                </p:cTn>
+                              </p:par>
+                            </p:childTnLst>
+                          </p:cTn>
+                        </p:par>
+                        <p:par>
+                          <p:cTn id="8" fill="hold">
+                            <p:stCondLst>
+                              <p:cond delay="500"/>
+                            </p:stCondLst>
+                            <p:childTnLst>
+                              <p:par>
+                                <p:cTn id="9" presetID="42" presetClass="entr" presetSubtype="0" fill="hold" nodeType="afterEffect">
+                                  <p:stCondLst>
+                                    <p:cond delay="0"/>
+                                  </p:stCondLst>
+                                  <p:childTnLst>
+                                    <p:set>
+                                      <p:cBhvr>
+                                        <p:cTn id="10" dur="1" fill="hold">
+                                          <p:stCondLst>
+                                            <p:cond delay="0"/>
+                                          </p:stCondLst>
+                                        </p:cTn>
+                                        <p:tgtEl>
+                                          <p:spTgt spid="4"/>
+                                        </p:tgtEl>
+                                        <p:attrNameLst>
+                                          <p:attrName>style.visibility</p:attrName>
+                                        </p:attrNameLst>
+                                      </p:cBhvr>
+                                      <p:to>
+                                        <p:strVal val="visible"/>
+                                      </p:to>
+                                    </p:set>
+                                    <p:animEffect transition="in" filter="fade">
+                                      <p:cBhvr>
+                                        <p:cTn id="11" dur="1000"/>
+                                        <p:tgtEl>
+                                          <p:spTgt spid="4"/>
+                                        </p:tgtEl>
+                                      </p:cBhvr>
+                                    </p:animEffect>
+                                    <p:anim calcmode="lin" valueType="num">
+                                      <p:cBhvr>
+                                        <p:cTn id="12" dur="1000" fill="hold"/>
+                                        <p:tgtEl>
+                                          <p:spTgt spid="4"/>
+                                        </p:tgtEl>
+                                        <p:attrNameLst>
+                                          <p:attrName>ppt_x</p:attrName>
+                                        </p:attrNameLst>
+                                      </p:cBhvr>
+                                      <p:tavLst>
+                                        <p:tav tm="0">
+                                          <p:val>
+                                            <p:strVal val="#ppt_x"/>
+                                          </p:val>
+                                        </p:tav>
+                                        <p:tav tm="100000">
+                                          <p:val>
+                                            <p:strVal val="#ppt_x"/>
+                                          </p:val>
+                                        </p:tav>
+                                      </p:tavLst>
+                                    </p:anim>
+                                    <p:anim calcmode="lin" valueType="num">
+                                      <p:cBhvr>
+                                        <p:cTn id="13" dur="1000" fill="hold"/>
+                                        <p:tgtEl>
+                                          <p:spTgt spid="4"/>
+                                        </p:tgtEl>
+                                        <p:attrNameLst>
+                                          <p:attrName>ppt_y</p:attrName>
+                                        </p:attrNameLst>
+                                      </p:cBhvr>
+                                      <p:tavLst>
+                                        <p:tav tm="0">
+                                          <p:val>
+                                            <p:strVal val="#ppt_y+.1"/>
+                                          </p:val>
+                                        </p:tav>
+                                        <p:tav tm="100000">
+                                          <p:val>
+                                            <p:strVal val="#ppt_y"/>
+                                          </p:val>
+                                        </p:tav>
+                                      </p:tavLst>
+                                    </p:anim>
+                                  </p:childTnLst>
+                                </p:cTn>
+                              </p:par>
+                            </p:childTnLst>
+                          </p:cTn>
+                        </p:par>
+                      </p:childTnLst>
+                    </p:cTn>
+                  </p:par>
+                </p:childTnLst>
+              </p:cTn>
+              <p:prevCondLst>
+                <p:cond evt="onPrev" delay="0">
+                  <p:tgtEl>
+                    <p:sldTgt/>
+                  </p:tgtEl>
+                </p:cond>
+              </p:prevCondLst>
+              <p:nextCondLst>
+                <p:cond evt="onNext" delay="0">
+                  <p:tgtEl>
+                    <p:sldTgt/>
+                  </p:tgtEl>
+                </p:cond>
+              </p:nextCondLst>
+            </p:seq>
+          </p:childTnLst>
+        </p:cTn>
       </p:par>
     </p:tnLst>
+    <p:bldLst>
+      <p:bldP spid="2" grpId="0"/>
+    </p:bldLst>
   </p:timing>
 </p:sld>
 </file>
@@ -6106,13 +7063,17 @@
                 <a:solidFill>
                   <a:schemeClr val="tx1"/>
                 </a:solidFill>
+                <a:latin typeface="Times New Roman" panose="02020603050405020304" pitchFamily="18" charset="0"/>
+                <a:cs typeface="Times New Roman" panose="02020603050405020304" pitchFamily="18" charset="0"/>
               </a:rPr>
-              <a:t>Tools and platform</a:t>
+              <a:t>TOOLS AND PLATFORM</a:t>
             </a:r>
             <a:endParaRPr lang="en-US" b="1" dirty="0">
               <a:solidFill>
                 <a:schemeClr val="tx1"/>
               </a:solidFill>
+              <a:latin typeface="Times New Roman" panose="02020603050405020304" pitchFamily="18" charset="0"/>
+              <a:cs typeface="Times New Roman" panose="02020603050405020304" pitchFamily="18" charset="0"/>
             </a:endParaRPr>
           </a:p>
         </p:txBody>
@@ -6265,6 +7226,518 @@
   <p:clrMapOvr>
     <a:masterClrMapping/>
   </p:clrMapOvr>
+  <p:timing>
+    <p:tnLst>
+      <p:par>
+        <p:cTn id="1" dur="indefinite" restart="never" nodeType="tmRoot">
+          <p:childTnLst>
+            <p:seq concurrent="1" nextAc="seek">
+              <p:cTn id="2" dur="indefinite" nodeType="mainSeq">
+                <p:childTnLst>
+                  <p:par>
+                    <p:cTn id="3" fill="hold">
+                      <p:stCondLst>
+                        <p:cond delay="indefinite"/>
+                        <p:cond evt="onBegin" delay="0">
+                          <p:tn val="2"/>
+                        </p:cond>
+                      </p:stCondLst>
+                      <p:childTnLst>
+                        <p:par>
+                          <p:cTn id="4" fill="hold">
+                            <p:stCondLst>
+                              <p:cond delay="0"/>
+                            </p:stCondLst>
+                            <p:childTnLst>
+                              <p:par>
+                                <p:cTn id="5" presetID="42" presetClass="entr" presetSubtype="0" fill="hold" grpId="0" nodeType="afterEffect">
+                                  <p:stCondLst>
+                                    <p:cond delay="0"/>
+                                  </p:stCondLst>
+                                  <p:childTnLst>
+                                    <p:set>
+                                      <p:cBhvr>
+                                        <p:cTn id="6" dur="1" fill="hold">
+                                          <p:stCondLst>
+                                            <p:cond delay="0"/>
+                                          </p:stCondLst>
+                                        </p:cTn>
+                                        <p:tgtEl>
+                                          <p:spTgt spid="2"/>
+                                        </p:tgtEl>
+                                        <p:attrNameLst>
+                                          <p:attrName>style.visibility</p:attrName>
+                                        </p:attrNameLst>
+                                      </p:cBhvr>
+                                      <p:to>
+                                        <p:strVal val="visible"/>
+                                      </p:to>
+                                    </p:set>
+                                    <p:animEffect transition="in" filter="fade">
+                                      <p:cBhvr>
+                                        <p:cTn id="7" dur="1000"/>
+                                        <p:tgtEl>
+                                          <p:spTgt spid="2"/>
+                                        </p:tgtEl>
+                                      </p:cBhvr>
+                                    </p:animEffect>
+                                    <p:anim calcmode="lin" valueType="num">
+                                      <p:cBhvr>
+                                        <p:cTn id="8" dur="1000" fill="hold"/>
+                                        <p:tgtEl>
+                                          <p:spTgt spid="2"/>
+                                        </p:tgtEl>
+                                        <p:attrNameLst>
+                                          <p:attrName>ppt_x</p:attrName>
+                                        </p:attrNameLst>
+                                      </p:cBhvr>
+                                      <p:tavLst>
+                                        <p:tav tm="0">
+                                          <p:val>
+                                            <p:strVal val="#ppt_x"/>
+                                          </p:val>
+                                        </p:tav>
+                                        <p:tav tm="100000">
+                                          <p:val>
+                                            <p:strVal val="#ppt_x"/>
+                                          </p:val>
+                                        </p:tav>
+                                      </p:tavLst>
+                                    </p:anim>
+                                    <p:anim calcmode="lin" valueType="num">
+                                      <p:cBhvr>
+                                        <p:cTn id="9" dur="1000" fill="hold"/>
+                                        <p:tgtEl>
+                                          <p:spTgt spid="2"/>
+                                        </p:tgtEl>
+                                        <p:attrNameLst>
+                                          <p:attrName>ppt_y</p:attrName>
+                                        </p:attrNameLst>
+                                      </p:cBhvr>
+                                      <p:tavLst>
+                                        <p:tav tm="0">
+                                          <p:val>
+                                            <p:strVal val="#ppt_y+.1"/>
+                                          </p:val>
+                                        </p:tav>
+                                        <p:tav tm="100000">
+                                          <p:val>
+                                            <p:strVal val="#ppt_y"/>
+                                          </p:val>
+                                        </p:tav>
+                                      </p:tavLst>
+                                    </p:anim>
+                                  </p:childTnLst>
+                                </p:cTn>
+                              </p:par>
+                            </p:childTnLst>
+                          </p:cTn>
+                        </p:par>
+                        <p:par>
+                          <p:cTn id="10" fill="hold">
+                            <p:stCondLst>
+                              <p:cond delay="1000"/>
+                            </p:stCondLst>
+                            <p:childTnLst>
+                              <p:par>
+                                <p:cTn id="11" presetID="2" presetClass="entr" presetSubtype="4" fill="hold" grpId="0" nodeType="afterEffect">
+                                  <p:stCondLst>
+                                    <p:cond delay="0"/>
+                                  </p:stCondLst>
+                                  <p:childTnLst>
+                                    <p:set>
+                                      <p:cBhvr>
+                                        <p:cTn id="12" dur="1" fill="hold">
+                                          <p:stCondLst>
+                                            <p:cond delay="0"/>
+                                          </p:stCondLst>
+                                        </p:cTn>
+                                        <p:tgtEl>
+                                          <p:spTgt spid="3">
+                                            <p:txEl>
+                                              <p:pRg st="0" end="0"/>
+                                            </p:txEl>
+                                          </p:spTgt>
+                                        </p:tgtEl>
+                                        <p:attrNameLst>
+                                          <p:attrName>style.visibility</p:attrName>
+                                        </p:attrNameLst>
+                                      </p:cBhvr>
+                                      <p:to>
+                                        <p:strVal val="visible"/>
+                                      </p:to>
+                                    </p:set>
+                                    <p:anim calcmode="lin" valueType="num">
+                                      <p:cBhvr additive="base">
+                                        <p:cTn id="13" dur="500" fill="hold"/>
+                                        <p:tgtEl>
+                                          <p:spTgt spid="3">
+                                            <p:txEl>
+                                              <p:pRg st="0" end="0"/>
+                                            </p:txEl>
+                                          </p:spTgt>
+                                        </p:tgtEl>
+                                        <p:attrNameLst>
+                                          <p:attrName>ppt_x</p:attrName>
+                                        </p:attrNameLst>
+                                      </p:cBhvr>
+                                      <p:tavLst>
+                                        <p:tav tm="0">
+                                          <p:val>
+                                            <p:strVal val="#ppt_x"/>
+                                          </p:val>
+                                        </p:tav>
+                                        <p:tav tm="100000">
+                                          <p:val>
+                                            <p:strVal val="#ppt_x"/>
+                                          </p:val>
+                                        </p:tav>
+                                      </p:tavLst>
+                                    </p:anim>
+                                    <p:anim calcmode="lin" valueType="num">
+                                      <p:cBhvr additive="base">
+                                        <p:cTn id="14" dur="500" fill="hold"/>
+                                        <p:tgtEl>
+                                          <p:spTgt spid="3">
+                                            <p:txEl>
+                                              <p:pRg st="0" end="0"/>
+                                            </p:txEl>
+                                          </p:spTgt>
+                                        </p:tgtEl>
+                                        <p:attrNameLst>
+                                          <p:attrName>ppt_y</p:attrName>
+                                        </p:attrNameLst>
+                                      </p:cBhvr>
+                                      <p:tavLst>
+                                        <p:tav tm="0">
+                                          <p:val>
+                                            <p:strVal val="1+#ppt_h/2"/>
+                                          </p:val>
+                                        </p:tav>
+                                        <p:tav tm="100000">
+                                          <p:val>
+                                            <p:strVal val="#ppt_y"/>
+                                          </p:val>
+                                        </p:tav>
+                                      </p:tavLst>
+                                    </p:anim>
+                                  </p:childTnLst>
+                                </p:cTn>
+                              </p:par>
+                            </p:childTnLst>
+                          </p:cTn>
+                        </p:par>
+                        <p:par>
+                          <p:cTn id="15" fill="hold">
+                            <p:stCondLst>
+                              <p:cond delay="1500"/>
+                            </p:stCondLst>
+                            <p:childTnLst>
+                              <p:par>
+                                <p:cTn id="16" presetID="2" presetClass="entr" presetSubtype="4" fill="hold" grpId="0" nodeType="afterEffect">
+                                  <p:stCondLst>
+                                    <p:cond delay="0"/>
+                                  </p:stCondLst>
+                                  <p:childTnLst>
+                                    <p:set>
+                                      <p:cBhvr>
+                                        <p:cTn id="17" dur="1" fill="hold">
+                                          <p:stCondLst>
+                                            <p:cond delay="0"/>
+                                          </p:stCondLst>
+                                        </p:cTn>
+                                        <p:tgtEl>
+                                          <p:spTgt spid="3">
+                                            <p:txEl>
+                                              <p:pRg st="1" end="1"/>
+                                            </p:txEl>
+                                          </p:spTgt>
+                                        </p:tgtEl>
+                                        <p:attrNameLst>
+                                          <p:attrName>style.visibility</p:attrName>
+                                        </p:attrNameLst>
+                                      </p:cBhvr>
+                                      <p:to>
+                                        <p:strVal val="visible"/>
+                                      </p:to>
+                                    </p:set>
+                                    <p:anim calcmode="lin" valueType="num">
+                                      <p:cBhvr additive="base">
+                                        <p:cTn id="18" dur="500" fill="hold"/>
+                                        <p:tgtEl>
+                                          <p:spTgt spid="3">
+                                            <p:txEl>
+                                              <p:pRg st="1" end="1"/>
+                                            </p:txEl>
+                                          </p:spTgt>
+                                        </p:tgtEl>
+                                        <p:attrNameLst>
+                                          <p:attrName>ppt_x</p:attrName>
+                                        </p:attrNameLst>
+                                      </p:cBhvr>
+                                      <p:tavLst>
+                                        <p:tav tm="0">
+                                          <p:val>
+                                            <p:strVal val="#ppt_x"/>
+                                          </p:val>
+                                        </p:tav>
+                                        <p:tav tm="100000">
+                                          <p:val>
+                                            <p:strVal val="#ppt_x"/>
+                                          </p:val>
+                                        </p:tav>
+                                      </p:tavLst>
+                                    </p:anim>
+                                    <p:anim calcmode="lin" valueType="num">
+                                      <p:cBhvr additive="base">
+                                        <p:cTn id="19" dur="500" fill="hold"/>
+                                        <p:tgtEl>
+                                          <p:spTgt spid="3">
+                                            <p:txEl>
+                                              <p:pRg st="1" end="1"/>
+                                            </p:txEl>
+                                          </p:spTgt>
+                                        </p:tgtEl>
+                                        <p:attrNameLst>
+                                          <p:attrName>ppt_y</p:attrName>
+                                        </p:attrNameLst>
+                                      </p:cBhvr>
+                                      <p:tavLst>
+                                        <p:tav tm="0">
+                                          <p:val>
+                                            <p:strVal val="1+#ppt_h/2"/>
+                                          </p:val>
+                                        </p:tav>
+                                        <p:tav tm="100000">
+                                          <p:val>
+                                            <p:strVal val="#ppt_y"/>
+                                          </p:val>
+                                        </p:tav>
+                                      </p:tavLst>
+                                    </p:anim>
+                                  </p:childTnLst>
+                                </p:cTn>
+                              </p:par>
+                            </p:childTnLst>
+                          </p:cTn>
+                        </p:par>
+                        <p:par>
+                          <p:cTn id="20" fill="hold">
+                            <p:stCondLst>
+                              <p:cond delay="2000"/>
+                            </p:stCondLst>
+                            <p:childTnLst>
+                              <p:par>
+                                <p:cTn id="21" presetID="2" presetClass="entr" presetSubtype="4" fill="hold" grpId="0" nodeType="afterEffect">
+                                  <p:stCondLst>
+                                    <p:cond delay="0"/>
+                                  </p:stCondLst>
+                                  <p:childTnLst>
+                                    <p:set>
+                                      <p:cBhvr>
+                                        <p:cTn id="22" dur="1" fill="hold">
+                                          <p:stCondLst>
+                                            <p:cond delay="0"/>
+                                          </p:stCondLst>
+                                        </p:cTn>
+                                        <p:tgtEl>
+                                          <p:spTgt spid="3">
+                                            <p:txEl>
+                                              <p:pRg st="2" end="2"/>
+                                            </p:txEl>
+                                          </p:spTgt>
+                                        </p:tgtEl>
+                                        <p:attrNameLst>
+                                          <p:attrName>style.visibility</p:attrName>
+                                        </p:attrNameLst>
+                                      </p:cBhvr>
+                                      <p:to>
+                                        <p:strVal val="visible"/>
+                                      </p:to>
+                                    </p:set>
+                                    <p:anim calcmode="lin" valueType="num">
+                                      <p:cBhvr additive="base">
+                                        <p:cTn id="23" dur="500" fill="hold"/>
+                                        <p:tgtEl>
+                                          <p:spTgt spid="3">
+                                            <p:txEl>
+                                              <p:pRg st="2" end="2"/>
+                                            </p:txEl>
+                                          </p:spTgt>
+                                        </p:tgtEl>
+                                        <p:attrNameLst>
+                                          <p:attrName>ppt_x</p:attrName>
+                                        </p:attrNameLst>
+                                      </p:cBhvr>
+                                      <p:tavLst>
+                                        <p:tav tm="0">
+                                          <p:val>
+                                            <p:strVal val="#ppt_x"/>
+                                          </p:val>
+                                        </p:tav>
+                                        <p:tav tm="100000">
+                                          <p:val>
+                                            <p:strVal val="#ppt_x"/>
+                                          </p:val>
+                                        </p:tav>
+                                      </p:tavLst>
+                                    </p:anim>
+                                    <p:anim calcmode="lin" valueType="num">
+                                      <p:cBhvr additive="base">
+                                        <p:cTn id="24" dur="500" fill="hold"/>
+                                        <p:tgtEl>
+                                          <p:spTgt spid="3">
+                                            <p:txEl>
+                                              <p:pRg st="2" end="2"/>
+                                            </p:txEl>
+                                          </p:spTgt>
+                                        </p:tgtEl>
+                                        <p:attrNameLst>
+                                          <p:attrName>ppt_y</p:attrName>
+                                        </p:attrNameLst>
+                                      </p:cBhvr>
+                                      <p:tavLst>
+                                        <p:tav tm="0">
+                                          <p:val>
+                                            <p:strVal val="1+#ppt_h/2"/>
+                                          </p:val>
+                                        </p:tav>
+                                        <p:tav tm="100000">
+                                          <p:val>
+                                            <p:strVal val="#ppt_y"/>
+                                          </p:val>
+                                        </p:tav>
+                                      </p:tavLst>
+                                    </p:anim>
+                                  </p:childTnLst>
+                                </p:cTn>
+                              </p:par>
+                            </p:childTnLst>
+                          </p:cTn>
+                        </p:par>
+                        <p:par>
+                          <p:cTn id="25" fill="hold">
+                            <p:stCondLst>
+                              <p:cond delay="2500"/>
+                            </p:stCondLst>
+                            <p:childTnLst>
+                              <p:par>
+                                <p:cTn id="26" presetID="2" presetClass="entr" presetSubtype="4" fill="hold" grpId="0" nodeType="afterEffect">
+                                  <p:stCondLst>
+                                    <p:cond delay="0"/>
+                                  </p:stCondLst>
+                                  <p:childTnLst>
+                                    <p:set>
+                                      <p:cBhvr>
+                                        <p:cTn id="27" dur="1" fill="hold">
+                                          <p:stCondLst>
+                                            <p:cond delay="0"/>
+                                          </p:stCondLst>
+                                        </p:cTn>
+                                        <p:tgtEl>
+                                          <p:spTgt spid="3">
+                                            <p:txEl>
+                                              <p:pRg st="3" end="3"/>
+                                            </p:txEl>
+                                          </p:spTgt>
+                                        </p:tgtEl>
+                                        <p:attrNameLst>
+                                          <p:attrName>style.visibility</p:attrName>
+                                        </p:attrNameLst>
+                                      </p:cBhvr>
+                                      <p:to>
+                                        <p:strVal val="visible"/>
+                                      </p:to>
+                                    </p:set>
+                                    <p:anim calcmode="lin" valueType="num">
+                                      <p:cBhvr additive="base">
+                                        <p:cTn id="28" dur="500" fill="hold"/>
+                                        <p:tgtEl>
+                                          <p:spTgt spid="3">
+                                            <p:txEl>
+                                              <p:pRg st="3" end="3"/>
+                                            </p:txEl>
+                                          </p:spTgt>
+                                        </p:tgtEl>
+                                        <p:attrNameLst>
+                                          <p:attrName>ppt_x</p:attrName>
+                                        </p:attrNameLst>
+                                      </p:cBhvr>
+                                      <p:tavLst>
+                                        <p:tav tm="0">
+                                          <p:val>
+                                            <p:strVal val="#ppt_x"/>
+                                          </p:val>
+                                        </p:tav>
+                                        <p:tav tm="100000">
+                                          <p:val>
+                                            <p:strVal val="#ppt_x"/>
+                                          </p:val>
+                                        </p:tav>
+                                      </p:tavLst>
+                                    </p:anim>
+                                    <p:anim calcmode="lin" valueType="num">
+                                      <p:cBhvr additive="base">
+                                        <p:cTn id="29" dur="500" fill="hold"/>
+                                        <p:tgtEl>
+                                          <p:spTgt spid="3">
+                                            <p:txEl>
+                                              <p:pRg st="3" end="3"/>
+                                            </p:txEl>
+                                          </p:spTgt>
+                                        </p:tgtEl>
+                                        <p:attrNameLst>
+                                          <p:attrName>ppt_y</p:attrName>
+                                        </p:attrNameLst>
+                                      </p:cBhvr>
+                                      <p:tavLst>
+                                        <p:tav tm="0">
+                                          <p:val>
+                                            <p:strVal val="1+#ppt_h/2"/>
+                                          </p:val>
+                                        </p:tav>
+                                        <p:tav tm="100000">
+                                          <p:val>
+                                            <p:strVal val="#ppt_y"/>
+                                          </p:val>
+                                        </p:tav>
+                                      </p:tavLst>
+                                    </p:anim>
+                                  </p:childTnLst>
+                                </p:cTn>
+                              </p:par>
+                            </p:childTnLst>
+                          </p:cTn>
+                        </p:par>
+                      </p:childTnLst>
+                    </p:cTn>
+                  </p:par>
+                </p:childTnLst>
+              </p:cTn>
+              <p:prevCondLst>
+                <p:cond evt="onPrev" delay="0">
+                  <p:tgtEl>
+                    <p:sldTgt/>
+                  </p:tgtEl>
+                </p:cond>
+              </p:prevCondLst>
+              <p:nextCondLst>
+                <p:cond evt="onNext" delay="0">
+                  <p:tgtEl>
+                    <p:sldTgt/>
+                  </p:tgtEl>
+                </p:cond>
+              </p:nextCondLst>
+            </p:seq>
+          </p:childTnLst>
+        </p:cTn>
+      </p:par>
+    </p:tnLst>
+    <p:bldLst>
+      <p:bldP spid="2" grpId="0"/>
+      <p:bldP spid="3" grpId="0" build="p"/>
+    </p:bldLst>
+  </p:timing>
 </p:sld>
 </file>
 
@@ -6312,13 +7785,17 @@
                 <a:solidFill>
                   <a:schemeClr val="tx1"/>
                 </a:solidFill>
+                <a:latin typeface="Times New Roman" panose="02020603050405020304" pitchFamily="18" charset="0"/>
+                <a:cs typeface="Times New Roman" panose="02020603050405020304" pitchFamily="18" charset="0"/>
               </a:rPr>
-              <a:t>Expected Results</a:t>
+              <a:t>EXPECTED RESULTS</a:t>
             </a:r>
             <a:endParaRPr lang="en-US" b="1" dirty="0">
               <a:solidFill>
                 <a:schemeClr val="tx1"/>
               </a:solidFill>
+              <a:latin typeface="Times New Roman" panose="02020603050405020304" pitchFamily="18" charset="0"/>
+              <a:cs typeface="Times New Roman" panose="02020603050405020304" pitchFamily="18" charset="0"/>
             </a:endParaRPr>
           </a:p>
         </p:txBody>
@@ -6424,6 +7901,778 @@
   <p:clrMapOvr>
     <a:masterClrMapping/>
   </p:clrMapOvr>
+  <p:timing>
+    <p:tnLst>
+      <p:par>
+        <p:cTn id="1" dur="indefinite" restart="never" nodeType="tmRoot">
+          <p:childTnLst>
+            <p:seq concurrent="1" nextAc="seek">
+              <p:cTn id="2" dur="indefinite" nodeType="mainSeq">
+                <p:childTnLst>
+                  <p:par>
+                    <p:cTn id="3" fill="hold">
+                      <p:stCondLst>
+                        <p:cond delay="indefinite"/>
+                        <p:cond evt="onBegin" delay="0">
+                          <p:tn val="2"/>
+                        </p:cond>
+                      </p:stCondLst>
+                      <p:childTnLst>
+                        <p:par>
+                          <p:cTn id="4" fill="hold">
+                            <p:stCondLst>
+                              <p:cond delay="0"/>
+                            </p:stCondLst>
+                            <p:childTnLst>
+                              <p:par>
+                                <p:cTn id="5" presetID="42" presetClass="entr" presetSubtype="0" fill="hold" grpId="0" nodeType="afterEffect">
+                                  <p:stCondLst>
+                                    <p:cond delay="0"/>
+                                  </p:stCondLst>
+                                  <p:childTnLst>
+                                    <p:set>
+                                      <p:cBhvr>
+                                        <p:cTn id="6" dur="1" fill="hold">
+                                          <p:stCondLst>
+                                            <p:cond delay="0"/>
+                                          </p:stCondLst>
+                                        </p:cTn>
+                                        <p:tgtEl>
+                                          <p:spTgt spid="2"/>
+                                        </p:tgtEl>
+                                        <p:attrNameLst>
+                                          <p:attrName>style.visibility</p:attrName>
+                                        </p:attrNameLst>
+                                      </p:cBhvr>
+                                      <p:to>
+                                        <p:strVal val="visible"/>
+                                      </p:to>
+                                    </p:set>
+                                    <p:animEffect transition="in" filter="fade">
+                                      <p:cBhvr>
+                                        <p:cTn id="7" dur="1000"/>
+                                        <p:tgtEl>
+                                          <p:spTgt spid="2"/>
+                                        </p:tgtEl>
+                                      </p:cBhvr>
+                                    </p:animEffect>
+                                    <p:anim calcmode="lin" valueType="num">
+                                      <p:cBhvr>
+                                        <p:cTn id="8" dur="1000" fill="hold"/>
+                                        <p:tgtEl>
+                                          <p:spTgt spid="2"/>
+                                        </p:tgtEl>
+                                        <p:attrNameLst>
+                                          <p:attrName>ppt_x</p:attrName>
+                                        </p:attrNameLst>
+                                      </p:cBhvr>
+                                      <p:tavLst>
+                                        <p:tav tm="0">
+                                          <p:val>
+                                            <p:strVal val="#ppt_x"/>
+                                          </p:val>
+                                        </p:tav>
+                                        <p:tav tm="100000">
+                                          <p:val>
+                                            <p:strVal val="#ppt_x"/>
+                                          </p:val>
+                                        </p:tav>
+                                      </p:tavLst>
+                                    </p:anim>
+                                    <p:anim calcmode="lin" valueType="num">
+                                      <p:cBhvr>
+                                        <p:cTn id="9" dur="1000" fill="hold"/>
+                                        <p:tgtEl>
+                                          <p:spTgt spid="2"/>
+                                        </p:tgtEl>
+                                        <p:attrNameLst>
+                                          <p:attrName>ppt_y</p:attrName>
+                                        </p:attrNameLst>
+                                      </p:cBhvr>
+                                      <p:tavLst>
+                                        <p:tav tm="0">
+                                          <p:val>
+                                            <p:strVal val="#ppt_y+.1"/>
+                                          </p:val>
+                                        </p:tav>
+                                        <p:tav tm="100000">
+                                          <p:val>
+                                            <p:strVal val="#ppt_y"/>
+                                          </p:val>
+                                        </p:tav>
+                                      </p:tavLst>
+                                    </p:anim>
+                                  </p:childTnLst>
+                                </p:cTn>
+                              </p:par>
+                            </p:childTnLst>
+                          </p:cTn>
+                        </p:par>
+                        <p:par>
+                          <p:cTn id="10" fill="hold">
+                            <p:stCondLst>
+                              <p:cond delay="1000"/>
+                            </p:stCondLst>
+                            <p:childTnLst>
+                              <p:par>
+                                <p:cTn id="11" presetID="42" presetClass="entr" presetSubtype="0" fill="hold" grpId="0" nodeType="afterEffect">
+                                  <p:stCondLst>
+                                    <p:cond delay="0"/>
+                                  </p:stCondLst>
+                                  <p:childTnLst>
+                                    <p:set>
+                                      <p:cBhvr>
+                                        <p:cTn id="12" dur="1" fill="hold">
+                                          <p:stCondLst>
+                                            <p:cond delay="0"/>
+                                          </p:stCondLst>
+                                        </p:cTn>
+                                        <p:tgtEl>
+                                          <p:spTgt spid="3">
+                                            <p:txEl>
+                                              <p:pRg st="0" end="0"/>
+                                            </p:txEl>
+                                          </p:spTgt>
+                                        </p:tgtEl>
+                                        <p:attrNameLst>
+                                          <p:attrName>style.visibility</p:attrName>
+                                        </p:attrNameLst>
+                                      </p:cBhvr>
+                                      <p:to>
+                                        <p:strVal val="visible"/>
+                                      </p:to>
+                                    </p:set>
+                                    <p:animEffect transition="in" filter="fade">
+                                      <p:cBhvr>
+                                        <p:cTn id="13" dur="1000"/>
+                                        <p:tgtEl>
+                                          <p:spTgt spid="3">
+                                            <p:txEl>
+                                              <p:pRg st="0" end="0"/>
+                                            </p:txEl>
+                                          </p:spTgt>
+                                        </p:tgtEl>
+                                      </p:cBhvr>
+                                    </p:animEffect>
+                                    <p:anim calcmode="lin" valueType="num">
+                                      <p:cBhvr>
+                                        <p:cTn id="14" dur="1000" fill="hold"/>
+                                        <p:tgtEl>
+                                          <p:spTgt spid="3">
+                                            <p:txEl>
+                                              <p:pRg st="0" end="0"/>
+                                            </p:txEl>
+                                          </p:spTgt>
+                                        </p:tgtEl>
+                                        <p:attrNameLst>
+                                          <p:attrName>ppt_x</p:attrName>
+                                        </p:attrNameLst>
+                                      </p:cBhvr>
+                                      <p:tavLst>
+                                        <p:tav tm="0">
+                                          <p:val>
+                                            <p:strVal val="#ppt_x"/>
+                                          </p:val>
+                                        </p:tav>
+                                        <p:tav tm="100000">
+                                          <p:val>
+                                            <p:strVal val="#ppt_x"/>
+                                          </p:val>
+                                        </p:tav>
+                                      </p:tavLst>
+                                    </p:anim>
+                                    <p:anim calcmode="lin" valueType="num">
+                                      <p:cBhvr>
+                                        <p:cTn id="15" dur="1000" fill="hold"/>
+                                        <p:tgtEl>
+                                          <p:spTgt spid="3">
+                                            <p:txEl>
+                                              <p:pRg st="0" end="0"/>
+                                            </p:txEl>
+                                          </p:spTgt>
+                                        </p:tgtEl>
+                                        <p:attrNameLst>
+                                          <p:attrName>ppt_y</p:attrName>
+                                        </p:attrNameLst>
+                                      </p:cBhvr>
+                                      <p:tavLst>
+                                        <p:tav tm="0">
+                                          <p:val>
+                                            <p:strVal val="#ppt_y+.1"/>
+                                          </p:val>
+                                        </p:tav>
+                                        <p:tav tm="100000">
+                                          <p:val>
+                                            <p:strVal val="#ppt_y"/>
+                                          </p:val>
+                                        </p:tav>
+                                      </p:tavLst>
+                                    </p:anim>
+                                  </p:childTnLst>
+                                </p:cTn>
+                              </p:par>
+                            </p:childTnLst>
+                          </p:cTn>
+                        </p:par>
+                        <p:par>
+                          <p:cTn id="16" fill="hold">
+                            <p:stCondLst>
+                              <p:cond delay="2000"/>
+                            </p:stCondLst>
+                            <p:childTnLst>
+                              <p:par>
+                                <p:cTn id="17" presetID="42" presetClass="entr" presetSubtype="0" fill="hold" grpId="0" nodeType="afterEffect">
+                                  <p:stCondLst>
+                                    <p:cond delay="0"/>
+                                  </p:stCondLst>
+                                  <p:childTnLst>
+                                    <p:set>
+                                      <p:cBhvr>
+                                        <p:cTn id="18" dur="1" fill="hold">
+                                          <p:stCondLst>
+                                            <p:cond delay="0"/>
+                                          </p:stCondLst>
+                                        </p:cTn>
+                                        <p:tgtEl>
+                                          <p:spTgt spid="3">
+                                            <p:txEl>
+                                              <p:pRg st="1" end="1"/>
+                                            </p:txEl>
+                                          </p:spTgt>
+                                        </p:tgtEl>
+                                        <p:attrNameLst>
+                                          <p:attrName>style.visibility</p:attrName>
+                                        </p:attrNameLst>
+                                      </p:cBhvr>
+                                      <p:to>
+                                        <p:strVal val="visible"/>
+                                      </p:to>
+                                    </p:set>
+                                    <p:animEffect transition="in" filter="fade">
+                                      <p:cBhvr>
+                                        <p:cTn id="19" dur="1000"/>
+                                        <p:tgtEl>
+                                          <p:spTgt spid="3">
+                                            <p:txEl>
+                                              <p:pRg st="1" end="1"/>
+                                            </p:txEl>
+                                          </p:spTgt>
+                                        </p:tgtEl>
+                                      </p:cBhvr>
+                                    </p:animEffect>
+                                    <p:anim calcmode="lin" valueType="num">
+                                      <p:cBhvr>
+                                        <p:cTn id="20" dur="1000" fill="hold"/>
+                                        <p:tgtEl>
+                                          <p:spTgt spid="3">
+                                            <p:txEl>
+                                              <p:pRg st="1" end="1"/>
+                                            </p:txEl>
+                                          </p:spTgt>
+                                        </p:tgtEl>
+                                        <p:attrNameLst>
+                                          <p:attrName>ppt_x</p:attrName>
+                                        </p:attrNameLst>
+                                      </p:cBhvr>
+                                      <p:tavLst>
+                                        <p:tav tm="0">
+                                          <p:val>
+                                            <p:strVal val="#ppt_x"/>
+                                          </p:val>
+                                        </p:tav>
+                                        <p:tav tm="100000">
+                                          <p:val>
+                                            <p:strVal val="#ppt_x"/>
+                                          </p:val>
+                                        </p:tav>
+                                      </p:tavLst>
+                                    </p:anim>
+                                    <p:anim calcmode="lin" valueType="num">
+                                      <p:cBhvr>
+                                        <p:cTn id="21" dur="1000" fill="hold"/>
+                                        <p:tgtEl>
+                                          <p:spTgt spid="3">
+                                            <p:txEl>
+                                              <p:pRg st="1" end="1"/>
+                                            </p:txEl>
+                                          </p:spTgt>
+                                        </p:tgtEl>
+                                        <p:attrNameLst>
+                                          <p:attrName>ppt_y</p:attrName>
+                                        </p:attrNameLst>
+                                      </p:cBhvr>
+                                      <p:tavLst>
+                                        <p:tav tm="0">
+                                          <p:val>
+                                            <p:strVal val="#ppt_y+.1"/>
+                                          </p:val>
+                                        </p:tav>
+                                        <p:tav tm="100000">
+                                          <p:val>
+                                            <p:strVal val="#ppt_y"/>
+                                          </p:val>
+                                        </p:tav>
+                                      </p:tavLst>
+                                    </p:anim>
+                                  </p:childTnLst>
+                                </p:cTn>
+                              </p:par>
+                            </p:childTnLst>
+                          </p:cTn>
+                        </p:par>
+                        <p:par>
+                          <p:cTn id="22" fill="hold">
+                            <p:stCondLst>
+                              <p:cond delay="3000"/>
+                            </p:stCondLst>
+                            <p:childTnLst>
+                              <p:par>
+                                <p:cTn id="23" presetID="42" presetClass="entr" presetSubtype="0" fill="hold" grpId="0" nodeType="afterEffect">
+                                  <p:stCondLst>
+                                    <p:cond delay="0"/>
+                                  </p:stCondLst>
+                                  <p:childTnLst>
+                                    <p:set>
+                                      <p:cBhvr>
+                                        <p:cTn id="24" dur="1" fill="hold">
+                                          <p:stCondLst>
+                                            <p:cond delay="0"/>
+                                          </p:stCondLst>
+                                        </p:cTn>
+                                        <p:tgtEl>
+                                          <p:spTgt spid="3">
+                                            <p:txEl>
+                                              <p:pRg st="2" end="2"/>
+                                            </p:txEl>
+                                          </p:spTgt>
+                                        </p:tgtEl>
+                                        <p:attrNameLst>
+                                          <p:attrName>style.visibility</p:attrName>
+                                        </p:attrNameLst>
+                                      </p:cBhvr>
+                                      <p:to>
+                                        <p:strVal val="visible"/>
+                                      </p:to>
+                                    </p:set>
+                                    <p:animEffect transition="in" filter="fade">
+                                      <p:cBhvr>
+                                        <p:cTn id="25" dur="1000"/>
+                                        <p:tgtEl>
+                                          <p:spTgt spid="3">
+                                            <p:txEl>
+                                              <p:pRg st="2" end="2"/>
+                                            </p:txEl>
+                                          </p:spTgt>
+                                        </p:tgtEl>
+                                      </p:cBhvr>
+                                    </p:animEffect>
+                                    <p:anim calcmode="lin" valueType="num">
+                                      <p:cBhvr>
+                                        <p:cTn id="26" dur="1000" fill="hold"/>
+                                        <p:tgtEl>
+                                          <p:spTgt spid="3">
+                                            <p:txEl>
+                                              <p:pRg st="2" end="2"/>
+                                            </p:txEl>
+                                          </p:spTgt>
+                                        </p:tgtEl>
+                                        <p:attrNameLst>
+                                          <p:attrName>ppt_x</p:attrName>
+                                        </p:attrNameLst>
+                                      </p:cBhvr>
+                                      <p:tavLst>
+                                        <p:tav tm="0">
+                                          <p:val>
+                                            <p:strVal val="#ppt_x"/>
+                                          </p:val>
+                                        </p:tav>
+                                        <p:tav tm="100000">
+                                          <p:val>
+                                            <p:strVal val="#ppt_x"/>
+                                          </p:val>
+                                        </p:tav>
+                                      </p:tavLst>
+                                    </p:anim>
+                                    <p:anim calcmode="lin" valueType="num">
+                                      <p:cBhvr>
+                                        <p:cTn id="27" dur="1000" fill="hold"/>
+                                        <p:tgtEl>
+                                          <p:spTgt spid="3">
+                                            <p:txEl>
+                                              <p:pRg st="2" end="2"/>
+                                            </p:txEl>
+                                          </p:spTgt>
+                                        </p:tgtEl>
+                                        <p:attrNameLst>
+                                          <p:attrName>ppt_y</p:attrName>
+                                        </p:attrNameLst>
+                                      </p:cBhvr>
+                                      <p:tavLst>
+                                        <p:tav tm="0">
+                                          <p:val>
+                                            <p:strVal val="#ppt_y+.1"/>
+                                          </p:val>
+                                        </p:tav>
+                                        <p:tav tm="100000">
+                                          <p:val>
+                                            <p:strVal val="#ppt_y"/>
+                                          </p:val>
+                                        </p:tav>
+                                      </p:tavLst>
+                                    </p:anim>
+                                  </p:childTnLst>
+                                </p:cTn>
+                              </p:par>
+                            </p:childTnLst>
+                          </p:cTn>
+                        </p:par>
+                        <p:par>
+                          <p:cTn id="28" fill="hold">
+                            <p:stCondLst>
+                              <p:cond delay="4000"/>
+                            </p:stCondLst>
+                            <p:childTnLst>
+                              <p:par>
+                                <p:cTn id="29" presetID="42" presetClass="entr" presetSubtype="0" fill="hold" grpId="0" nodeType="afterEffect">
+                                  <p:stCondLst>
+                                    <p:cond delay="0"/>
+                                  </p:stCondLst>
+                                  <p:childTnLst>
+                                    <p:set>
+                                      <p:cBhvr>
+                                        <p:cTn id="30" dur="1" fill="hold">
+                                          <p:stCondLst>
+                                            <p:cond delay="0"/>
+                                          </p:stCondLst>
+                                        </p:cTn>
+                                        <p:tgtEl>
+                                          <p:spTgt spid="3">
+                                            <p:txEl>
+                                              <p:pRg st="3" end="3"/>
+                                            </p:txEl>
+                                          </p:spTgt>
+                                        </p:tgtEl>
+                                        <p:attrNameLst>
+                                          <p:attrName>style.visibility</p:attrName>
+                                        </p:attrNameLst>
+                                      </p:cBhvr>
+                                      <p:to>
+                                        <p:strVal val="visible"/>
+                                      </p:to>
+                                    </p:set>
+                                    <p:animEffect transition="in" filter="fade">
+                                      <p:cBhvr>
+                                        <p:cTn id="31" dur="1000"/>
+                                        <p:tgtEl>
+                                          <p:spTgt spid="3">
+                                            <p:txEl>
+                                              <p:pRg st="3" end="3"/>
+                                            </p:txEl>
+                                          </p:spTgt>
+                                        </p:tgtEl>
+                                      </p:cBhvr>
+                                    </p:animEffect>
+                                    <p:anim calcmode="lin" valueType="num">
+                                      <p:cBhvr>
+                                        <p:cTn id="32" dur="1000" fill="hold"/>
+                                        <p:tgtEl>
+                                          <p:spTgt spid="3">
+                                            <p:txEl>
+                                              <p:pRg st="3" end="3"/>
+                                            </p:txEl>
+                                          </p:spTgt>
+                                        </p:tgtEl>
+                                        <p:attrNameLst>
+                                          <p:attrName>ppt_x</p:attrName>
+                                        </p:attrNameLst>
+                                      </p:cBhvr>
+                                      <p:tavLst>
+                                        <p:tav tm="0">
+                                          <p:val>
+                                            <p:strVal val="#ppt_x"/>
+                                          </p:val>
+                                        </p:tav>
+                                        <p:tav tm="100000">
+                                          <p:val>
+                                            <p:strVal val="#ppt_x"/>
+                                          </p:val>
+                                        </p:tav>
+                                      </p:tavLst>
+                                    </p:anim>
+                                    <p:anim calcmode="lin" valueType="num">
+                                      <p:cBhvr>
+                                        <p:cTn id="33" dur="1000" fill="hold"/>
+                                        <p:tgtEl>
+                                          <p:spTgt spid="3">
+                                            <p:txEl>
+                                              <p:pRg st="3" end="3"/>
+                                            </p:txEl>
+                                          </p:spTgt>
+                                        </p:tgtEl>
+                                        <p:attrNameLst>
+                                          <p:attrName>ppt_y</p:attrName>
+                                        </p:attrNameLst>
+                                      </p:cBhvr>
+                                      <p:tavLst>
+                                        <p:tav tm="0">
+                                          <p:val>
+                                            <p:strVal val="#ppt_y+.1"/>
+                                          </p:val>
+                                        </p:tav>
+                                        <p:tav tm="100000">
+                                          <p:val>
+                                            <p:strVal val="#ppt_y"/>
+                                          </p:val>
+                                        </p:tav>
+                                      </p:tavLst>
+                                    </p:anim>
+                                  </p:childTnLst>
+                                </p:cTn>
+                              </p:par>
+                            </p:childTnLst>
+                          </p:cTn>
+                        </p:par>
+                        <p:par>
+                          <p:cTn id="34" fill="hold">
+                            <p:stCondLst>
+                              <p:cond delay="5000"/>
+                            </p:stCondLst>
+                            <p:childTnLst>
+                              <p:par>
+                                <p:cTn id="35" presetID="42" presetClass="entr" presetSubtype="0" fill="hold" grpId="0" nodeType="afterEffect">
+                                  <p:stCondLst>
+                                    <p:cond delay="0"/>
+                                  </p:stCondLst>
+                                  <p:childTnLst>
+                                    <p:set>
+                                      <p:cBhvr>
+                                        <p:cTn id="36" dur="1" fill="hold">
+                                          <p:stCondLst>
+                                            <p:cond delay="0"/>
+                                          </p:stCondLst>
+                                        </p:cTn>
+                                        <p:tgtEl>
+                                          <p:spTgt spid="3">
+                                            <p:txEl>
+                                              <p:pRg st="4" end="4"/>
+                                            </p:txEl>
+                                          </p:spTgt>
+                                        </p:tgtEl>
+                                        <p:attrNameLst>
+                                          <p:attrName>style.visibility</p:attrName>
+                                        </p:attrNameLst>
+                                      </p:cBhvr>
+                                      <p:to>
+                                        <p:strVal val="visible"/>
+                                      </p:to>
+                                    </p:set>
+                                    <p:animEffect transition="in" filter="fade">
+                                      <p:cBhvr>
+                                        <p:cTn id="37" dur="1000"/>
+                                        <p:tgtEl>
+                                          <p:spTgt spid="3">
+                                            <p:txEl>
+                                              <p:pRg st="4" end="4"/>
+                                            </p:txEl>
+                                          </p:spTgt>
+                                        </p:tgtEl>
+                                      </p:cBhvr>
+                                    </p:animEffect>
+                                    <p:anim calcmode="lin" valueType="num">
+                                      <p:cBhvr>
+                                        <p:cTn id="38" dur="1000" fill="hold"/>
+                                        <p:tgtEl>
+                                          <p:spTgt spid="3">
+                                            <p:txEl>
+                                              <p:pRg st="4" end="4"/>
+                                            </p:txEl>
+                                          </p:spTgt>
+                                        </p:tgtEl>
+                                        <p:attrNameLst>
+                                          <p:attrName>ppt_x</p:attrName>
+                                        </p:attrNameLst>
+                                      </p:cBhvr>
+                                      <p:tavLst>
+                                        <p:tav tm="0">
+                                          <p:val>
+                                            <p:strVal val="#ppt_x"/>
+                                          </p:val>
+                                        </p:tav>
+                                        <p:tav tm="100000">
+                                          <p:val>
+                                            <p:strVal val="#ppt_x"/>
+                                          </p:val>
+                                        </p:tav>
+                                      </p:tavLst>
+                                    </p:anim>
+                                    <p:anim calcmode="lin" valueType="num">
+                                      <p:cBhvr>
+                                        <p:cTn id="39" dur="1000" fill="hold"/>
+                                        <p:tgtEl>
+                                          <p:spTgt spid="3">
+                                            <p:txEl>
+                                              <p:pRg st="4" end="4"/>
+                                            </p:txEl>
+                                          </p:spTgt>
+                                        </p:tgtEl>
+                                        <p:attrNameLst>
+                                          <p:attrName>ppt_y</p:attrName>
+                                        </p:attrNameLst>
+                                      </p:cBhvr>
+                                      <p:tavLst>
+                                        <p:tav tm="0">
+                                          <p:val>
+                                            <p:strVal val="#ppt_y+.1"/>
+                                          </p:val>
+                                        </p:tav>
+                                        <p:tav tm="100000">
+                                          <p:val>
+                                            <p:strVal val="#ppt_y"/>
+                                          </p:val>
+                                        </p:tav>
+                                      </p:tavLst>
+                                    </p:anim>
+                                  </p:childTnLst>
+                                </p:cTn>
+                              </p:par>
+                            </p:childTnLst>
+                          </p:cTn>
+                        </p:par>
+                        <p:par>
+                          <p:cTn id="40" fill="hold">
+                            <p:stCondLst>
+                              <p:cond delay="6000"/>
+                            </p:stCondLst>
+                            <p:childTnLst>
+                              <p:par>
+                                <p:cTn id="41" presetID="42" presetClass="entr" presetSubtype="0" fill="hold" grpId="0" nodeType="afterEffect">
+                                  <p:stCondLst>
+                                    <p:cond delay="0"/>
+                                  </p:stCondLst>
+                                  <p:childTnLst>
+                                    <p:set>
+                                      <p:cBhvr>
+                                        <p:cTn id="42" dur="1" fill="hold">
+                                          <p:stCondLst>
+                                            <p:cond delay="0"/>
+                                          </p:stCondLst>
+                                        </p:cTn>
+                                        <p:tgtEl>
+                                          <p:spTgt spid="3">
+                                            <p:txEl>
+                                              <p:pRg st="5" end="5"/>
+                                            </p:txEl>
+                                          </p:spTgt>
+                                        </p:tgtEl>
+                                        <p:attrNameLst>
+                                          <p:attrName>style.visibility</p:attrName>
+                                        </p:attrNameLst>
+                                      </p:cBhvr>
+                                      <p:to>
+                                        <p:strVal val="visible"/>
+                                      </p:to>
+                                    </p:set>
+                                    <p:animEffect transition="in" filter="fade">
+                                      <p:cBhvr>
+                                        <p:cTn id="43" dur="1000"/>
+                                        <p:tgtEl>
+                                          <p:spTgt spid="3">
+                                            <p:txEl>
+                                              <p:pRg st="5" end="5"/>
+                                            </p:txEl>
+                                          </p:spTgt>
+                                        </p:tgtEl>
+                                      </p:cBhvr>
+                                    </p:animEffect>
+                                    <p:anim calcmode="lin" valueType="num">
+                                      <p:cBhvr>
+                                        <p:cTn id="44" dur="1000" fill="hold"/>
+                                        <p:tgtEl>
+                                          <p:spTgt spid="3">
+                                            <p:txEl>
+                                              <p:pRg st="5" end="5"/>
+                                            </p:txEl>
+                                          </p:spTgt>
+                                        </p:tgtEl>
+                                        <p:attrNameLst>
+                                          <p:attrName>ppt_x</p:attrName>
+                                        </p:attrNameLst>
+                                      </p:cBhvr>
+                                      <p:tavLst>
+                                        <p:tav tm="0">
+                                          <p:val>
+                                            <p:strVal val="#ppt_x"/>
+                                          </p:val>
+                                        </p:tav>
+                                        <p:tav tm="100000">
+                                          <p:val>
+                                            <p:strVal val="#ppt_x"/>
+                                          </p:val>
+                                        </p:tav>
+                                      </p:tavLst>
+                                    </p:anim>
+                                    <p:anim calcmode="lin" valueType="num">
+                                      <p:cBhvr>
+                                        <p:cTn id="45" dur="1000" fill="hold"/>
+                                        <p:tgtEl>
+                                          <p:spTgt spid="3">
+                                            <p:txEl>
+                                              <p:pRg st="5" end="5"/>
+                                            </p:txEl>
+                                          </p:spTgt>
+                                        </p:tgtEl>
+                                        <p:attrNameLst>
+                                          <p:attrName>ppt_y</p:attrName>
+                                        </p:attrNameLst>
+                                      </p:cBhvr>
+                                      <p:tavLst>
+                                        <p:tav tm="0">
+                                          <p:val>
+                                            <p:strVal val="#ppt_y+.1"/>
+                                          </p:val>
+                                        </p:tav>
+                                        <p:tav tm="100000">
+                                          <p:val>
+                                            <p:strVal val="#ppt_y"/>
+                                          </p:val>
+                                        </p:tav>
+                                      </p:tavLst>
+                                    </p:anim>
+                                  </p:childTnLst>
+                                </p:cTn>
+                              </p:par>
+                            </p:childTnLst>
+                          </p:cTn>
+                        </p:par>
+                      </p:childTnLst>
+                    </p:cTn>
+                  </p:par>
+                </p:childTnLst>
+              </p:cTn>
+              <p:prevCondLst>
+                <p:cond evt="onPrev" delay="0">
+                  <p:tgtEl>
+                    <p:sldTgt/>
+                  </p:tgtEl>
+                </p:cond>
+              </p:prevCondLst>
+              <p:nextCondLst>
+                <p:cond evt="onNext" delay="0">
+                  <p:tgtEl>
+                    <p:sldTgt/>
+                  </p:tgtEl>
+                </p:cond>
+              </p:nextCondLst>
+            </p:seq>
+          </p:childTnLst>
+        </p:cTn>
+      </p:par>
+    </p:tnLst>
+    <p:bldLst>
+      <p:bldP spid="2" grpId="0"/>
+      <p:bldP spid="3" grpId="0" build="p"/>
+    </p:bldLst>
+  </p:timing>
 </p:sld>
 </file>
 
@@ -6471,13 +8720,17 @@
                 <a:solidFill>
                   <a:schemeClr val="tx1"/>
                 </a:solidFill>
+                <a:latin typeface="Times New Roman" panose="02020603050405020304" pitchFamily="18" charset="0"/>
+                <a:cs typeface="Times New Roman" panose="02020603050405020304" pitchFamily="18" charset="0"/>
               </a:rPr>
-              <a:t>References</a:t>
+              <a:t>REFERENCES</a:t>
             </a:r>
             <a:endParaRPr lang="en-US" b="1" dirty="0">
               <a:solidFill>
                 <a:schemeClr val="tx1"/>
               </a:solidFill>
+              <a:latin typeface="Times New Roman" panose="02020603050405020304" pitchFamily="18" charset="0"/>
+              <a:cs typeface="Times New Roman" panose="02020603050405020304" pitchFamily="18" charset="0"/>
             </a:endParaRPr>
           </a:p>
         </p:txBody>
@@ -6506,42 +8759,60 @@
           <a:p>
             <a:pPr lvl="0"/>
             <a:r>
-              <a:rPr lang="en-US" sz="2400" dirty="0"/>
+              <a:rPr lang="en-US" sz="2400" dirty="0">
+                <a:latin typeface="Times New Roman" panose="02020603050405020304" pitchFamily="18" charset="0"/>
+                <a:cs typeface="Times New Roman" panose="02020603050405020304" pitchFamily="18" charset="0"/>
+              </a:rPr>
               <a:t>http://leafcloud.blogspot.com/2016/09/an-article-on-e-commerce-in-nepal.html (17 November 2019)</a:t>
             </a:r>
           </a:p>
           <a:p>
             <a:pPr lvl="0"/>
             <a:r>
-              <a:rPr lang="en-US" sz="2400" dirty="0"/>
+              <a:rPr lang="en-US" sz="2400" dirty="0">
+                <a:latin typeface="Times New Roman" panose="02020603050405020304" pitchFamily="18" charset="0"/>
+                <a:cs typeface="Times New Roman" panose="02020603050405020304" pitchFamily="18" charset="0"/>
+              </a:rPr>
               <a:t>https://kathmandupost.com/columns/2019/07/15/digital-development-and-e-commerce-in-nepal (17 November 2019)</a:t>
             </a:r>
           </a:p>
           <a:p>
             <a:pPr lvl="0"/>
             <a:r>
-              <a:rPr lang="en-US" sz="2400" dirty="0"/>
+              <a:rPr lang="en-US" sz="2400" dirty="0">
+                <a:latin typeface="Times New Roman" panose="02020603050405020304" pitchFamily="18" charset="0"/>
+                <a:cs typeface="Times New Roman" panose="02020603050405020304" pitchFamily="18" charset="0"/>
+              </a:rPr>
               <a:t>https://hansikar.com/online-shopping-in-nepal/ (18 November 2019)</a:t>
             </a:r>
           </a:p>
           <a:p>
             <a:pPr lvl="0"/>
             <a:r>
-              <a:rPr lang="en-US" sz="2400" dirty="0"/>
+              <a:rPr lang="en-US" sz="2400" dirty="0">
+                <a:latin typeface="Times New Roman" panose="02020603050405020304" pitchFamily="18" charset="0"/>
+                <a:cs typeface="Times New Roman" panose="02020603050405020304" pitchFamily="18" charset="0"/>
+              </a:rPr>
               <a:t>https://chautaari.com/e-commerce-nepal/ (17 November 2019)</a:t>
             </a:r>
           </a:p>
           <a:p>
             <a:pPr lvl="0"/>
             <a:r>
-              <a:rPr lang="en-US" sz="2400" dirty="0"/>
+              <a:rPr lang="en-US" sz="2400" dirty="0">
+                <a:latin typeface="Times New Roman" panose="02020603050405020304" pitchFamily="18" charset="0"/>
+                <a:cs typeface="Times New Roman" panose="02020603050405020304" pitchFamily="18" charset="0"/>
+              </a:rPr>
               <a:t>https://en.wikipedia.org/wiki/Timeline_of_e-commerce (20 November 2019)</a:t>
             </a:r>
           </a:p>
           <a:p>
             <a:pPr lvl="0"/>
             <a:r>
-              <a:rPr lang="en-US" sz="2400" dirty="0"/>
+              <a:rPr lang="en-US" sz="2400" dirty="0">
+                <a:latin typeface="Times New Roman" panose="02020603050405020304" pitchFamily="18" charset="0"/>
+                <a:cs typeface="Times New Roman" panose="02020603050405020304" pitchFamily="18" charset="0"/>
+              </a:rPr>
               <a:t>https://becominghuman.ai/how-ecommerce-companies-are-using-ai-to-drive-higher-sales-user-experience-20d9d9bbb2b0 (20 November 2019)</a:t>
             </a:r>
           </a:p>
@@ -6563,6 +8834,454 @@
   <p:clrMapOvr>
     <a:masterClrMapping/>
   </p:clrMapOvr>
+  <p:timing>
+    <p:tnLst>
+      <p:par>
+        <p:cTn id="1" dur="indefinite" restart="never" nodeType="tmRoot">
+          <p:childTnLst>
+            <p:seq concurrent="1" nextAc="seek">
+              <p:cTn id="2" dur="indefinite" nodeType="mainSeq">
+                <p:childTnLst>
+                  <p:par>
+                    <p:cTn id="3" fill="hold">
+                      <p:stCondLst>
+                        <p:cond delay="indefinite"/>
+                        <p:cond evt="onBegin" delay="0">
+                          <p:tn val="2"/>
+                        </p:cond>
+                      </p:stCondLst>
+                      <p:childTnLst>
+                        <p:par>
+                          <p:cTn id="4" fill="hold">
+                            <p:stCondLst>
+                              <p:cond delay="0"/>
+                            </p:stCondLst>
+                            <p:childTnLst>
+                              <p:par>
+                                <p:cTn id="5" presetID="42" presetClass="entr" presetSubtype="0" fill="hold" grpId="0" nodeType="afterEffect">
+                                  <p:stCondLst>
+                                    <p:cond delay="0"/>
+                                  </p:stCondLst>
+                                  <p:childTnLst>
+                                    <p:set>
+                                      <p:cBhvr>
+                                        <p:cTn id="6" dur="1" fill="hold">
+                                          <p:stCondLst>
+                                            <p:cond delay="0"/>
+                                          </p:stCondLst>
+                                        </p:cTn>
+                                        <p:tgtEl>
+                                          <p:spTgt spid="2"/>
+                                        </p:tgtEl>
+                                        <p:attrNameLst>
+                                          <p:attrName>style.visibility</p:attrName>
+                                        </p:attrNameLst>
+                                      </p:cBhvr>
+                                      <p:to>
+                                        <p:strVal val="visible"/>
+                                      </p:to>
+                                    </p:set>
+                                    <p:animEffect transition="in" filter="fade">
+                                      <p:cBhvr>
+                                        <p:cTn id="7" dur="1000"/>
+                                        <p:tgtEl>
+                                          <p:spTgt spid="2"/>
+                                        </p:tgtEl>
+                                      </p:cBhvr>
+                                    </p:animEffect>
+                                    <p:anim calcmode="lin" valueType="num">
+                                      <p:cBhvr>
+                                        <p:cTn id="8" dur="1000" fill="hold"/>
+                                        <p:tgtEl>
+                                          <p:spTgt spid="2"/>
+                                        </p:tgtEl>
+                                        <p:attrNameLst>
+                                          <p:attrName>ppt_x</p:attrName>
+                                        </p:attrNameLst>
+                                      </p:cBhvr>
+                                      <p:tavLst>
+                                        <p:tav tm="0">
+                                          <p:val>
+                                            <p:strVal val="#ppt_x"/>
+                                          </p:val>
+                                        </p:tav>
+                                        <p:tav tm="100000">
+                                          <p:val>
+                                            <p:strVal val="#ppt_x"/>
+                                          </p:val>
+                                        </p:tav>
+                                      </p:tavLst>
+                                    </p:anim>
+                                    <p:anim calcmode="lin" valueType="num">
+                                      <p:cBhvr>
+                                        <p:cTn id="9" dur="1000" fill="hold"/>
+                                        <p:tgtEl>
+                                          <p:spTgt spid="2"/>
+                                        </p:tgtEl>
+                                        <p:attrNameLst>
+                                          <p:attrName>ppt_y</p:attrName>
+                                        </p:attrNameLst>
+                                      </p:cBhvr>
+                                      <p:tavLst>
+                                        <p:tav tm="0">
+                                          <p:val>
+                                            <p:strVal val="#ppt_y+.1"/>
+                                          </p:val>
+                                        </p:tav>
+                                        <p:tav tm="100000">
+                                          <p:val>
+                                            <p:strVal val="#ppt_y"/>
+                                          </p:val>
+                                        </p:tav>
+                                      </p:tavLst>
+                                    </p:anim>
+                                  </p:childTnLst>
+                                </p:cTn>
+                              </p:par>
+                            </p:childTnLst>
+                          </p:cTn>
+                        </p:par>
+                        <p:par>
+                          <p:cTn id="10" fill="hold">
+                            <p:stCondLst>
+                              <p:cond delay="1000"/>
+                            </p:stCondLst>
+                            <p:childTnLst>
+                              <p:par>
+                                <p:cTn id="11" presetID="10" presetClass="entr" presetSubtype="0" fill="hold" grpId="0" nodeType="afterEffect">
+                                  <p:stCondLst>
+                                    <p:cond delay="0"/>
+                                  </p:stCondLst>
+                                  <p:childTnLst>
+                                    <p:set>
+                                      <p:cBhvr>
+                                        <p:cTn id="12" dur="1" fill="hold">
+                                          <p:stCondLst>
+                                            <p:cond delay="0"/>
+                                          </p:stCondLst>
+                                        </p:cTn>
+                                        <p:tgtEl>
+                                          <p:spTgt spid="3">
+                                            <p:txEl>
+                                              <p:pRg st="0" end="0"/>
+                                            </p:txEl>
+                                          </p:spTgt>
+                                        </p:tgtEl>
+                                        <p:attrNameLst>
+                                          <p:attrName>style.visibility</p:attrName>
+                                        </p:attrNameLst>
+                                      </p:cBhvr>
+                                      <p:to>
+                                        <p:strVal val="visible"/>
+                                      </p:to>
+                                    </p:set>
+                                    <p:animEffect transition="in" filter="fade">
+                                      <p:cBhvr>
+                                        <p:cTn id="13" dur="500"/>
+                                        <p:tgtEl>
+                                          <p:spTgt spid="3">
+                                            <p:txEl>
+                                              <p:pRg st="0" end="0"/>
+                                            </p:txEl>
+                                          </p:spTgt>
+                                        </p:tgtEl>
+                                      </p:cBhvr>
+                                    </p:animEffect>
+                                  </p:childTnLst>
+                                </p:cTn>
+                              </p:par>
+                            </p:childTnLst>
+                          </p:cTn>
+                        </p:par>
+                        <p:par>
+                          <p:cTn id="14" fill="hold">
+                            <p:stCondLst>
+                              <p:cond delay="1500"/>
+                            </p:stCondLst>
+                            <p:childTnLst>
+                              <p:par>
+                                <p:cTn id="15" presetID="10" presetClass="entr" presetSubtype="0" fill="hold" grpId="0" nodeType="afterEffect">
+                                  <p:stCondLst>
+                                    <p:cond delay="0"/>
+                                  </p:stCondLst>
+                                  <p:childTnLst>
+                                    <p:set>
+                                      <p:cBhvr>
+                                        <p:cTn id="16" dur="1" fill="hold">
+                                          <p:stCondLst>
+                                            <p:cond delay="0"/>
+                                          </p:stCondLst>
+                                        </p:cTn>
+                                        <p:tgtEl>
+                                          <p:spTgt spid="3">
+                                            <p:txEl>
+                                              <p:pRg st="1" end="1"/>
+                                            </p:txEl>
+                                          </p:spTgt>
+                                        </p:tgtEl>
+                                        <p:attrNameLst>
+                                          <p:attrName>style.visibility</p:attrName>
+                                        </p:attrNameLst>
+                                      </p:cBhvr>
+                                      <p:to>
+                                        <p:strVal val="visible"/>
+                                      </p:to>
+                                    </p:set>
+                                    <p:animEffect transition="in" filter="fade">
+                                      <p:cBhvr>
+                                        <p:cTn id="17" dur="500"/>
+                                        <p:tgtEl>
+                                          <p:spTgt spid="3">
+                                            <p:txEl>
+                                              <p:pRg st="1" end="1"/>
+                                            </p:txEl>
+                                          </p:spTgt>
+                                        </p:tgtEl>
+                                      </p:cBhvr>
+                                    </p:animEffect>
+                                  </p:childTnLst>
+                                </p:cTn>
+                              </p:par>
+                            </p:childTnLst>
+                          </p:cTn>
+                        </p:par>
+                        <p:par>
+                          <p:cTn id="18" fill="hold">
+                            <p:stCondLst>
+                              <p:cond delay="2000"/>
+                            </p:stCondLst>
+                            <p:childTnLst>
+                              <p:par>
+                                <p:cTn id="19" presetID="10" presetClass="entr" presetSubtype="0" fill="hold" grpId="0" nodeType="afterEffect">
+                                  <p:stCondLst>
+                                    <p:cond delay="0"/>
+                                  </p:stCondLst>
+                                  <p:childTnLst>
+                                    <p:set>
+                                      <p:cBhvr>
+                                        <p:cTn id="20" dur="1" fill="hold">
+                                          <p:stCondLst>
+                                            <p:cond delay="0"/>
+                                          </p:stCondLst>
+                                        </p:cTn>
+                                        <p:tgtEl>
+                                          <p:spTgt spid="3">
+                                            <p:txEl>
+                                              <p:pRg st="2" end="2"/>
+                                            </p:txEl>
+                                          </p:spTgt>
+                                        </p:tgtEl>
+                                        <p:attrNameLst>
+                                          <p:attrName>style.visibility</p:attrName>
+                                        </p:attrNameLst>
+                                      </p:cBhvr>
+                                      <p:to>
+                                        <p:strVal val="visible"/>
+                                      </p:to>
+                                    </p:set>
+                                    <p:animEffect transition="in" filter="fade">
+                                      <p:cBhvr>
+                                        <p:cTn id="21" dur="500"/>
+                                        <p:tgtEl>
+                                          <p:spTgt spid="3">
+                                            <p:txEl>
+                                              <p:pRg st="2" end="2"/>
+                                            </p:txEl>
+                                          </p:spTgt>
+                                        </p:tgtEl>
+                                      </p:cBhvr>
+                                    </p:animEffect>
+                                  </p:childTnLst>
+                                </p:cTn>
+                              </p:par>
+                            </p:childTnLst>
+                          </p:cTn>
+                        </p:par>
+                        <p:par>
+                          <p:cTn id="22" fill="hold">
+                            <p:stCondLst>
+                              <p:cond delay="2500"/>
+                            </p:stCondLst>
+                            <p:childTnLst>
+                              <p:par>
+                                <p:cTn id="23" presetID="10" presetClass="entr" presetSubtype="0" fill="hold" grpId="0" nodeType="afterEffect">
+                                  <p:stCondLst>
+                                    <p:cond delay="0"/>
+                                  </p:stCondLst>
+                                  <p:childTnLst>
+                                    <p:set>
+                                      <p:cBhvr>
+                                        <p:cTn id="24" dur="1" fill="hold">
+                                          <p:stCondLst>
+                                            <p:cond delay="0"/>
+                                          </p:stCondLst>
+                                        </p:cTn>
+                                        <p:tgtEl>
+                                          <p:spTgt spid="3">
+                                            <p:txEl>
+                                              <p:pRg st="3" end="3"/>
+                                            </p:txEl>
+                                          </p:spTgt>
+                                        </p:tgtEl>
+                                        <p:attrNameLst>
+                                          <p:attrName>style.visibility</p:attrName>
+                                        </p:attrNameLst>
+                                      </p:cBhvr>
+                                      <p:to>
+                                        <p:strVal val="visible"/>
+                                      </p:to>
+                                    </p:set>
+                                    <p:animEffect transition="in" filter="fade">
+                                      <p:cBhvr>
+                                        <p:cTn id="25" dur="500"/>
+                                        <p:tgtEl>
+                                          <p:spTgt spid="3">
+                                            <p:txEl>
+                                              <p:pRg st="3" end="3"/>
+                                            </p:txEl>
+                                          </p:spTgt>
+                                        </p:tgtEl>
+                                      </p:cBhvr>
+                                    </p:animEffect>
+                                  </p:childTnLst>
+                                </p:cTn>
+                              </p:par>
+                            </p:childTnLst>
+                          </p:cTn>
+                        </p:par>
+                        <p:par>
+                          <p:cTn id="26" fill="hold">
+                            <p:stCondLst>
+                              <p:cond delay="3000"/>
+                            </p:stCondLst>
+                            <p:childTnLst>
+                              <p:par>
+                                <p:cTn id="27" presetID="10" presetClass="entr" presetSubtype="0" fill="hold" grpId="0" nodeType="afterEffect">
+                                  <p:stCondLst>
+                                    <p:cond delay="0"/>
+                                  </p:stCondLst>
+                                  <p:childTnLst>
+                                    <p:set>
+                                      <p:cBhvr>
+                                        <p:cTn id="28" dur="1" fill="hold">
+                                          <p:stCondLst>
+                                            <p:cond delay="0"/>
+                                          </p:stCondLst>
+                                        </p:cTn>
+                                        <p:tgtEl>
+                                          <p:spTgt spid="3">
+                                            <p:txEl>
+                                              <p:pRg st="4" end="4"/>
+                                            </p:txEl>
+                                          </p:spTgt>
+                                        </p:tgtEl>
+                                        <p:attrNameLst>
+                                          <p:attrName>style.visibility</p:attrName>
+                                        </p:attrNameLst>
+                                      </p:cBhvr>
+                                      <p:to>
+                                        <p:strVal val="visible"/>
+                                      </p:to>
+                                    </p:set>
+                                    <p:animEffect transition="in" filter="fade">
+                                      <p:cBhvr>
+                                        <p:cTn id="29" dur="500"/>
+                                        <p:tgtEl>
+                                          <p:spTgt spid="3">
+                                            <p:txEl>
+                                              <p:pRg st="4" end="4"/>
+                                            </p:txEl>
+                                          </p:spTgt>
+                                        </p:tgtEl>
+                                      </p:cBhvr>
+                                    </p:animEffect>
+                                  </p:childTnLst>
+                                </p:cTn>
+                              </p:par>
+                            </p:childTnLst>
+                          </p:cTn>
+                        </p:par>
+                        <p:par>
+                          <p:cTn id="30" fill="hold">
+                            <p:stCondLst>
+                              <p:cond delay="3500"/>
+                            </p:stCondLst>
+                            <p:childTnLst>
+                              <p:par>
+                                <p:cTn id="31" presetID="10" presetClass="entr" presetSubtype="0" fill="hold" grpId="0" nodeType="afterEffect">
+                                  <p:stCondLst>
+                                    <p:cond delay="0"/>
+                                  </p:stCondLst>
+                                  <p:childTnLst>
+                                    <p:set>
+                                      <p:cBhvr>
+                                        <p:cTn id="32" dur="1" fill="hold">
+                                          <p:stCondLst>
+                                            <p:cond delay="0"/>
+                                          </p:stCondLst>
+                                        </p:cTn>
+                                        <p:tgtEl>
+                                          <p:spTgt spid="3">
+                                            <p:txEl>
+                                              <p:pRg st="5" end="5"/>
+                                            </p:txEl>
+                                          </p:spTgt>
+                                        </p:tgtEl>
+                                        <p:attrNameLst>
+                                          <p:attrName>style.visibility</p:attrName>
+                                        </p:attrNameLst>
+                                      </p:cBhvr>
+                                      <p:to>
+                                        <p:strVal val="visible"/>
+                                      </p:to>
+                                    </p:set>
+                                    <p:animEffect transition="in" filter="fade">
+                                      <p:cBhvr>
+                                        <p:cTn id="33" dur="500"/>
+                                        <p:tgtEl>
+                                          <p:spTgt spid="3">
+                                            <p:txEl>
+                                              <p:pRg st="5" end="5"/>
+                                            </p:txEl>
+                                          </p:spTgt>
+                                        </p:tgtEl>
+                                      </p:cBhvr>
+                                    </p:animEffect>
+                                  </p:childTnLst>
+                                </p:cTn>
+                              </p:par>
+                            </p:childTnLst>
+                          </p:cTn>
+                        </p:par>
+                      </p:childTnLst>
+                    </p:cTn>
+                  </p:par>
+                </p:childTnLst>
+              </p:cTn>
+              <p:prevCondLst>
+                <p:cond evt="onPrev" delay="0">
+                  <p:tgtEl>
+                    <p:sldTgt/>
+                  </p:tgtEl>
+                </p:cond>
+              </p:prevCondLst>
+              <p:nextCondLst>
+                <p:cond evt="onNext" delay="0">
+                  <p:tgtEl>
+                    <p:sldTgt/>
+                  </p:tgtEl>
+                </p:cond>
+              </p:nextCondLst>
+            </p:seq>
+          </p:childTnLst>
+        </p:cTn>
+      </p:par>
+    </p:tnLst>
+    <p:bldLst>
+      <p:bldP spid="2" grpId="0"/>
+      <p:bldP spid="3" grpId="0" build="p"/>
+    </p:bldLst>
+  </p:timing>
 </p:sld>
 </file>
 
@@ -6595,8 +9314,8 @@
         </p:nvSpPr>
         <p:spPr>
           <a:xfrm>
-            <a:off x="3744999" y="3057832"/>
-            <a:ext cx="3688189" cy="1543666"/>
+            <a:off x="3232597" y="2614412"/>
+            <a:ext cx="3850783" cy="1043188"/>
           </a:xfrm>
         </p:spPr>
         <p:txBody>
@@ -6606,17 +9325,49 @@
           <a:lstStyle/>
           <a:p>
             <a:r>
-              <a:rPr lang="en-US" sz="5400" b="1" dirty="0" err="1" smtClean="0">
+              <a:rPr lang="en-US" sz="5400" b="1" dirty="0" smtClean="0">
+                <a:ln w="13462">
+                  <a:solidFill>
+                    <a:schemeClr val="bg1"/>
+                  </a:solidFill>
+                  <a:prstDash val="solid"/>
+                </a:ln>
                 <a:solidFill>
-                  <a:schemeClr val="tx1"/>
+                  <a:schemeClr val="tx1">
+                    <a:lumMod val="85000"/>
+                    <a:lumOff val="15000"/>
+                  </a:schemeClr>
                 </a:solidFill>
+                <a:effectLst>
+                  <a:outerShdw dist="38100" dir="2700000" algn="bl" rotWithShape="0">
+                    <a:schemeClr val="accent5"/>
+                  </a:outerShdw>
+                </a:effectLst>
+                <a:latin typeface="Times New Roman" panose="02020603050405020304" pitchFamily="18" charset="0"/>
+                <a:cs typeface="Times New Roman" panose="02020603050405020304" pitchFamily="18" charset="0"/>
               </a:rPr>
-              <a:t>Thankyou</a:t>
+              <a:t>Thank you!!</a:t>
             </a:r>
             <a:endParaRPr lang="en-US" sz="5400" b="1" dirty="0">
+              <a:ln w="13462">
+                <a:solidFill>
+                  <a:schemeClr val="bg1"/>
+                </a:solidFill>
+                <a:prstDash val="solid"/>
+              </a:ln>
               <a:solidFill>
-                <a:schemeClr val="tx1"/>
+                <a:schemeClr val="tx1">
+                  <a:lumMod val="85000"/>
+                  <a:lumOff val="15000"/>
+                </a:schemeClr>
               </a:solidFill>
+              <a:effectLst>
+                <a:outerShdw dist="38100" dir="2700000" algn="bl" rotWithShape="0">
+                  <a:schemeClr val="accent5"/>
+                </a:outerShdw>
+              </a:effectLst>
+              <a:latin typeface="Times New Roman" panose="02020603050405020304" pitchFamily="18" charset="0"/>
+              <a:cs typeface="Times New Roman" panose="02020603050405020304" pitchFamily="18" charset="0"/>
             </a:endParaRPr>
           </a:p>
         </p:txBody>
@@ -6631,6 +9382,164 @@
   <p:clrMapOvr>
     <a:masterClrMapping/>
   </p:clrMapOvr>
+  <p:timing>
+    <p:tnLst>
+      <p:par>
+        <p:cTn id="1" dur="indefinite" restart="never" nodeType="tmRoot">
+          <p:childTnLst>
+            <p:seq concurrent="1" nextAc="seek">
+              <p:cTn id="2" dur="indefinite" nodeType="mainSeq">
+                <p:childTnLst>
+                  <p:par>
+                    <p:cTn id="3" fill="hold">
+                      <p:stCondLst>
+                        <p:cond delay="indefinite"/>
+                        <p:cond evt="onBegin" delay="0">
+                          <p:tn val="2"/>
+                        </p:cond>
+                      </p:stCondLst>
+                      <p:childTnLst>
+                        <p:par>
+                          <p:cTn id="4" fill="hold">
+                            <p:stCondLst>
+                              <p:cond delay="0"/>
+                            </p:stCondLst>
+                            <p:childTnLst>
+                              <p:par>
+                                <p:cTn id="5" presetID="31" presetClass="entr" presetSubtype="0" fill="hold" grpId="0" nodeType="afterEffect">
+                                  <p:stCondLst>
+                                    <p:cond delay="0"/>
+                                  </p:stCondLst>
+                                  <p:childTnLst>
+                                    <p:set>
+                                      <p:cBhvr>
+                                        <p:cTn id="6" dur="1" fill="hold">
+                                          <p:stCondLst>
+                                            <p:cond delay="0"/>
+                                          </p:stCondLst>
+                                        </p:cTn>
+                                        <p:tgtEl>
+                                          <p:spTgt spid="2"/>
+                                        </p:tgtEl>
+                                        <p:attrNameLst>
+                                          <p:attrName>style.visibility</p:attrName>
+                                        </p:attrNameLst>
+                                      </p:cBhvr>
+                                      <p:to>
+                                        <p:strVal val="visible"/>
+                                      </p:to>
+                                    </p:set>
+                                    <p:anim calcmode="lin" valueType="num">
+                                      <p:cBhvr>
+                                        <p:cTn id="7" dur="1000" fill="hold"/>
+                                        <p:tgtEl>
+                                          <p:spTgt spid="2"/>
+                                        </p:tgtEl>
+                                        <p:attrNameLst>
+                                          <p:attrName>ppt_w</p:attrName>
+                                        </p:attrNameLst>
+                                      </p:cBhvr>
+                                      <p:tavLst>
+                                        <p:tav tm="0">
+                                          <p:val>
+                                            <p:fltVal val="0"/>
+                                          </p:val>
+                                        </p:tav>
+                                        <p:tav tm="100000">
+                                          <p:val>
+                                            <p:strVal val="#ppt_w"/>
+                                          </p:val>
+                                        </p:tav>
+                                      </p:tavLst>
+                                    </p:anim>
+                                    <p:anim calcmode="lin" valueType="num">
+                                      <p:cBhvr>
+                                        <p:cTn id="8" dur="1000" fill="hold"/>
+                                        <p:tgtEl>
+                                          <p:spTgt spid="2"/>
+                                        </p:tgtEl>
+                                        <p:attrNameLst>
+                                          <p:attrName>ppt_h</p:attrName>
+                                        </p:attrNameLst>
+                                      </p:cBhvr>
+                                      <p:tavLst>
+                                        <p:tav tm="0">
+                                          <p:val>
+                                            <p:fltVal val="0"/>
+                                          </p:val>
+                                        </p:tav>
+                                        <p:tav tm="100000">
+                                          <p:val>
+                                            <p:strVal val="#ppt_h"/>
+                                          </p:val>
+                                        </p:tav>
+                                      </p:tavLst>
+                                    </p:anim>
+                                    <p:anim calcmode="lin" valueType="num">
+                                      <p:cBhvr>
+                                        <p:cTn id="9" dur="1000" fill="hold"/>
+                                        <p:tgtEl>
+                                          <p:spTgt spid="2"/>
+                                        </p:tgtEl>
+                                        <p:attrNameLst>
+                                          <p:attrName>style.rotation</p:attrName>
+                                        </p:attrNameLst>
+                                      </p:cBhvr>
+                                      <p:tavLst>
+                                        <p:tav tm="0">
+                                          <p:val>
+                                            <p:fltVal val="90"/>
+                                          </p:val>
+                                        </p:tav>
+                                        <p:tav tm="100000">
+                                          <p:val>
+                                            <p:fltVal val="0"/>
+                                          </p:val>
+                                        </p:tav>
+                                      </p:tavLst>
+                                    </p:anim>
+                                    <p:animEffect transition="in" filter="fade">
+                                      <p:cBhvr>
+                                        <p:cTn id="10" dur="1000"/>
+                                        <p:tgtEl>
+                                          <p:spTgt spid="2"/>
+                                        </p:tgtEl>
+                                      </p:cBhvr>
+                                    </p:animEffect>
+                                  </p:childTnLst>
+                                </p:cTn>
+                              </p:par>
+                            </p:childTnLst>
+                          </p:cTn>
+                        </p:par>
+                      </p:childTnLst>
+                    </p:cTn>
+                  </p:par>
+                </p:childTnLst>
+              </p:cTn>
+              <p:prevCondLst>
+                <p:cond evt="onPrev" delay="0">
+                  <p:tgtEl>
+                    <p:sldTgt/>
+                  </p:tgtEl>
+                </p:cond>
+              </p:prevCondLst>
+              <p:nextCondLst>
+                <p:cond evt="onNext" delay="0">
+                  <p:tgtEl>
+                    <p:sldTgt/>
+                  </p:tgtEl>
+                </p:cond>
+              </p:nextCondLst>
+            </p:seq>
+          </p:childTnLst>
+        </p:cTn>
+      </p:par>
+    </p:tnLst>
+    <p:bldLst>
+      <p:bldP spid="2" grpId="0"/>
+    </p:bldLst>
+  </p:timing>
 </p:sld>
 </file>
 
@@ -6678,13 +9587,17 @@
                 <a:solidFill>
                   <a:schemeClr val="tx1"/>
                 </a:solidFill>
+                <a:latin typeface="Times New Roman" panose="02020603050405020304" pitchFamily="18" charset="0"/>
+                <a:cs typeface="Times New Roman" panose="02020603050405020304" pitchFamily="18" charset="0"/>
               </a:rPr>
-              <a:t>Introduction</a:t>
+              <a:t>INTRODUCTION</a:t>
             </a:r>
             <a:endParaRPr lang="en-US" b="1" dirty="0">
               <a:solidFill>
                 <a:schemeClr val="tx1"/>
               </a:solidFill>
+              <a:latin typeface="Times New Roman" panose="02020603050405020304" pitchFamily="18" charset="0"/>
+              <a:cs typeface="Times New Roman" panose="02020603050405020304" pitchFamily="18" charset="0"/>
             </a:endParaRPr>
           </a:p>
         </p:txBody>
@@ -6712,44 +9625,68 @@
           <a:lstStyle/>
           <a:p>
             <a:r>
-              <a:rPr lang="en-US" sz="2400" dirty="0" smtClean="0"/>
+              <a:rPr lang="en-US" sz="2400" dirty="0" smtClean="0">
+                <a:latin typeface="Times New Roman" panose="02020603050405020304" pitchFamily="18" charset="0"/>
+                <a:cs typeface="Times New Roman" panose="02020603050405020304" pitchFamily="18" charset="0"/>
+              </a:rPr>
               <a:t>In general buying and selling of products or services via internet is termed as  E-commerce.</a:t>
             </a:r>
           </a:p>
           <a:p>
             <a:r>
-              <a:rPr lang="en-US" sz="2400" dirty="0" smtClean="0"/>
+              <a:rPr lang="en-US" sz="2400" dirty="0" smtClean="0">
+                <a:latin typeface="Times New Roman" panose="02020603050405020304" pitchFamily="18" charset="0"/>
+                <a:cs typeface="Times New Roman" panose="02020603050405020304" pitchFamily="18" charset="0"/>
+              </a:rPr>
               <a:t>AI-driven E-commerce sites help </a:t>
             </a:r>
             <a:r>
-              <a:rPr lang="en-US" sz="2400" dirty="0"/>
+              <a:rPr lang="en-US" sz="2400" dirty="0">
+                <a:latin typeface="Times New Roman" panose="02020603050405020304" pitchFamily="18" charset="0"/>
+                <a:cs typeface="Times New Roman" panose="02020603050405020304" pitchFamily="18" charset="0"/>
+              </a:rPr>
               <a:t>businesses increase sales, retain customers, boost customer </a:t>
             </a:r>
             <a:r>
-              <a:rPr lang="en-US" sz="2400" dirty="0" smtClean="0"/>
+              <a:rPr lang="en-US" sz="2400" dirty="0" smtClean="0">
+                <a:latin typeface="Times New Roman" panose="02020603050405020304" pitchFamily="18" charset="0"/>
+                <a:cs typeface="Times New Roman" panose="02020603050405020304" pitchFamily="18" charset="0"/>
+              </a:rPr>
               <a:t>satisfaction and many more.</a:t>
             </a:r>
           </a:p>
           <a:p>
             <a:r>
-              <a:rPr lang="en-US" sz="2400" dirty="0" smtClean="0"/>
+              <a:rPr lang="en-US" sz="2400" dirty="0" smtClean="0">
+                <a:latin typeface="Times New Roman" panose="02020603050405020304" pitchFamily="18" charset="0"/>
+                <a:cs typeface="Times New Roman" panose="02020603050405020304" pitchFamily="18" charset="0"/>
+              </a:rPr>
               <a:t>We proposed this domestic E-commerce website named “E-Mart” to meet the needs of Nepali community.</a:t>
             </a:r>
           </a:p>
           <a:p>
             <a:r>
-              <a:rPr lang="en-US" sz="2400" dirty="0" smtClean="0"/>
+              <a:rPr lang="en-US" sz="2400" dirty="0" smtClean="0">
+                <a:latin typeface="Times New Roman" panose="02020603050405020304" pitchFamily="18" charset="0"/>
+                <a:cs typeface="Times New Roman" panose="02020603050405020304" pitchFamily="18" charset="0"/>
+              </a:rPr>
               <a:t>Platform for different people to create an account, advertise products, so that other users can view and buy them directly from the seller.  </a:t>
             </a:r>
           </a:p>
           <a:p>
             <a:r>
-              <a:rPr lang="en-US" sz="2400" dirty="0" smtClean="0"/>
+              <a:rPr lang="en-US" sz="2400" dirty="0" smtClean="0">
+                <a:latin typeface="Times New Roman" panose="02020603050405020304" pitchFamily="18" charset="0"/>
+                <a:cs typeface="Times New Roman" panose="02020603050405020304" pitchFamily="18" charset="0"/>
+              </a:rPr>
               <a:t>It implements AI to personalize recommendations and provide chat filer.</a:t>
             </a:r>
           </a:p>
           <a:p>
-            <a:endParaRPr lang="en-US" dirty="0" smtClean="0"/>
+            <a:endParaRPr lang="en-US" sz="2400" dirty="0" smtClean="0">
+              <a:latin typeface="Times New Roman" panose="02020603050405020304" pitchFamily="18" charset="0"/>
+              <a:cs typeface="Times New Roman" panose="02020603050405020304" pitchFamily="18" charset="0"/>
+            </a:endParaRPr>
           </a:p>
           <a:p>
             <a:endParaRPr lang="en-US" dirty="0"/>
@@ -6766,6 +9703,672 @@
   <p:clrMapOvr>
     <a:masterClrMapping/>
   </p:clrMapOvr>
+  <p:timing>
+    <p:tnLst>
+      <p:par>
+        <p:cTn id="1" dur="indefinite" restart="never" nodeType="tmRoot">
+          <p:childTnLst>
+            <p:seq concurrent="1" nextAc="seek">
+              <p:cTn id="2" dur="indefinite" nodeType="mainSeq">
+                <p:childTnLst>
+                  <p:par>
+                    <p:cTn id="3" fill="hold">
+                      <p:stCondLst>
+                        <p:cond delay="indefinite"/>
+                        <p:cond evt="onBegin" delay="0">
+                          <p:tn val="2"/>
+                        </p:cond>
+                      </p:stCondLst>
+                      <p:childTnLst>
+                        <p:par>
+                          <p:cTn id="4" fill="hold">
+                            <p:stCondLst>
+                              <p:cond delay="0"/>
+                            </p:stCondLst>
+                            <p:childTnLst>
+                              <p:par>
+                                <p:cTn id="5" presetID="42" presetClass="entr" presetSubtype="0" fill="hold" grpId="0" nodeType="afterEffect">
+                                  <p:stCondLst>
+                                    <p:cond delay="0"/>
+                                  </p:stCondLst>
+                                  <p:childTnLst>
+                                    <p:set>
+                                      <p:cBhvr>
+                                        <p:cTn id="6" dur="1" fill="hold">
+                                          <p:stCondLst>
+                                            <p:cond delay="0"/>
+                                          </p:stCondLst>
+                                        </p:cTn>
+                                        <p:tgtEl>
+                                          <p:spTgt spid="2"/>
+                                        </p:tgtEl>
+                                        <p:attrNameLst>
+                                          <p:attrName>style.visibility</p:attrName>
+                                        </p:attrNameLst>
+                                      </p:cBhvr>
+                                      <p:to>
+                                        <p:strVal val="visible"/>
+                                      </p:to>
+                                    </p:set>
+                                    <p:animEffect transition="in" filter="fade">
+                                      <p:cBhvr>
+                                        <p:cTn id="7" dur="1000"/>
+                                        <p:tgtEl>
+                                          <p:spTgt spid="2"/>
+                                        </p:tgtEl>
+                                      </p:cBhvr>
+                                    </p:animEffect>
+                                    <p:anim calcmode="lin" valueType="num">
+                                      <p:cBhvr>
+                                        <p:cTn id="8" dur="1000" fill="hold"/>
+                                        <p:tgtEl>
+                                          <p:spTgt spid="2"/>
+                                        </p:tgtEl>
+                                        <p:attrNameLst>
+                                          <p:attrName>ppt_x</p:attrName>
+                                        </p:attrNameLst>
+                                      </p:cBhvr>
+                                      <p:tavLst>
+                                        <p:tav tm="0">
+                                          <p:val>
+                                            <p:strVal val="#ppt_x"/>
+                                          </p:val>
+                                        </p:tav>
+                                        <p:tav tm="100000">
+                                          <p:val>
+                                            <p:strVal val="#ppt_x"/>
+                                          </p:val>
+                                        </p:tav>
+                                      </p:tavLst>
+                                    </p:anim>
+                                    <p:anim calcmode="lin" valueType="num">
+                                      <p:cBhvr>
+                                        <p:cTn id="9" dur="1000" fill="hold"/>
+                                        <p:tgtEl>
+                                          <p:spTgt spid="2"/>
+                                        </p:tgtEl>
+                                        <p:attrNameLst>
+                                          <p:attrName>ppt_y</p:attrName>
+                                        </p:attrNameLst>
+                                      </p:cBhvr>
+                                      <p:tavLst>
+                                        <p:tav tm="0">
+                                          <p:val>
+                                            <p:strVal val="#ppt_y+.1"/>
+                                          </p:val>
+                                        </p:tav>
+                                        <p:tav tm="100000">
+                                          <p:val>
+                                            <p:strVal val="#ppt_y"/>
+                                          </p:val>
+                                        </p:tav>
+                                      </p:tavLst>
+                                    </p:anim>
+                                  </p:childTnLst>
+                                </p:cTn>
+                              </p:par>
+                            </p:childTnLst>
+                          </p:cTn>
+                        </p:par>
+                        <p:par>
+                          <p:cTn id="10" fill="hold">
+                            <p:stCondLst>
+                              <p:cond delay="1000"/>
+                            </p:stCondLst>
+                            <p:childTnLst>
+                              <p:par>
+                                <p:cTn id="11" presetID="42" presetClass="entr" presetSubtype="0" fill="hold" grpId="0" nodeType="afterEffect">
+                                  <p:stCondLst>
+                                    <p:cond delay="0"/>
+                                  </p:stCondLst>
+                                  <p:childTnLst>
+                                    <p:set>
+                                      <p:cBhvr>
+                                        <p:cTn id="12" dur="1" fill="hold">
+                                          <p:stCondLst>
+                                            <p:cond delay="0"/>
+                                          </p:stCondLst>
+                                        </p:cTn>
+                                        <p:tgtEl>
+                                          <p:spTgt spid="3">
+                                            <p:txEl>
+                                              <p:pRg st="0" end="0"/>
+                                            </p:txEl>
+                                          </p:spTgt>
+                                        </p:tgtEl>
+                                        <p:attrNameLst>
+                                          <p:attrName>style.visibility</p:attrName>
+                                        </p:attrNameLst>
+                                      </p:cBhvr>
+                                      <p:to>
+                                        <p:strVal val="visible"/>
+                                      </p:to>
+                                    </p:set>
+                                    <p:animEffect transition="in" filter="fade">
+                                      <p:cBhvr>
+                                        <p:cTn id="13" dur="1000"/>
+                                        <p:tgtEl>
+                                          <p:spTgt spid="3">
+                                            <p:txEl>
+                                              <p:pRg st="0" end="0"/>
+                                            </p:txEl>
+                                          </p:spTgt>
+                                        </p:tgtEl>
+                                      </p:cBhvr>
+                                    </p:animEffect>
+                                    <p:anim calcmode="lin" valueType="num">
+                                      <p:cBhvr>
+                                        <p:cTn id="14" dur="1000" fill="hold"/>
+                                        <p:tgtEl>
+                                          <p:spTgt spid="3">
+                                            <p:txEl>
+                                              <p:pRg st="0" end="0"/>
+                                            </p:txEl>
+                                          </p:spTgt>
+                                        </p:tgtEl>
+                                        <p:attrNameLst>
+                                          <p:attrName>ppt_x</p:attrName>
+                                        </p:attrNameLst>
+                                      </p:cBhvr>
+                                      <p:tavLst>
+                                        <p:tav tm="0">
+                                          <p:val>
+                                            <p:strVal val="#ppt_x"/>
+                                          </p:val>
+                                        </p:tav>
+                                        <p:tav tm="100000">
+                                          <p:val>
+                                            <p:strVal val="#ppt_x"/>
+                                          </p:val>
+                                        </p:tav>
+                                      </p:tavLst>
+                                    </p:anim>
+                                    <p:anim calcmode="lin" valueType="num">
+                                      <p:cBhvr>
+                                        <p:cTn id="15" dur="1000" fill="hold"/>
+                                        <p:tgtEl>
+                                          <p:spTgt spid="3">
+                                            <p:txEl>
+                                              <p:pRg st="0" end="0"/>
+                                            </p:txEl>
+                                          </p:spTgt>
+                                        </p:tgtEl>
+                                        <p:attrNameLst>
+                                          <p:attrName>ppt_y</p:attrName>
+                                        </p:attrNameLst>
+                                      </p:cBhvr>
+                                      <p:tavLst>
+                                        <p:tav tm="0">
+                                          <p:val>
+                                            <p:strVal val="#ppt_y+.1"/>
+                                          </p:val>
+                                        </p:tav>
+                                        <p:tav tm="100000">
+                                          <p:val>
+                                            <p:strVal val="#ppt_y"/>
+                                          </p:val>
+                                        </p:tav>
+                                      </p:tavLst>
+                                    </p:anim>
+                                  </p:childTnLst>
+                                </p:cTn>
+                              </p:par>
+                            </p:childTnLst>
+                          </p:cTn>
+                        </p:par>
+                        <p:par>
+                          <p:cTn id="16" fill="hold">
+                            <p:stCondLst>
+                              <p:cond delay="2000"/>
+                            </p:stCondLst>
+                            <p:childTnLst>
+                              <p:par>
+                                <p:cTn id="17" presetID="42" presetClass="entr" presetSubtype="0" fill="hold" grpId="0" nodeType="afterEffect">
+                                  <p:stCondLst>
+                                    <p:cond delay="0"/>
+                                  </p:stCondLst>
+                                  <p:childTnLst>
+                                    <p:set>
+                                      <p:cBhvr>
+                                        <p:cTn id="18" dur="1" fill="hold">
+                                          <p:stCondLst>
+                                            <p:cond delay="0"/>
+                                          </p:stCondLst>
+                                        </p:cTn>
+                                        <p:tgtEl>
+                                          <p:spTgt spid="3">
+                                            <p:txEl>
+                                              <p:pRg st="1" end="1"/>
+                                            </p:txEl>
+                                          </p:spTgt>
+                                        </p:tgtEl>
+                                        <p:attrNameLst>
+                                          <p:attrName>style.visibility</p:attrName>
+                                        </p:attrNameLst>
+                                      </p:cBhvr>
+                                      <p:to>
+                                        <p:strVal val="visible"/>
+                                      </p:to>
+                                    </p:set>
+                                    <p:animEffect transition="in" filter="fade">
+                                      <p:cBhvr>
+                                        <p:cTn id="19" dur="1000"/>
+                                        <p:tgtEl>
+                                          <p:spTgt spid="3">
+                                            <p:txEl>
+                                              <p:pRg st="1" end="1"/>
+                                            </p:txEl>
+                                          </p:spTgt>
+                                        </p:tgtEl>
+                                      </p:cBhvr>
+                                    </p:animEffect>
+                                    <p:anim calcmode="lin" valueType="num">
+                                      <p:cBhvr>
+                                        <p:cTn id="20" dur="1000" fill="hold"/>
+                                        <p:tgtEl>
+                                          <p:spTgt spid="3">
+                                            <p:txEl>
+                                              <p:pRg st="1" end="1"/>
+                                            </p:txEl>
+                                          </p:spTgt>
+                                        </p:tgtEl>
+                                        <p:attrNameLst>
+                                          <p:attrName>ppt_x</p:attrName>
+                                        </p:attrNameLst>
+                                      </p:cBhvr>
+                                      <p:tavLst>
+                                        <p:tav tm="0">
+                                          <p:val>
+                                            <p:strVal val="#ppt_x"/>
+                                          </p:val>
+                                        </p:tav>
+                                        <p:tav tm="100000">
+                                          <p:val>
+                                            <p:strVal val="#ppt_x"/>
+                                          </p:val>
+                                        </p:tav>
+                                      </p:tavLst>
+                                    </p:anim>
+                                    <p:anim calcmode="lin" valueType="num">
+                                      <p:cBhvr>
+                                        <p:cTn id="21" dur="1000" fill="hold"/>
+                                        <p:tgtEl>
+                                          <p:spTgt spid="3">
+                                            <p:txEl>
+                                              <p:pRg st="1" end="1"/>
+                                            </p:txEl>
+                                          </p:spTgt>
+                                        </p:tgtEl>
+                                        <p:attrNameLst>
+                                          <p:attrName>ppt_y</p:attrName>
+                                        </p:attrNameLst>
+                                      </p:cBhvr>
+                                      <p:tavLst>
+                                        <p:tav tm="0">
+                                          <p:val>
+                                            <p:strVal val="#ppt_y+.1"/>
+                                          </p:val>
+                                        </p:tav>
+                                        <p:tav tm="100000">
+                                          <p:val>
+                                            <p:strVal val="#ppt_y"/>
+                                          </p:val>
+                                        </p:tav>
+                                      </p:tavLst>
+                                    </p:anim>
+                                  </p:childTnLst>
+                                </p:cTn>
+                              </p:par>
+                            </p:childTnLst>
+                          </p:cTn>
+                        </p:par>
+                        <p:par>
+                          <p:cTn id="22" fill="hold">
+                            <p:stCondLst>
+                              <p:cond delay="3000"/>
+                            </p:stCondLst>
+                            <p:childTnLst>
+                              <p:par>
+                                <p:cTn id="23" presetID="42" presetClass="entr" presetSubtype="0" fill="hold" grpId="0" nodeType="afterEffect">
+                                  <p:stCondLst>
+                                    <p:cond delay="0"/>
+                                  </p:stCondLst>
+                                  <p:childTnLst>
+                                    <p:set>
+                                      <p:cBhvr>
+                                        <p:cTn id="24" dur="1" fill="hold">
+                                          <p:stCondLst>
+                                            <p:cond delay="0"/>
+                                          </p:stCondLst>
+                                        </p:cTn>
+                                        <p:tgtEl>
+                                          <p:spTgt spid="3">
+                                            <p:txEl>
+                                              <p:pRg st="2" end="2"/>
+                                            </p:txEl>
+                                          </p:spTgt>
+                                        </p:tgtEl>
+                                        <p:attrNameLst>
+                                          <p:attrName>style.visibility</p:attrName>
+                                        </p:attrNameLst>
+                                      </p:cBhvr>
+                                      <p:to>
+                                        <p:strVal val="visible"/>
+                                      </p:to>
+                                    </p:set>
+                                    <p:animEffect transition="in" filter="fade">
+                                      <p:cBhvr>
+                                        <p:cTn id="25" dur="1000"/>
+                                        <p:tgtEl>
+                                          <p:spTgt spid="3">
+                                            <p:txEl>
+                                              <p:pRg st="2" end="2"/>
+                                            </p:txEl>
+                                          </p:spTgt>
+                                        </p:tgtEl>
+                                      </p:cBhvr>
+                                    </p:animEffect>
+                                    <p:anim calcmode="lin" valueType="num">
+                                      <p:cBhvr>
+                                        <p:cTn id="26" dur="1000" fill="hold"/>
+                                        <p:tgtEl>
+                                          <p:spTgt spid="3">
+                                            <p:txEl>
+                                              <p:pRg st="2" end="2"/>
+                                            </p:txEl>
+                                          </p:spTgt>
+                                        </p:tgtEl>
+                                        <p:attrNameLst>
+                                          <p:attrName>ppt_x</p:attrName>
+                                        </p:attrNameLst>
+                                      </p:cBhvr>
+                                      <p:tavLst>
+                                        <p:tav tm="0">
+                                          <p:val>
+                                            <p:strVal val="#ppt_x"/>
+                                          </p:val>
+                                        </p:tav>
+                                        <p:tav tm="100000">
+                                          <p:val>
+                                            <p:strVal val="#ppt_x"/>
+                                          </p:val>
+                                        </p:tav>
+                                      </p:tavLst>
+                                    </p:anim>
+                                    <p:anim calcmode="lin" valueType="num">
+                                      <p:cBhvr>
+                                        <p:cTn id="27" dur="1000" fill="hold"/>
+                                        <p:tgtEl>
+                                          <p:spTgt spid="3">
+                                            <p:txEl>
+                                              <p:pRg st="2" end="2"/>
+                                            </p:txEl>
+                                          </p:spTgt>
+                                        </p:tgtEl>
+                                        <p:attrNameLst>
+                                          <p:attrName>ppt_y</p:attrName>
+                                        </p:attrNameLst>
+                                      </p:cBhvr>
+                                      <p:tavLst>
+                                        <p:tav tm="0">
+                                          <p:val>
+                                            <p:strVal val="#ppt_y+.1"/>
+                                          </p:val>
+                                        </p:tav>
+                                        <p:tav tm="100000">
+                                          <p:val>
+                                            <p:strVal val="#ppt_y"/>
+                                          </p:val>
+                                        </p:tav>
+                                      </p:tavLst>
+                                    </p:anim>
+                                  </p:childTnLst>
+                                </p:cTn>
+                              </p:par>
+                            </p:childTnLst>
+                          </p:cTn>
+                        </p:par>
+                        <p:par>
+                          <p:cTn id="28" fill="hold">
+                            <p:stCondLst>
+                              <p:cond delay="4000"/>
+                            </p:stCondLst>
+                            <p:childTnLst>
+                              <p:par>
+                                <p:cTn id="29" presetID="42" presetClass="entr" presetSubtype="0" fill="hold" grpId="0" nodeType="afterEffect">
+                                  <p:stCondLst>
+                                    <p:cond delay="0"/>
+                                  </p:stCondLst>
+                                  <p:childTnLst>
+                                    <p:set>
+                                      <p:cBhvr>
+                                        <p:cTn id="30" dur="1" fill="hold">
+                                          <p:stCondLst>
+                                            <p:cond delay="0"/>
+                                          </p:stCondLst>
+                                        </p:cTn>
+                                        <p:tgtEl>
+                                          <p:spTgt spid="3">
+                                            <p:txEl>
+                                              <p:pRg st="3" end="3"/>
+                                            </p:txEl>
+                                          </p:spTgt>
+                                        </p:tgtEl>
+                                        <p:attrNameLst>
+                                          <p:attrName>style.visibility</p:attrName>
+                                        </p:attrNameLst>
+                                      </p:cBhvr>
+                                      <p:to>
+                                        <p:strVal val="visible"/>
+                                      </p:to>
+                                    </p:set>
+                                    <p:animEffect transition="in" filter="fade">
+                                      <p:cBhvr>
+                                        <p:cTn id="31" dur="1000"/>
+                                        <p:tgtEl>
+                                          <p:spTgt spid="3">
+                                            <p:txEl>
+                                              <p:pRg st="3" end="3"/>
+                                            </p:txEl>
+                                          </p:spTgt>
+                                        </p:tgtEl>
+                                      </p:cBhvr>
+                                    </p:animEffect>
+                                    <p:anim calcmode="lin" valueType="num">
+                                      <p:cBhvr>
+                                        <p:cTn id="32" dur="1000" fill="hold"/>
+                                        <p:tgtEl>
+                                          <p:spTgt spid="3">
+                                            <p:txEl>
+                                              <p:pRg st="3" end="3"/>
+                                            </p:txEl>
+                                          </p:spTgt>
+                                        </p:tgtEl>
+                                        <p:attrNameLst>
+                                          <p:attrName>ppt_x</p:attrName>
+                                        </p:attrNameLst>
+                                      </p:cBhvr>
+                                      <p:tavLst>
+                                        <p:tav tm="0">
+                                          <p:val>
+                                            <p:strVal val="#ppt_x"/>
+                                          </p:val>
+                                        </p:tav>
+                                        <p:tav tm="100000">
+                                          <p:val>
+                                            <p:strVal val="#ppt_x"/>
+                                          </p:val>
+                                        </p:tav>
+                                      </p:tavLst>
+                                    </p:anim>
+                                    <p:anim calcmode="lin" valueType="num">
+                                      <p:cBhvr>
+                                        <p:cTn id="33" dur="1000" fill="hold"/>
+                                        <p:tgtEl>
+                                          <p:spTgt spid="3">
+                                            <p:txEl>
+                                              <p:pRg st="3" end="3"/>
+                                            </p:txEl>
+                                          </p:spTgt>
+                                        </p:tgtEl>
+                                        <p:attrNameLst>
+                                          <p:attrName>ppt_y</p:attrName>
+                                        </p:attrNameLst>
+                                      </p:cBhvr>
+                                      <p:tavLst>
+                                        <p:tav tm="0">
+                                          <p:val>
+                                            <p:strVal val="#ppt_y+.1"/>
+                                          </p:val>
+                                        </p:tav>
+                                        <p:tav tm="100000">
+                                          <p:val>
+                                            <p:strVal val="#ppt_y"/>
+                                          </p:val>
+                                        </p:tav>
+                                      </p:tavLst>
+                                    </p:anim>
+                                  </p:childTnLst>
+                                </p:cTn>
+                              </p:par>
+                            </p:childTnLst>
+                          </p:cTn>
+                        </p:par>
+                        <p:par>
+                          <p:cTn id="34" fill="hold">
+                            <p:stCondLst>
+                              <p:cond delay="5000"/>
+                            </p:stCondLst>
+                            <p:childTnLst>
+                              <p:par>
+                                <p:cTn id="35" presetID="42" presetClass="entr" presetSubtype="0" fill="hold" grpId="0" nodeType="afterEffect">
+                                  <p:stCondLst>
+                                    <p:cond delay="0"/>
+                                  </p:stCondLst>
+                                  <p:childTnLst>
+                                    <p:set>
+                                      <p:cBhvr>
+                                        <p:cTn id="36" dur="1" fill="hold">
+                                          <p:stCondLst>
+                                            <p:cond delay="0"/>
+                                          </p:stCondLst>
+                                        </p:cTn>
+                                        <p:tgtEl>
+                                          <p:spTgt spid="3">
+                                            <p:txEl>
+                                              <p:pRg st="4" end="4"/>
+                                            </p:txEl>
+                                          </p:spTgt>
+                                        </p:tgtEl>
+                                        <p:attrNameLst>
+                                          <p:attrName>style.visibility</p:attrName>
+                                        </p:attrNameLst>
+                                      </p:cBhvr>
+                                      <p:to>
+                                        <p:strVal val="visible"/>
+                                      </p:to>
+                                    </p:set>
+                                    <p:animEffect transition="in" filter="fade">
+                                      <p:cBhvr>
+                                        <p:cTn id="37" dur="1000"/>
+                                        <p:tgtEl>
+                                          <p:spTgt spid="3">
+                                            <p:txEl>
+                                              <p:pRg st="4" end="4"/>
+                                            </p:txEl>
+                                          </p:spTgt>
+                                        </p:tgtEl>
+                                      </p:cBhvr>
+                                    </p:animEffect>
+                                    <p:anim calcmode="lin" valueType="num">
+                                      <p:cBhvr>
+                                        <p:cTn id="38" dur="1000" fill="hold"/>
+                                        <p:tgtEl>
+                                          <p:spTgt spid="3">
+                                            <p:txEl>
+                                              <p:pRg st="4" end="4"/>
+                                            </p:txEl>
+                                          </p:spTgt>
+                                        </p:tgtEl>
+                                        <p:attrNameLst>
+                                          <p:attrName>ppt_x</p:attrName>
+                                        </p:attrNameLst>
+                                      </p:cBhvr>
+                                      <p:tavLst>
+                                        <p:tav tm="0">
+                                          <p:val>
+                                            <p:strVal val="#ppt_x"/>
+                                          </p:val>
+                                        </p:tav>
+                                        <p:tav tm="100000">
+                                          <p:val>
+                                            <p:strVal val="#ppt_x"/>
+                                          </p:val>
+                                        </p:tav>
+                                      </p:tavLst>
+                                    </p:anim>
+                                    <p:anim calcmode="lin" valueType="num">
+                                      <p:cBhvr>
+                                        <p:cTn id="39" dur="1000" fill="hold"/>
+                                        <p:tgtEl>
+                                          <p:spTgt spid="3">
+                                            <p:txEl>
+                                              <p:pRg st="4" end="4"/>
+                                            </p:txEl>
+                                          </p:spTgt>
+                                        </p:tgtEl>
+                                        <p:attrNameLst>
+                                          <p:attrName>ppt_y</p:attrName>
+                                        </p:attrNameLst>
+                                      </p:cBhvr>
+                                      <p:tavLst>
+                                        <p:tav tm="0">
+                                          <p:val>
+                                            <p:strVal val="#ppt_y+.1"/>
+                                          </p:val>
+                                        </p:tav>
+                                        <p:tav tm="100000">
+                                          <p:val>
+                                            <p:strVal val="#ppt_y"/>
+                                          </p:val>
+                                        </p:tav>
+                                      </p:tavLst>
+                                    </p:anim>
+                                  </p:childTnLst>
+                                </p:cTn>
+                              </p:par>
+                            </p:childTnLst>
+                          </p:cTn>
+                        </p:par>
+                      </p:childTnLst>
+                    </p:cTn>
+                  </p:par>
+                </p:childTnLst>
+              </p:cTn>
+              <p:prevCondLst>
+                <p:cond evt="onPrev" delay="0">
+                  <p:tgtEl>
+                    <p:sldTgt/>
+                  </p:tgtEl>
+                </p:cond>
+              </p:prevCondLst>
+              <p:nextCondLst>
+                <p:cond evt="onNext" delay="0">
+                  <p:tgtEl>
+                    <p:sldTgt/>
+                  </p:tgtEl>
+                </p:cond>
+              </p:nextCondLst>
+            </p:seq>
+          </p:childTnLst>
+        </p:cTn>
+      </p:par>
+    </p:tnLst>
+    <p:bldLst>
+      <p:bldP spid="2" grpId="0"/>
+      <p:bldP spid="3" grpId="0" build="p"/>
+    </p:bldLst>
+  </p:timing>
 </p:sld>
 </file>
 
@@ -6813,13 +10416,17 @@
                 <a:solidFill>
                   <a:schemeClr val="tx1"/>
                 </a:solidFill>
+                <a:latin typeface="Times New Roman" panose="02020603050405020304" pitchFamily="18" charset="0"/>
+                <a:cs typeface="Times New Roman" panose="02020603050405020304" pitchFamily="18" charset="0"/>
               </a:rPr>
-              <a:t>Motivation</a:t>
+              <a:t>MOTIVATION</a:t>
             </a:r>
             <a:endParaRPr lang="en-US" b="1" dirty="0">
               <a:solidFill>
                 <a:schemeClr val="tx1"/>
               </a:solidFill>
+              <a:latin typeface="Times New Roman" panose="02020603050405020304" pitchFamily="18" charset="0"/>
+              <a:cs typeface="Times New Roman" panose="02020603050405020304" pitchFamily="18" charset="0"/>
             </a:endParaRPr>
           </a:p>
         </p:txBody>
@@ -6847,32 +10454,49 @@
           <a:lstStyle/>
           <a:p>
             <a:r>
-              <a:rPr lang="en-US" sz="2400" dirty="0" smtClean="0"/>
+              <a:rPr lang="en-US" sz="2400" dirty="0" smtClean="0">
+                <a:latin typeface="Times New Roman" panose="02020603050405020304" pitchFamily="18" charset="0"/>
+                <a:cs typeface="Times New Roman" panose="02020603050405020304" pitchFamily="18" charset="0"/>
+              </a:rPr>
               <a:t>Sites </a:t>
             </a:r>
             <a:r>
-              <a:rPr lang="en-US" sz="2400" dirty="0"/>
+              <a:rPr lang="en-US" sz="2400" dirty="0">
+                <a:latin typeface="Times New Roman" panose="02020603050405020304" pitchFamily="18" charset="0"/>
+                <a:cs typeface="Times New Roman" panose="02020603050405020304" pitchFamily="18" charset="0"/>
+              </a:rPr>
               <a:t>like </a:t>
             </a:r>
             <a:r>
-              <a:rPr lang="en-US" sz="2400" dirty="0" err="1"/>
+              <a:rPr lang="en-US" sz="2400" dirty="0" err="1">
+                <a:latin typeface="Times New Roman" panose="02020603050405020304" pitchFamily="18" charset="0"/>
+                <a:cs typeface="Times New Roman" panose="02020603050405020304" pitchFamily="18" charset="0"/>
+              </a:rPr>
               <a:t>Ebay</a:t>
             </a:r>
             <a:r>
-              <a:rPr lang="en-US" sz="2400" dirty="0"/>
+              <a:rPr lang="en-US" sz="2400" dirty="0">
+                <a:latin typeface="Times New Roman" panose="02020603050405020304" pitchFamily="18" charset="0"/>
+                <a:cs typeface="Times New Roman" panose="02020603050405020304" pitchFamily="18" charset="0"/>
+              </a:rPr>
               <a:t>, OLX has motivated us to build this website</a:t>
             </a:r>
             <a:r>
-              <a:rPr lang="en-US" sz="2400" dirty="0" smtClean="0"/>
+              <a:rPr lang="en-US" sz="2400" dirty="0" smtClean="0">
+                <a:latin typeface="Times New Roman" panose="02020603050405020304" pitchFamily="18" charset="0"/>
+                <a:cs typeface="Times New Roman" panose="02020603050405020304" pitchFamily="18" charset="0"/>
+              </a:rPr>
               <a:t>.</a:t>
             </a:r>
           </a:p>
           <a:p>
             <a:r>
-              <a:rPr lang="en-US" sz="2400" dirty="0" smtClean="0"/>
+              <a:rPr lang="en-US" sz="2400" dirty="0" smtClean="0">
+                <a:latin typeface="Times New Roman" panose="02020603050405020304" pitchFamily="18" charset="0"/>
+                <a:cs typeface="Times New Roman" panose="02020603050405020304" pitchFamily="18" charset="0"/>
+              </a:rPr>
               <a:t>Desired to satisfy consumer of Nepali community.</a:t>
             </a:r>
-            <a:endParaRPr lang="en-US" dirty="0" smtClean="0"/>
           </a:p>
           <a:p>
             <a:endParaRPr lang="en-US" dirty="0"/>
@@ -6889,6 +10513,322 @@
   <p:clrMapOvr>
     <a:masterClrMapping/>
   </p:clrMapOvr>
+  <p:timing>
+    <p:tnLst>
+      <p:par>
+        <p:cTn id="1" dur="indefinite" restart="never" nodeType="tmRoot">
+          <p:childTnLst>
+            <p:seq concurrent="1" nextAc="seek">
+              <p:cTn id="2" dur="indefinite" nodeType="mainSeq">
+                <p:childTnLst>
+                  <p:par>
+                    <p:cTn id="3" fill="hold">
+                      <p:stCondLst>
+                        <p:cond delay="indefinite"/>
+                        <p:cond evt="onBegin" delay="0">
+                          <p:tn val="2"/>
+                        </p:cond>
+                      </p:stCondLst>
+                      <p:childTnLst>
+                        <p:par>
+                          <p:cTn id="4" fill="hold">
+                            <p:stCondLst>
+                              <p:cond delay="0"/>
+                            </p:stCondLst>
+                            <p:childTnLst>
+                              <p:par>
+                                <p:cTn id="5" presetID="2" presetClass="entr" presetSubtype="4" fill="hold" grpId="0" nodeType="afterEffect">
+                                  <p:stCondLst>
+                                    <p:cond delay="0"/>
+                                  </p:stCondLst>
+                                  <p:childTnLst>
+                                    <p:set>
+                                      <p:cBhvr>
+                                        <p:cTn id="6" dur="1" fill="hold">
+                                          <p:stCondLst>
+                                            <p:cond delay="0"/>
+                                          </p:stCondLst>
+                                        </p:cTn>
+                                        <p:tgtEl>
+                                          <p:spTgt spid="2"/>
+                                        </p:tgtEl>
+                                        <p:attrNameLst>
+                                          <p:attrName>style.visibility</p:attrName>
+                                        </p:attrNameLst>
+                                      </p:cBhvr>
+                                      <p:to>
+                                        <p:strVal val="visible"/>
+                                      </p:to>
+                                    </p:set>
+                                    <p:anim calcmode="lin" valueType="num">
+                                      <p:cBhvr additive="base">
+                                        <p:cTn id="7" dur="500" fill="hold"/>
+                                        <p:tgtEl>
+                                          <p:spTgt spid="2"/>
+                                        </p:tgtEl>
+                                        <p:attrNameLst>
+                                          <p:attrName>ppt_x</p:attrName>
+                                        </p:attrNameLst>
+                                      </p:cBhvr>
+                                      <p:tavLst>
+                                        <p:tav tm="0">
+                                          <p:val>
+                                            <p:strVal val="#ppt_x"/>
+                                          </p:val>
+                                        </p:tav>
+                                        <p:tav tm="100000">
+                                          <p:val>
+                                            <p:strVal val="#ppt_x"/>
+                                          </p:val>
+                                        </p:tav>
+                                      </p:tavLst>
+                                    </p:anim>
+                                    <p:anim calcmode="lin" valueType="num">
+                                      <p:cBhvr additive="base">
+                                        <p:cTn id="8" dur="500" fill="hold"/>
+                                        <p:tgtEl>
+                                          <p:spTgt spid="2"/>
+                                        </p:tgtEl>
+                                        <p:attrNameLst>
+                                          <p:attrName>ppt_y</p:attrName>
+                                        </p:attrNameLst>
+                                      </p:cBhvr>
+                                      <p:tavLst>
+                                        <p:tav tm="0">
+                                          <p:val>
+                                            <p:strVal val="1+#ppt_h/2"/>
+                                          </p:val>
+                                        </p:tav>
+                                        <p:tav tm="100000">
+                                          <p:val>
+                                            <p:strVal val="#ppt_y"/>
+                                          </p:val>
+                                        </p:tav>
+                                      </p:tavLst>
+                                    </p:anim>
+                                  </p:childTnLst>
+                                </p:cTn>
+                              </p:par>
+                            </p:childTnLst>
+                          </p:cTn>
+                        </p:par>
+                        <p:par>
+                          <p:cTn id="9" fill="hold">
+                            <p:stCondLst>
+                              <p:cond delay="500"/>
+                            </p:stCondLst>
+                            <p:childTnLst>
+                              <p:par>
+                                <p:cTn id="10" presetID="2" presetClass="entr" presetSubtype="4" fill="hold" grpId="0" nodeType="afterEffect">
+                                  <p:stCondLst>
+                                    <p:cond delay="0"/>
+                                  </p:stCondLst>
+                                  <p:childTnLst>
+                                    <p:set>
+                                      <p:cBhvr>
+                                        <p:cTn id="11" dur="1" fill="hold">
+                                          <p:stCondLst>
+                                            <p:cond delay="0"/>
+                                          </p:stCondLst>
+                                        </p:cTn>
+                                        <p:tgtEl>
+                                          <p:spTgt spid="3">
+                                            <p:txEl>
+                                              <p:pRg st="0" end="0"/>
+                                            </p:txEl>
+                                          </p:spTgt>
+                                        </p:tgtEl>
+                                        <p:attrNameLst>
+                                          <p:attrName>style.visibility</p:attrName>
+                                        </p:attrNameLst>
+                                      </p:cBhvr>
+                                      <p:to>
+                                        <p:strVal val="visible"/>
+                                      </p:to>
+                                    </p:set>
+                                    <p:anim calcmode="lin" valueType="num">
+                                      <p:cBhvr additive="base">
+                                        <p:cTn id="12" dur="500" fill="hold"/>
+                                        <p:tgtEl>
+                                          <p:spTgt spid="3">
+                                            <p:txEl>
+                                              <p:pRg st="0" end="0"/>
+                                            </p:txEl>
+                                          </p:spTgt>
+                                        </p:tgtEl>
+                                        <p:attrNameLst>
+                                          <p:attrName>ppt_x</p:attrName>
+                                        </p:attrNameLst>
+                                      </p:cBhvr>
+                                      <p:tavLst>
+                                        <p:tav tm="0">
+                                          <p:val>
+                                            <p:strVal val="#ppt_x"/>
+                                          </p:val>
+                                        </p:tav>
+                                        <p:tav tm="100000">
+                                          <p:val>
+                                            <p:strVal val="#ppt_x"/>
+                                          </p:val>
+                                        </p:tav>
+                                      </p:tavLst>
+                                    </p:anim>
+                                    <p:anim calcmode="lin" valueType="num">
+                                      <p:cBhvr additive="base">
+                                        <p:cTn id="13" dur="500" fill="hold"/>
+                                        <p:tgtEl>
+                                          <p:spTgt spid="3">
+                                            <p:txEl>
+                                              <p:pRg st="0" end="0"/>
+                                            </p:txEl>
+                                          </p:spTgt>
+                                        </p:tgtEl>
+                                        <p:attrNameLst>
+                                          <p:attrName>ppt_y</p:attrName>
+                                        </p:attrNameLst>
+                                      </p:cBhvr>
+                                      <p:tavLst>
+                                        <p:tav tm="0">
+                                          <p:val>
+                                            <p:strVal val="1+#ppt_h/2"/>
+                                          </p:val>
+                                        </p:tav>
+                                        <p:tav tm="100000">
+                                          <p:val>
+                                            <p:strVal val="#ppt_y"/>
+                                          </p:val>
+                                        </p:tav>
+                                      </p:tavLst>
+                                    </p:anim>
+                                  </p:childTnLst>
+                                </p:cTn>
+                              </p:par>
+                            </p:childTnLst>
+                          </p:cTn>
+                        </p:par>
+                        <p:par>
+                          <p:cTn id="14" fill="hold">
+                            <p:stCondLst>
+                              <p:cond delay="1000"/>
+                            </p:stCondLst>
+                            <p:childTnLst>
+                              <p:par>
+                                <p:cTn id="15" presetID="2" presetClass="entr" presetSubtype="4" fill="hold" grpId="0" nodeType="afterEffect">
+                                  <p:stCondLst>
+                                    <p:cond delay="0"/>
+                                  </p:stCondLst>
+                                  <p:childTnLst>
+                                    <p:set>
+                                      <p:cBhvr>
+                                        <p:cTn id="16" dur="1" fill="hold">
+                                          <p:stCondLst>
+                                            <p:cond delay="0"/>
+                                          </p:stCondLst>
+                                        </p:cTn>
+                                        <p:tgtEl>
+                                          <p:spTgt spid="3">
+                                            <p:txEl>
+                                              <p:pRg st="1" end="1"/>
+                                            </p:txEl>
+                                          </p:spTgt>
+                                        </p:tgtEl>
+                                        <p:attrNameLst>
+                                          <p:attrName>style.visibility</p:attrName>
+                                        </p:attrNameLst>
+                                      </p:cBhvr>
+                                      <p:to>
+                                        <p:strVal val="visible"/>
+                                      </p:to>
+                                    </p:set>
+                                    <p:anim calcmode="lin" valueType="num">
+                                      <p:cBhvr additive="base">
+                                        <p:cTn id="17" dur="500" fill="hold"/>
+                                        <p:tgtEl>
+                                          <p:spTgt spid="3">
+                                            <p:txEl>
+                                              <p:pRg st="1" end="1"/>
+                                            </p:txEl>
+                                          </p:spTgt>
+                                        </p:tgtEl>
+                                        <p:attrNameLst>
+                                          <p:attrName>ppt_x</p:attrName>
+                                        </p:attrNameLst>
+                                      </p:cBhvr>
+                                      <p:tavLst>
+                                        <p:tav tm="0">
+                                          <p:val>
+                                            <p:strVal val="#ppt_x"/>
+                                          </p:val>
+                                        </p:tav>
+                                        <p:tav tm="100000">
+                                          <p:val>
+                                            <p:strVal val="#ppt_x"/>
+                                          </p:val>
+                                        </p:tav>
+                                      </p:tavLst>
+                                    </p:anim>
+                                    <p:anim calcmode="lin" valueType="num">
+                                      <p:cBhvr additive="base">
+                                        <p:cTn id="18" dur="500" fill="hold"/>
+                                        <p:tgtEl>
+                                          <p:spTgt spid="3">
+                                            <p:txEl>
+                                              <p:pRg st="1" end="1"/>
+                                            </p:txEl>
+                                          </p:spTgt>
+                                        </p:tgtEl>
+                                        <p:attrNameLst>
+                                          <p:attrName>ppt_y</p:attrName>
+                                        </p:attrNameLst>
+                                      </p:cBhvr>
+                                      <p:tavLst>
+                                        <p:tav tm="0">
+                                          <p:val>
+                                            <p:strVal val="1+#ppt_h/2"/>
+                                          </p:val>
+                                        </p:tav>
+                                        <p:tav tm="100000">
+                                          <p:val>
+                                            <p:strVal val="#ppt_y"/>
+                                          </p:val>
+                                        </p:tav>
+                                      </p:tavLst>
+                                    </p:anim>
+                                  </p:childTnLst>
+                                </p:cTn>
+                              </p:par>
+                            </p:childTnLst>
+                          </p:cTn>
+                        </p:par>
+                      </p:childTnLst>
+                    </p:cTn>
+                  </p:par>
+                </p:childTnLst>
+              </p:cTn>
+              <p:prevCondLst>
+                <p:cond evt="onPrev" delay="0">
+                  <p:tgtEl>
+                    <p:sldTgt/>
+                  </p:tgtEl>
+                </p:cond>
+              </p:prevCondLst>
+              <p:nextCondLst>
+                <p:cond evt="onNext" delay="0">
+                  <p:tgtEl>
+                    <p:sldTgt/>
+                  </p:tgtEl>
+                </p:cond>
+              </p:nextCondLst>
+            </p:seq>
+          </p:childTnLst>
+        </p:cTn>
+      </p:par>
+    </p:tnLst>
+    <p:bldLst>
+      <p:bldP spid="2" grpId="0"/>
+      <p:bldP spid="3" grpId="0" build="p"/>
+    </p:bldLst>
+  </p:timing>
 </p:sld>
 </file>
 
@@ -6936,13 +10876,17 @@
                 <a:solidFill>
                   <a:schemeClr val="tx1"/>
                 </a:solidFill>
+                <a:latin typeface="Times New Roman" panose="02020603050405020304" pitchFamily="18" charset="0"/>
+                <a:cs typeface="Times New Roman" panose="02020603050405020304" pitchFamily="18" charset="0"/>
               </a:rPr>
-              <a:t>Statement of Problem</a:t>
+              <a:t>STATEMENT OF PROBLEM</a:t>
             </a:r>
             <a:endParaRPr lang="en-US" b="1" dirty="0">
               <a:solidFill>
                 <a:schemeClr val="tx1"/>
               </a:solidFill>
+              <a:latin typeface="Times New Roman" panose="02020603050405020304" pitchFamily="18" charset="0"/>
+              <a:cs typeface="Times New Roman" panose="02020603050405020304" pitchFamily="18" charset="0"/>
             </a:endParaRPr>
           </a:p>
         </p:txBody>
@@ -6996,14 +10940,7 @@
                 <a:latin typeface="Times New Roman" panose="02020603050405020304" pitchFamily="18" charset="0"/>
                 <a:cs typeface="Times New Roman" panose="02020603050405020304" pitchFamily="18" charset="0"/>
               </a:rPr>
-              <a:t>Time consuming</a:t>
-            </a:r>
-            <a:r>
-              <a:rPr lang="en-US" sz="2400" dirty="0" smtClean="0">
-                <a:latin typeface="Times New Roman" panose="02020603050405020304" pitchFamily="18" charset="0"/>
-                <a:cs typeface="Times New Roman" panose="02020603050405020304" pitchFamily="18" charset="0"/>
-              </a:rPr>
-              <a:t>.</a:t>
+              <a:t>Time consuming.</a:t>
             </a:r>
           </a:p>
           <a:p>
@@ -7057,6 +10994,663 @@
   <p:clrMapOvr>
     <a:masterClrMapping/>
   </p:clrMapOvr>
+  <p:timing>
+    <p:tnLst>
+      <p:par>
+        <p:cTn id="1" dur="indefinite" restart="never" nodeType="tmRoot">
+          <p:childTnLst>
+            <p:seq concurrent="1" nextAc="seek">
+              <p:cTn id="2" dur="indefinite" nodeType="mainSeq">
+                <p:childTnLst>
+                  <p:par>
+                    <p:cTn id="3" fill="hold">
+                      <p:stCondLst>
+                        <p:cond delay="indefinite"/>
+                        <p:cond evt="onBegin" delay="0">
+                          <p:tn val="2"/>
+                        </p:cond>
+                      </p:stCondLst>
+                      <p:childTnLst>
+                        <p:par>
+                          <p:cTn id="4" fill="hold">
+                            <p:stCondLst>
+                              <p:cond delay="0"/>
+                            </p:stCondLst>
+                            <p:childTnLst>
+                              <p:par>
+                                <p:cTn id="5" presetID="42" presetClass="entr" presetSubtype="0" fill="hold" grpId="0" nodeType="afterEffect">
+                                  <p:stCondLst>
+                                    <p:cond delay="0"/>
+                                  </p:stCondLst>
+                                  <p:childTnLst>
+                                    <p:set>
+                                      <p:cBhvr>
+                                        <p:cTn id="6" dur="1" fill="hold">
+                                          <p:stCondLst>
+                                            <p:cond delay="0"/>
+                                          </p:stCondLst>
+                                        </p:cTn>
+                                        <p:tgtEl>
+                                          <p:spTgt spid="2"/>
+                                        </p:tgtEl>
+                                        <p:attrNameLst>
+                                          <p:attrName>style.visibility</p:attrName>
+                                        </p:attrNameLst>
+                                      </p:cBhvr>
+                                      <p:to>
+                                        <p:strVal val="visible"/>
+                                      </p:to>
+                                    </p:set>
+                                    <p:animEffect transition="in" filter="fade">
+                                      <p:cBhvr>
+                                        <p:cTn id="7" dur="1000"/>
+                                        <p:tgtEl>
+                                          <p:spTgt spid="2"/>
+                                        </p:tgtEl>
+                                      </p:cBhvr>
+                                    </p:animEffect>
+                                    <p:anim calcmode="lin" valueType="num">
+                                      <p:cBhvr>
+                                        <p:cTn id="8" dur="1000" fill="hold"/>
+                                        <p:tgtEl>
+                                          <p:spTgt spid="2"/>
+                                        </p:tgtEl>
+                                        <p:attrNameLst>
+                                          <p:attrName>ppt_x</p:attrName>
+                                        </p:attrNameLst>
+                                      </p:cBhvr>
+                                      <p:tavLst>
+                                        <p:tav tm="0">
+                                          <p:val>
+                                            <p:strVal val="#ppt_x"/>
+                                          </p:val>
+                                        </p:tav>
+                                        <p:tav tm="100000">
+                                          <p:val>
+                                            <p:strVal val="#ppt_x"/>
+                                          </p:val>
+                                        </p:tav>
+                                      </p:tavLst>
+                                    </p:anim>
+                                    <p:anim calcmode="lin" valueType="num">
+                                      <p:cBhvr>
+                                        <p:cTn id="9" dur="1000" fill="hold"/>
+                                        <p:tgtEl>
+                                          <p:spTgt spid="2"/>
+                                        </p:tgtEl>
+                                        <p:attrNameLst>
+                                          <p:attrName>ppt_y</p:attrName>
+                                        </p:attrNameLst>
+                                      </p:cBhvr>
+                                      <p:tavLst>
+                                        <p:tav tm="0">
+                                          <p:val>
+                                            <p:strVal val="#ppt_y+.1"/>
+                                          </p:val>
+                                        </p:tav>
+                                        <p:tav tm="100000">
+                                          <p:val>
+                                            <p:strVal val="#ppt_y"/>
+                                          </p:val>
+                                        </p:tav>
+                                      </p:tavLst>
+                                    </p:anim>
+                                  </p:childTnLst>
+                                </p:cTn>
+                              </p:par>
+                            </p:childTnLst>
+                          </p:cTn>
+                        </p:par>
+                      </p:childTnLst>
+                    </p:cTn>
+                  </p:par>
+                  <p:par>
+                    <p:cTn id="10" fill="hold">
+                      <p:stCondLst>
+                        <p:cond delay="indefinite"/>
+                      </p:stCondLst>
+                      <p:childTnLst>
+                        <p:par>
+                          <p:cTn id="11" fill="hold">
+                            <p:stCondLst>
+                              <p:cond delay="0"/>
+                            </p:stCondLst>
+                            <p:childTnLst>
+                              <p:par>
+                                <p:cTn id="12" presetID="42" presetClass="entr" presetSubtype="0" fill="hold" grpId="0" nodeType="clickEffect">
+                                  <p:stCondLst>
+                                    <p:cond delay="0"/>
+                                  </p:stCondLst>
+                                  <p:childTnLst>
+                                    <p:set>
+                                      <p:cBhvr>
+                                        <p:cTn id="13" dur="1" fill="hold">
+                                          <p:stCondLst>
+                                            <p:cond delay="0"/>
+                                          </p:stCondLst>
+                                        </p:cTn>
+                                        <p:tgtEl>
+                                          <p:spTgt spid="3">
+                                            <p:txEl>
+                                              <p:pRg st="0" end="0"/>
+                                            </p:txEl>
+                                          </p:spTgt>
+                                        </p:tgtEl>
+                                        <p:attrNameLst>
+                                          <p:attrName>style.visibility</p:attrName>
+                                        </p:attrNameLst>
+                                      </p:cBhvr>
+                                      <p:to>
+                                        <p:strVal val="visible"/>
+                                      </p:to>
+                                    </p:set>
+                                    <p:animEffect transition="in" filter="fade">
+                                      <p:cBhvr>
+                                        <p:cTn id="14" dur="1000"/>
+                                        <p:tgtEl>
+                                          <p:spTgt spid="3">
+                                            <p:txEl>
+                                              <p:pRg st="0" end="0"/>
+                                            </p:txEl>
+                                          </p:spTgt>
+                                        </p:tgtEl>
+                                      </p:cBhvr>
+                                    </p:animEffect>
+                                    <p:anim calcmode="lin" valueType="num">
+                                      <p:cBhvr>
+                                        <p:cTn id="15" dur="1000" fill="hold"/>
+                                        <p:tgtEl>
+                                          <p:spTgt spid="3">
+                                            <p:txEl>
+                                              <p:pRg st="0" end="0"/>
+                                            </p:txEl>
+                                          </p:spTgt>
+                                        </p:tgtEl>
+                                        <p:attrNameLst>
+                                          <p:attrName>ppt_x</p:attrName>
+                                        </p:attrNameLst>
+                                      </p:cBhvr>
+                                      <p:tavLst>
+                                        <p:tav tm="0">
+                                          <p:val>
+                                            <p:strVal val="#ppt_x"/>
+                                          </p:val>
+                                        </p:tav>
+                                        <p:tav tm="100000">
+                                          <p:val>
+                                            <p:strVal val="#ppt_x"/>
+                                          </p:val>
+                                        </p:tav>
+                                      </p:tavLst>
+                                    </p:anim>
+                                    <p:anim calcmode="lin" valueType="num">
+                                      <p:cBhvr>
+                                        <p:cTn id="16" dur="1000" fill="hold"/>
+                                        <p:tgtEl>
+                                          <p:spTgt spid="3">
+                                            <p:txEl>
+                                              <p:pRg st="0" end="0"/>
+                                            </p:txEl>
+                                          </p:spTgt>
+                                        </p:tgtEl>
+                                        <p:attrNameLst>
+                                          <p:attrName>ppt_y</p:attrName>
+                                        </p:attrNameLst>
+                                      </p:cBhvr>
+                                      <p:tavLst>
+                                        <p:tav tm="0">
+                                          <p:val>
+                                            <p:strVal val="#ppt_y+.1"/>
+                                          </p:val>
+                                        </p:tav>
+                                        <p:tav tm="100000">
+                                          <p:val>
+                                            <p:strVal val="#ppt_y"/>
+                                          </p:val>
+                                        </p:tav>
+                                      </p:tavLst>
+                                    </p:anim>
+                                  </p:childTnLst>
+                                </p:cTn>
+                              </p:par>
+                            </p:childTnLst>
+                          </p:cTn>
+                        </p:par>
+                      </p:childTnLst>
+                    </p:cTn>
+                  </p:par>
+                  <p:par>
+                    <p:cTn id="17" fill="hold">
+                      <p:stCondLst>
+                        <p:cond delay="indefinite"/>
+                      </p:stCondLst>
+                      <p:childTnLst>
+                        <p:par>
+                          <p:cTn id="18" fill="hold">
+                            <p:stCondLst>
+                              <p:cond delay="0"/>
+                            </p:stCondLst>
+                            <p:childTnLst>
+                              <p:par>
+                                <p:cTn id="19" presetID="42" presetClass="entr" presetSubtype="0" fill="hold" grpId="0" nodeType="clickEffect">
+                                  <p:stCondLst>
+                                    <p:cond delay="0"/>
+                                  </p:stCondLst>
+                                  <p:childTnLst>
+                                    <p:set>
+                                      <p:cBhvr>
+                                        <p:cTn id="20" dur="1" fill="hold">
+                                          <p:stCondLst>
+                                            <p:cond delay="0"/>
+                                          </p:stCondLst>
+                                        </p:cTn>
+                                        <p:tgtEl>
+                                          <p:spTgt spid="3">
+                                            <p:txEl>
+                                              <p:pRg st="1" end="1"/>
+                                            </p:txEl>
+                                          </p:spTgt>
+                                        </p:tgtEl>
+                                        <p:attrNameLst>
+                                          <p:attrName>style.visibility</p:attrName>
+                                        </p:attrNameLst>
+                                      </p:cBhvr>
+                                      <p:to>
+                                        <p:strVal val="visible"/>
+                                      </p:to>
+                                    </p:set>
+                                    <p:animEffect transition="in" filter="fade">
+                                      <p:cBhvr>
+                                        <p:cTn id="21" dur="1000"/>
+                                        <p:tgtEl>
+                                          <p:spTgt spid="3">
+                                            <p:txEl>
+                                              <p:pRg st="1" end="1"/>
+                                            </p:txEl>
+                                          </p:spTgt>
+                                        </p:tgtEl>
+                                      </p:cBhvr>
+                                    </p:animEffect>
+                                    <p:anim calcmode="lin" valueType="num">
+                                      <p:cBhvr>
+                                        <p:cTn id="22" dur="1000" fill="hold"/>
+                                        <p:tgtEl>
+                                          <p:spTgt spid="3">
+                                            <p:txEl>
+                                              <p:pRg st="1" end="1"/>
+                                            </p:txEl>
+                                          </p:spTgt>
+                                        </p:tgtEl>
+                                        <p:attrNameLst>
+                                          <p:attrName>ppt_x</p:attrName>
+                                        </p:attrNameLst>
+                                      </p:cBhvr>
+                                      <p:tavLst>
+                                        <p:tav tm="0">
+                                          <p:val>
+                                            <p:strVal val="#ppt_x"/>
+                                          </p:val>
+                                        </p:tav>
+                                        <p:tav tm="100000">
+                                          <p:val>
+                                            <p:strVal val="#ppt_x"/>
+                                          </p:val>
+                                        </p:tav>
+                                      </p:tavLst>
+                                    </p:anim>
+                                    <p:anim calcmode="lin" valueType="num">
+                                      <p:cBhvr>
+                                        <p:cTn id="23" dur="1000" fill="hold"/>
+                                        <p:tgtEl>
+                                          <p:spTgt spid="3">
+                                            <p:txEl>
+                                              <p:pRg st="1" end="1"/>
+                                            </p:txEl>
+                                          </p:spTgt>
+                                        </p:tgtEl>
+                                        <p:attrNameLst>
+                                          <p:attrName>ppt_y</p:attrName>
+                                        </p:attrNameLst>
+                                      </p:cBhvr>
+                                      <p:tavLst>
+                                        <p:tav tm="0">
+                                          <p:val>
+                                            <p:strVal val="#ppt_y+.1"/>
+                                          </p:val>
+                                        </p:tav>
+                                        <p:tav tm="100000">
+                                          <p:val>
+                                            <p:strVal val="#ppt_y"/>
+                                          </p:val>
+                                        </p:tav>
+                                      </p:tavLst>
+                                    </p:anim>
+                                  </p:childTnLst>
+                                </p:cTn>
+                              </p:par>
+                              <p:par>
+                                <p:cTn id="24" presetID="42" presetClass="entr" presetSubtype="0" fill="hold" grpId="0" nodeType="withEffect">
+                                  <p:stCondLst>
+                                    <p:cond delay="0"/>
+                                  </p:stCondLst>
+                                  <p:childTnLst>
+                                    <p:set>
+                                      <p:cBhvr>
+                                        <p:cTn id="25" dur="1" fill="hold">
+                                          <p:stCondLst>
+                                            <p:cond delay="0"/>
+                                          </p:stCondLst>
+                                        </p:cTn>
+                                        <p:tgtEl>
+                                          <p:spTgt spid="3">
+                                            <p:txEl>
+                                              <p:pRg st="2" end="2"/>
+                                            </p:txEl>
+                                          </p:spTgt>
+                                        </p:tgtEl>
+                                        <p:attrNameLst>
+                                          <p:attrName>style.visibility</p:attrName>
+                                        </p:attrNameLst>
+                                      </p:cBhvr>
+                                      <p:to>
+                                        <p:strVal val="visible"/>
+                                      </p:to>
+                                    </p:set>
+                                    <p:animEffect transition="in" filter="fade">
+                                      <p:cBhvr>
+                                        <p:cTn id="26" dur="1000"/>
+                                        <p:tgtEl>
+                                          <p:spTgt spid="3">
+                                            <p:txEl>
+                                              <p:pRg st="2" end="2"/>
+                                            </p:txEl>
+                                          </p:spTgt>
+                                        </p:tgtEl>
+                                      </p:cBhvr>
+                                    </p:animEffect>
+                                    <p:anim calcmode="lin" valueType="num">
+                                      <p:cBhvr>
+                                        <p:cTn id="27" dur="1000" fill="hold"/>
+                                        <p:tgtEl>
+                                          <p:spTgt spid="3">
+                                            <p:txEl>
+                                              <p:pRg st="2" end="2"/>
+                                            </p:txEl>
+                                          </p:spTgt>
+                                        </p:tgtEl>
+                                        <p:attrNameLst>
+                                          <p:attrName>ppt_x</p:attrName>
+                                        </p:attrNameLst>
+                                      </p:cBhvr>
+                                      <p:tavLst>
+                                        <p:tav tm="0">
+                                          <p:val>
+                                            <p:strVal val="#ppt_x"/>
+                                          </p:val>
+                                        </p:tav>
+                                        <p:tav tm="100000">
+                                          <p:val>
+                                            <p:strVal val="#ppt_x"/>
+                                          </p:val>
+                                        </p:tav>
+                                      </p:tavLst>
+                                    </p:anim>
+                                    <p:anim calcmode="lin" valueType="num">
+                                      <p:cBhvr>
+                                        <p:cTn id="28" dur="1000" fill="hold"/>
+                                        <p:tgtEl>
+                                          <p:spTgt spid="3">
+                                            <p:txEl>
+                                              <p:pRg st="2" end="2"/>
+                                            </p:txEl>
+                                          </p:spTgt>
+                                        </p:tgtEl>
+                                        <p:attrNameLst>
+                                          <p:attrName>ppt_y</p:attrName>
+                                        </p:attrNameLst>
+                                      </p:cBhvr>
+                                      <p:tavLst>
+                                        <p:tav tm="0">
+                                          <p:val>
+                                            <p:strVal val="#ppt_y+.1"/>
+                                          </p:val>
+                                        </p:tav>
+                                        <p:tav tm="100000">
+                                          <p:val>
+                                            <p:strVal val="#ppt_y"/>
+                                          </p:val>
+                                        </p:tav>
+                                      </p:tavLst>
+                                    </p:anim>
+                                  </p:childTnLst>
+                                </p:cTn>
+                              </p:par>
+                              <p:par>
+                                <p:cTn id="29" presetID="42" presetClass="entr" presetSubtype="0" fill="hold" grpId="0" nodeType="withEffect">
+                                  <p:stCondLst>
+                                    <p:cond delay="0"/>
+                                  </p:stCondLst>
+                                  <p:childTnLst>
+                                    <p:set>
+                                      <p:cBhvr>
+                                        <p:cTn id="30" dur="1" fill="hold">
+                                          <p:stCondLst>
+                                            <p:cond delay="0"/>
+                                          </p:stCondLst>
+                                        </p:cTn>
+                                        <p:tgtEl>
+                                          <p:spTgt spid="3">
+                                            <p:txEl>
+                                              <p:pRg st="3" end="3"/>
+                                            </p:txEl>
+                                          </p:spTgt>
+                                        </p:tgtEl>
+                                        <p:attrNameLst>
+                                          <p:attrName>style.visibility</p:attrName>
+                                        </p:attrNameLst>
+                                      </p:cBhvr>
+                                      <p:to>
+                                        <p:strVal val="visible"/>
+                                      </p:to>
+                                    </p:set>
+                                    <p:animEffect transition="in" filter="fade">
+                                      <p:cBhvr>
+                                        <p:cTn id="31" dur="1000"/>
+                                        <p:tgtEl>
+                                          <p:spTgt spid="3">
+                                            <p:txEl>
+                                              <p:pRg st="3" end="3"/>
+                                            </p:txEl>
+                                          </p:spTgt>
+                                        </p:tgtEl>
+                                      </p:cBhvr>
+                                    </p:animEffect>
+                                    <p:anim calcmode="lin" valueType="num">
+                                      <p:cBhvr>
+                                        <p:cTn id="32" dur="1000" fill="hold"/>
+                                        <p:tgtEl>
+                                          <p:spTgt spid="3">
+                                            <p:txEl>
+                                              <p:pRg st="3" end="3"/>
+                                            </p:txEl>
+                                          </p:spTgt>
+                                        </p:tgtEl>
+                                        <p:attrNameLst>
+                                          <p:attrName>ppt_x</p:attrName>
+                                        </p:attrNameLst>
+                                      </p:cBhvr>
+                                      <p:tavLst>
+                                        <p:tav tm="0">
+                                          <p:val>
+                                            <p:strVal val="#ppt_x"/>
+                                          </p:val>
+                                        </p:tav>
+                                        <p:tav tm="100000">
+                                          <p:val>
+                                            <p:strVal val="#ppt_x"/>
+                                          </p:val>
+                                        </p:tav>
+                                      </p:tavLst>
+                                    </p:anim>
+                                    <p:anim calcmode="lin" valueType="num">
+                                      <p:cBhvr>
+                                        <p:cTn id="33" dur="1000" fill="hold"/>
+                                        <p:tgtEl>
+                                          <p:spTgt spid="3">
+                                            <p:txEl>
+                                              <p:pRg st="3" end="3"/>
+                                            </p:txEl>
+                                          </p:spTgt>
+                                        </p:tgtEl>
+                                        <p:attrNameLst>
+                                          <p:attrName>ppt_y</p:attrName>
+                                        </p:attrNameLst>
+                                      </p:cBhvr>
+                                      <p:tavLst>
+                                        <p:tav tm="0">
+                                          <p:val>
+                                            <p:strVal val="#ppt_y+.1"/>
+                                          </p:val>
+                                        </p:tav>
+                                        <p:tav tm="100000">
+                                          <p:val>
+                                            <p:strVal val="#ppt_y"/>
+                                          </p:val>
+                                        </p:tav>
+                                      </p:tavLst>
+                                    </p:anim>
+                                  </p:childTnLst>
+                                </p:cTn>
+                              </p:par>
+                              <p:par>
+                                <p:cTn id="34" presetID="42" presetClass="entr" presetSubtype="0" fill="hold" grpId="0" nodeType="withEffect">
+                                  <p:stCondLst>
+                                    <p:cond delay="0"/>
+                                  </p:stCondLst>
+                                  <p:childTnLst>
+                                    <p:set>
+                                      <p:cBhvr>
+                                        <p:cTn id="35" dur="1" fill="hold">
+                                          <p:stCondLst>
+                                            <p:cond delay="0"/>
+                                          </p:stCondLst>
+                                        </p:cTn>
+                                        <p:tgtEl>
+                                          <p:spTgt spid="3">
+                                            <p:txEl>
+                                              <p:pRg st="4" end="4"/>
+                                            </p:txEl>
+                                          </p:spTgt>
+                                        </p:tgtEl>
+                                        <p:attrNameLst>
+                                          <p:attrName>style.visibility</p:attrName>
+                                        </p:attrNameLst>
+                                      </p:cBhvr>
+                                      <p:to>
+                                        <p:strVal val="visible"/>
+                                      </p:to>
+                                    </p:set>
+                                    <p:animEffect transition="in" filter="fade">
+                                      <p:cBhvr>
+                                        <p:cTn id="36" dur="1000"/>
+                                        <p:tgtEl>
+                                          <p:spTgt spid="3">
+                                            <p:txEl>
+                                              <p:pRg st="4" end="4"/>
+                                            </p:txEl>
+                                          </p:spTgt>
+                                        </p:tgtEl>
+                                      </p:cBhvr>
+                                    </p:animEffect>
+                                    <p:anim calcmode="lin" valueType="num">
+                                      <p:cBhvr>
+                                        <p:cTn id="37" dur="1000" fill="hold"/>
+                                        <p:tgtEl>
+                                          <p:spTgt spid="3">
+                                            <p:txEl>
+                                              <p:pRg st="4" end="4"/>
+                                            </p:txEl>
+                                          </p:spTgt>
+                                        </p:tgtEl>
+                                        <p:attrNameLst>
+                                          <p:attrName>ppt_x</p:attrName>
+                                        </p:attrNameLst>
+                                      </p:cBhvr>
+                                      <p:tavLst>
+                                        <p:tav tm="0">
+                                          <p:val>
+                                            <p:strVal val="#ppt_x"/>
+                                          </p:val>
+                                        </p:tav>
+                                        <p:tav tm="100000">
+                                          <p:val>
+                                            <p:strVal val="#ppt_x"/>
+                                          </p:val>
+                                        </p:tav>
+                                      </p:tavLst>
+                                    </p:anim>
+                                    <p:anim calcmode="lin" valueType="num">
+                                      <p:cBhvr>
+                                        <p:cTn id="38" dur="1000" fill="hold"/>
+                                        <p:tgtEl>
+                                          <p:spTgt spid="3">
+                                            <p:txEl>
+                                              <p:pRg st="4" end="4"/>
+                                            </p:txEl>
+                                          </p:spTgt>
+                                        </p:tgtEl>
+                                        <p:attrNameLst>
+                                          <p:attrName>ppt_y</p:attrName>
+                                        </p:attrNameLst>
+                                      </p:cBhvr>
+                                      <p:tavLst>
+                                        <p:tav tm="0">
+                                          <p:val>
+                                            <p:strVal val="#ppt_y+.1"/>
+                                          </p:val>
+                                        </p:tav>
+                                        <p:tav tm="100000">
+                                          <p:val>
+                                            <p:strVal val="#ppt_y"/>
+                                          </p:val>
+                                        </p:tav>
+                                      </p:tavLst>
+                                    </p:anim>
+                                  </p:childTnLst>
+                                </p:cTn>
+                              </p:par>
+                            </p:childTnLst>
+                          </p:cTn>
+                        </p:par>
+                      </p:childTnLst>
+                    </p:cTn>
+                  </p:par>
+                </p:childTnLst>
+              </p:cTn>
+              <p:prevCondLst>
+                <p:cond evt="onPrev" delay="0">
+                  <p:tgtEl>
+                    <p:sldTgt/>
+                  </p:tgtEl>
+                </p:cond>
+              </p:prevCondLst>
+              <p:nextCondLst>
+                <p:cond evt="onNext" delay="0">
+                  <p:tgtEl>
+                    <p:sldTgt/>
+                  </p:tgtEl>
+                </p:cond>
+              </p:nextCondLst>
+            </p:seq>
+          </p:childTnLst>
+        </p:cTn>
+      </p:par>
+    </p:tnLst>
+    <p:bldLst>
+      <p:bldP spid="2" grpId="0"/>
+      <p:bldP spid="3" grpId="0" build="p"/>
+    </p:bldLst>
+  </p:timing>
 </p:sld>
 </file>
 
@@ -7104,13 +11698,17 @@
                 <a:solidFill>
                   <a:schemeClr val="tx1"/>
                 </a:solidFill>
+                <a:latin typeface="Times New Roman" panose="02020603050405020304" pitchFamily="18" charset="0"/>
+                <a:cs typeface="Times New Roman" panose="02020603050405020304" pitchFamily="18" charset="0"/>
               </a:rPr>
-              <a:t>Objective</a:t>
+              <a:t>OBJECTIVE</a:t>
             </a:r>
             <a:endParaRPr lang="en-US" b="1" dirty="0">
               <a:solidFill>
                 <a:schemeClr val="tx1"/>
               </a:solidFill>
+              <a:latin typeface="Times New Roman" panose="02020603050405020304" pitchFamily="18" charset="0"/>
+              <a:cs typeface="Times New Roman" panose="02020603050405020304" pitchFamily="18" charset="0"/>
             </a:endParaRPr>
           </a:p>
         </p:txBody>
@@ -7144,10 +11742,6 @@
               </a:rPr>
               <a:t>To build a platform where people or business originations can buy and sell any kind of goods with each other.</a:t>
             </a:r>
-            <a:endParaRPr lang="en-US" sz="2400" dirty="0">
-              <a:latin typeface="Times New Roman" panose="02020603050405020304" pitchFamily="18" charset="0"/>
-              <a:cs typeface="Times New Roman" panose="02020603050405020304" pitchFamily="18" charset="0"/>
-            </a:endParaRPr>
           </a:p>
         </p:txBody>
       </p:sp>
@@ -7161,6 +11755,228 @@
   <p:clrMapOvr>
     <a:masterClrMapping/>
   </p:clrMapOvr>
+  <p:timing>
+    <p:tnLst>
+      <p:par>
+        <p:cTn id="1" dur="indefinite" restart="never" nodeType="tmRoot">
+          <p:childTnLst>
+            <p:seq concurrent="1" nextAc="seek">
+              <p:cTn id="2" dur="indefinite" nodeType="mainSeq">
+                <p:childTnLst>
+                  <p:par>
+                    <p:cTn id="3" fill="hold">
+                      <p:stCondLst>
+                        <p:cond delay="indefinite"/>
+                        <p:cond evt="onBegin" delay="0">
+                          <p:tn val="2"/>
+                        </p:cond>
+                      </p:stCondLst>
+                      <p:childTnLst>
+                        <p:par>
+                          <p:cTn id="4" fill="hold">
+                            <p:stCondLst>
+                              <p:cond delay="0"/>
+                            </p:stCondLst>
+                            <p:childTnLst>
+                              <p:par>
+                                <p:cTn id="5" presetID="2" presetClass="entr" presetSubtype="4" fill="hold" grpId="0" nodeType="afterEffect">
+                                  <p:stCondLst>
+                                    <p:cond delay="0"/>
+                                  </p:stCondLst>
+                                  <p:childTnLst>
+                                    <p:set>
+                                      <p:cBhvr>
+                                        <p:cTn id="6" dur="1" fill="hold">
+                                          <p:stCondLst>
+                                            <p:cond delay="0"/>
+                                          </p:stCondLst>
+                                        </p:cTn>
+                                        <p:tgtEl>
+                                          <p:spTgt spid="2"/>
+                                        </p:tgtEl>
+                                        <p:attrNameLst>
+                                          <p:attrName>style.visibility</p:attrName>
+                                        </p:attrNameLst>
+                                      </p:cBhvr>
+                                      <p:to>
+                                        <p:strVal val="visible"/>
+                                      </p:to>
+                                    </p:set>
+                                    <p:anim calcmode="lin" valueType="num">
+                                      <p:cBhvr additive="base">
+                                        <p:cTn id="7" dur="500" fill="hold"/>
+                                        <p:tgtEl>
+                                          <p:spTgt spid="2"/>
+                                        </p:tgtEl>
+                                        <p:attrNameLst>
+                                          <p:attrName>ppt_x</p:attrName>
+                                        </p:attrNameLst>
+                                      </p:cBhvr>
+                                      <p:tavLst>
+                                        <p:tav tm="0">
+                                          <p:val>
+                                            <p:strVal val="#ppt_x"/>
+                                          </p:val>
+                                        </p:tav>
+                                        <p:tav tm="100000">
+                                          <p:val>
+                                            <p:strVal val="#ppt_x"/>
+                                          </p:val>
+                                        </p:tav>
+                                      </p:tavLst>
+                                    </p:anim>
+                                    <p:anim calcmode="lin" valueType="num">
+                                      <p:cBhvr additive="base">
+                                        <p:cTn id="8" dur="500" fill="hold"/>
+                                        <p:tgtEl>
+                                          <p:spTgt spid="2"/>
+                                        </p:tgtEl>
+                                        <p:attrNameLst>
+                                          <p:attrName>ppt_y</p:attrName>
+                                        </p:attrNameLst>
+                                      </p:cBhvr>
+                                      <p:tavLst>
+                                        <p:tav tm="0">
+                                          <p:val>
+                                            <p:strVal val="1+#ppt_h/2"/>
+                                          </p:val>
+                                        </p:tav>
+                                        <p:tav tm="100000">
+                                          <p:val>
+                                            <p:strVal val="#ppt_y"/>
+                                          </p:val>
+                                        </p:tav>
+                                      </p:tavLst>
+                                    </p:anim>
+                                  </p:childTnLst>
+                                </p:cTn>
+                              </p:par>
+                            </p:childTnLst>
+                          </p:cTn>
+                        </p:par>
+                        <p:par>
+                          <p:cTn id="9" fill="hold">
+                            <p:stCondLst>
+                              <p:cond delay="500"/>
+                            </p:stCondLst>
+                            <p:childTnLst>
+                              <p:par>
+                                <p:cTn id="10" presetID="2" presetClass="entr" presetSubtype="4" fill="hold" grpId="0" nodeType="afterEffect">
+                                  <p:stCondLst>
+                                    <p:cond delay="0"/>
+                                  </p:stCondLst>
+                                  <p:childTnLst>
+                                    <p:set>
+                                      <p:cBhvr>
+                                        <p:cTn id="11" dur="1" fill="hold">
+                                          <p:stCondLst>
+                                            <p:cond delay="0"/>
+                                          </p:stCondLst>
+                                        </p:cTn>
+                                        <p:tgtEl>
+                                          <p:spTgt spid="3">
+                                            <p:txEl>
+                                              <p:pRg st="0" end="0"/>
+                                            </p:txEl>
+                                          </p:spTgt>
+                                        </p:tgtEl>
+                                        <p:attrNameLst>
+                                          <p:attrName>style.visibility</p:attrName>
+                                        </p:attrNameLst>
+                                      </p:cBhvr>
+                                      <p:to>
+                                        <p:strVal val="visible"/>
+                                      </p:to>
+                                    </p:set>
+                                    <p:anim calcmode="lin" valueType="num">
+                                      <p:cBhvr additive="base">
+                                        <p:cTn id="12" dur="500" fill="hold"/>
+                                        <p:tgtEl>
+                                          <p:spTgt spid="3">
+                                            <p:txEl>
+                                              <p:pRg st="0" end="0"/>
+                                            </p:txEl>
+                                          </p:spTgt>
+                                        </p:tgtEl>
+                                        <p:attrNameLst>
+                                          <p:attrName>ppt_x</p:attrName>
+                                        </p:attrNameLst>
+                                      </p:cBhvr>
+                                      <p:tavLst>
+                                        <p:tav tm="0">
+                                          <p:val>
+                                            <p:strVal val="#ppt_x"/>
+                                          </p:val>
+                                        </p:tav>
+                                        <p:tav tm="100000">
+                                          <p:val>
+                                            <p:strVal val="#ppt_x"/>
+                                          </p:val>
+                                        </p:tav>
+                                      </p:tavLst>
+                                    </p:anim>
+                                    <p:anim calcmode="lin" valueType="num">
+                                      <p:cBhvr additive="base">
+                                        <p:cTn id="13" dur="500" fill="hold"/>
+                                        <p:tgtEl>
+                                          <p:spTgt spid="3">
+                                            <p:txEl>
+                                              <p:pRg st="0" end="0"/>
+                                            </p:txEl>
+                                          </p:spTgt>
+                                        </p:tgtEl>
+                                        <p:attrNameLst>
+                                          <p:attrName>ppt_y</p:attrName>
+                                        </p:attrNameLst>
+                                      </p:cBhvr>
+                                      <p:tavLst>
+                                        <p:tav tm="0">
+                                          <p:val>
+                                            <p:strVal val="1+#ppt_h/2"/>
+                                          </p:val>
+                                        </p:tav>
+                                        <p:tav tm="100000">
+                                          <p:val>
+                                            <p:strVal val="#ppt_y"/>
+                                          </p:val>
+                                        </p:tav>
+                                      </p:tavLst>
+                                    </p:anim>
+                                  </p:childTnLst>
+                                </p:cTn>
+                              </p:par>
+                            </p:childTnLst>
+                          </p:cTn>
+                        </p:par>
+                      </p:childTnLst>
+                    </p:cTn>
+                  </p:par>
+                </p:childTnLst>
+              </p:cTn>
+              <p:prevCondLst>
+                <p:cond evt="onPrev" delay="0">
+                  <p:tgtEl>
+                    <p:sldTgt/>
+                  </p:tgtEl>
+                </p:cond>
+              </p:prevCondLst>
+              <p:nextCondLst>
+                <p:cond evt="onNext" delay="0">
+                  <p:tgtEl>
+                    <p:sldTgt/>
+                  </p:tgtEl>
+                </p:cond>
+              </p:nextCondLst>
+            </p:seq>
+          </p:childTnLst>
+        </p:cTn>
+      </p:par>
+    </p:tnLst>
+    <p:bldLst>
+      <p:bldP spid="2" grpId="0"/>
+      <p:bldP spid="3" grpId="0" build="p"/>
+    </p:bldLst>
+  </p:timing>
 </p:sld>
 </file>
 
@@ -7208,13 +12024,17 @@
                 <a:solidFill>
                   <a:schemeClr val="tx1"/>
                 </a:solidFill>
+                <a:latin typeface="Times New Roman" panose="02020603050405020304" pitchFamily="18" charset="0"/>
+                <a:cs typeface="Times New Roman" panose="02020603050405020304" pitchFamily="18" charset="0"/>
               </a:rPr>
-              <a:t>Literature Review</a:t>
+              <a:t>LITERATURE REVIEW</a:t>
             </a:r>
             <a:endParaRPr lang="en-US" b="1" dirty="0">
               <a:solidFill>
                 <a:schemeClr val="tx1"/>
               </a:solidFill>
+              <a:latin typeface="Times New Roman" panose="02020603050405020304" pitchFamily="18" charset="0"/>
+              <a:cs typeface="Times New Roman" panose="02020603050405020304" pitchFamily="18" charset="0"/>
             </a:endParaRPr>
           </a:p>
         </p:txBody>
@@ -7246,79 +12066,130 @@
               <a:t> </a:t>
             </a:r>
             <a:r>
-              <a:rPr lang="en-US" sz="2400" dirty="0"/>
+              <a:rPr lang="en-US" sz="2400" dirty="0">
+                <a:latin typeface="Times New Roman" panose="02020603050405020304" pitchFamily="18" charset="0"/>
+                <a:cs typeface="Times New Roman" panose="02020603050405020304" pitchFamily="18" charset="0"/>
+              </a:rPr>
               <a:t>In 1994, Pizza Hut offered online ordering of Pizza on their website</a:t>
             </a:r>
             <a:r>
-              <a:rPr lang="en-US" sz="2400" dirty="0" smtClean="0"/>
+              <a:rPr lang="en-US" sz="2400" dirty="0" smtClean="0">
+                <a:latin typeface="Times New Roman" panose="02020603050405020304" pitchFamily="18" charset="0"/>
+                <a:cs typeface="Times New Roman" panose="02020603050405020304" pitchFamily="18" charset="0"/>
+              </a:rPr>
               <a:t>.</a:t>
             </a:r>
           </a:p>
           <a:p>
             <a:r>
-              <a:rPr lang="en-US" sz="2400" dirty="0" smtClean="0"/>
+              <a:rPr lang="en-US" sz="2400" dirty="0" smtClean="0">
+                <a:latin typeface="Times New Roman" panose="02020603050405020304" pitchFamily="18" charset="0"/>
+                <a:cs typeface="Times New Roman" panose="02020603050405020304" pitchFamily="18" charset="0"/>
+              </a:rPr>
               <a:t>In 1995 EBay </a:t>
             </a:r>
             <a:r>
-              <a:rPr lang="en-US" sz="2400" dirty="0"/>
+              <a:rPr lang="en-US" sz="2400" dirty="0">
+                <a:latin typeface="Times New Roman" panose="02020603050405020304" pitchFamily="18" charset="0"/>
+                <a:cs typeface="Times New Roman" panose="02020603050405020304" pitchFamily="18" charset="0"/>
+              </a:rPr>
               <a:t>was built as an auction site which later became one of the most popular online person-to-person trading </a:t>
             </a:r>
             <a:r>
-              <a:rPr lang="en-US" sz="2400" dirty="0" smtClean="0"/>
+              <a:rPr lang="en-US" sz="2400" dirty="0" smtClean="0">
+                <a:latin typeface="Times New Roman" panose="02020603050405020304" pitchFamily="18" charset="0"/>
+                <a:cs typeface="Times New Roman" panose="02020603050405020304" pitchFamily="18" charset="0"/>
+              </a:rPr>
               <a:t>community.</a:t>
             </a:r>
           </a:p>
           <a:p>
             <a:r>
-              <a:rPr lang="en-US" sz="2400" dirty="0"/>
+              <a:rPr lang="en-US" sz="2400" dirty="0">
+                <a:latin typeface="Times New Roman" panose="02020603050405020304" pitchFamily="18" charset="0"/>
+                <a:cs typeface="Times New Roman" panose="02020603050405020304" pitchFamily="18" charset="0"/>
+              </a:rPr>
               <a:t>In the context of Nepal, Munchahouse.com was started in </a:t>
             </a:r>
             <a:r>
-              <a:rPr lang="en-US" sz="2400" dirty="0" smtClean="0"/>
+              <a:rPr lang="en-US" sz="2400" dirty="0" smtClean="0">
+                <a:latin typeface="Times New Roman" panose="02020603050405020304" pitchFamily="18" charset="0"/>
+                <a:cs typeface="Times New Roman" panose="02020603050405020304" pitchFamily="18" charset="0"/>
+              </a:rPr>
               <a:t>2000.</a:t>
             </a:r>
           </a:p>
           <a:p>
             <a:r>
-              <a:rPr lang="en-US" sz="2400" dirty="0"/>
+              <a:rPr lang="en-US" sz="2400" dirty="0">
+                <a:latin typeface="Times New Roman" panose="02020603050405020304" pitchFamily="18" charset="0"/>
+                <a:cs typeface="Times New Roman" panose="02020603050405020304" pitchFamily="18" charset="0"/>
+              </a:rPr>
               <a:t>In 2005, </a:t>
             </a:r>
             <a:r>
-              <a:rPr lang="en-US" sz="2400" dirty="0" err="1"/>
+              <a:rPr lang="en-US" sz="2400" dirty="0" err="1">
+                <a:latin typeface="Times New Roman" panose="02020603050405020304" pitchFamily="18" charset="0"/>
+                <a:cs typeface="Times New Roman" panose="02020603050405020304" pitchFamily="18" charset="0"/>
+              </a:rPr>
               <a:t>Hamrobazar</a:t>
             </a:r>
             <a:r>
-              <a:rPr lang="en-US" sz="2400" dirty="0"/>
+              <a:rPr lang="en-US" sz="2400" dirty="0">
+                <a:latin typeface="Times New Roman" panose="02020603050405020304" pitchFamily="18" charset="0"/>
+                <a:cs typeface="Times New Roman" panose="02020603050405020304" pitchFamily="18" charset="0"/>
+              </a:rPr>
               <a:t> , a free online classified portal was </a:t>
             </a:r>
             <a:r>
-              <a:rPr lang="en-US" sz="2400" dirty="0" smtClean="0"/>
+              <a:rPr lang="en-US" sz="2400" dirty="0" smtClean="0">
+                <a:latin typeface="Times New Roman" panose="02020603050405020304" pitchFamily="18" charset="0"/>
+                <a:cs typeface="Times New Roman" panose="02020603050405020304" pitchFamily="18" charset="0"/>
+              </a:rPr>
               <a:t>opened.</a:t>
             </a:r>
           </a:p>
           <a:p>
             <a:r>
-              <a:rPr lang="en-US" sz="2400" dirty="0"/>
+              <a:rPr lang="en-US" sz="2400" dirty="0">
+                <a:latin typeface="Times New Roman" panose="02020603050405020304" pitchFamily="18" charset="0"/>
+                <a:cs typeface="Times New Roman" panose="02020603050405020304" pitchFamily="18" charset="0"/>
+              </a:rPr>
               <a:t>I</a:t>
             </a:r>
             <a:r>
-              <a:rPr lang="en-US" sz="2400" dirty="0" smtClean="0"/>
+              <a:rPr lang="en-US" sz="2400" dirty="0" smtClean="0">
+                <a:latin typeface="Times New Roman" panose="02020603050405020304" pitchFamily="18" charset="0"/>
+                <a:cs typeface="Times New Roman" panose="02020603050405020304" pitchFamily="18" charset="0"/>
+              </a:rPr>
               <a:t>n </a:t>
             </a:r>
             <a:r>
-              <a:rPr lang="en-US" sz="2400" dirty="0"/>
+              <a:rPr lang="en-US" sz="2400" dirty="0">
+                <a:latin typeface="Times New Roman" panose="02020603050405020304" pitchFamily="18" charset="0"/>
+                <a:cs typeface="Times New Roman" panose="02020603050405020304" pitchFamily="18" charset="0"/>
+              </a:rPr>
               <a:t>2011, </a:t>
             </a:r>
             <a:r>
-              <a:rPr lang="en-US" sz="2400" dirty="0" err="1"/>
+              <a:rPr lang="en-US" sz="2400" dirty="0" err="1">
+                <a:latin typeface="Times New Roman" panose="02020603050405020304" pitchFamily="18" charset="0"/>
+                <a:cs typeface="Times New Roman" panose="02020603050405020304" pitchFamily="18" charset="0"/>
+              </a:rPr>
               <a:t>Sastodeal</a:t>
             </a:r>
             <a:r>
-              <a:rPr lang="en-US" sz="2400" dirty="0"/>
+              <a:rPr lang="en-US" sz="2400" dirty="0">
+                <a:latin typeface="Times New Roman" panose="02020603050405020304" pitchFamily="18" charset="0"/>
+                <a:cs typeface="Times New Roman" panose="02020603050405020304" pitchFamily="18" charset="0"/>
+              </a:rPr>
               <a:t>, an e-commerce platform specializing in “deals” was </a:t>
             </a:r>
             <a:r>
-              <a:rPr lang="en-US" sz="2400" dirty="0" smtClean="0"/>
+              <a:rPr lang="en-US" sz="2400" dirty="0" smtClean="0">
+                <a:latin typeface="Times New Roman" panose="02020603050405020304" pitchFamily="18" charset="0"/>
+                <a:cs typeface="Times New Roman" panose="02020603050405020304" pitchFamily="18" charset="0"/>
+              </a:rPr>
               <a:t>launched.</a:t>
             </a:r>
           </a:p>
@@ -7340,6 +12211,664 @@
   <p:clrMapOvr>
     <a:masterClrMapping/>
   </p:clrMapOvr>
+  <p:timing>
+    <p:tnLst>
+      <p:par>
+        <p:cTn id="1" dur="indefinite" restart="never" nodeType="tmRoot">
+          <p:childTnLst>
+            <p:seq concurrent="1" nextAc="seek">
+              <p:cTn id="2" dur="indefinite" nodeType="mainSeq">
+                <p:childTnLst>
+                  <p:par>
+                    <p:cTn id="3" fill="hold">
+                      <p:stCondLst>
+                        <p:cond delay="indefinite"/>
+                        <p:cond evt="onBegin" delay="0">
+                          <p:tn val="2"/>
+                        </p:cond>
+                      </p:stCondLst>
+                      <p:childTnLst>
+                        <p:par>
+                          <p:cTn id="4" fill="hold">
+                            <p:stCondLst>
+                              <p:cond delay="0"/>
+                            </p:stCondLst>
+                            <p:childTnLst>
+                              <p:par>
+                                <p:cTn id="5" presetID="2" presetClass="entr" presetSubtype="4" fill="hold" grpId="0" nodeType="afterEffect">
+                                  <p:stCondLst>
+                                    <p:cond delay="0"/>
+                                  </p:stCondLst>
+                                  <p:childTnLst>
+                                    <p:set>
+                                      <p:cBhvr>
+                                        <p:cTn id="6" dur="1" fill="hold">
+                                          <p:stCondLst>
+                                            <p:cond delay="0"/>
+                                          </p:stCondLst>
+                                        </p:cTn>
+                                        <p:tgtEl>
+                                          <p:spTgt spid="2"/>
+                                        </p:tgtEl>
+                                        <p:attrNameLst>
+                                          <p:attrName>style.visibility</p:attrName>
+                                        </p:attrNameLst>
+                                      </p:cBhvr>
+                                      <p:to>
+                                        <p:strVal val="visible"/>
+                                      </p:to>
+                                    </p:set>
+                                    <p:anim calcmode="lin" valueType="num">
+                                      <p:cBhvr additive="base">
+                                        <p:cTn id="7" dur="500" fill="hold"/>
+                                        <p:tgtEl>
+                                          <p:spTgt spid="2"/>
+                                        </p:tgtEl>
+                                        <p:attrNameLst>
+                                          <p:attrName>ppt_x</p:attrName>
+                                        </p:attrNameLst>
+                                      </p:cBhvr>
+                                      <p:tavLst>
+                                        <p:tav tm="0">
+                                          <p:val>
+                                            <p:strVal val="#ppt_x"/>
+                                          </p:val>
+                                        </p:tav>
+                                        <p:tav tm="100000">
+                                          <p:val>
+                                            <p:strVal val="#ppt_x"/>
+                                          </p:val>
+                                        </p:tav>
+                                      </p:tavLst>
+                                    </p:anim>
+                                    <p:anim calcmode="lin" valueType="num">
+                                      <p:cBhvr additive="base">
+                                        <p:cTn id="8" dur="500" fill="hold"/>
+                                        <p:tgtEl>
+                                          <p:spTgt spid="2"/>
+                                        </p:tgtEl>
+                                        <p:attrNameLst>
+                                          <p:attrName>ppt_y</p:attrName>
+                                        </p:attrNameLst>
+                                      </p:cBhvr>
+                                      <p:tavLst>
+                                        <p:tav tm="0">
+                                          <p:val>
+                                            <p:strVal val="1+#ppt_h/2"/>
+                                          </p:val>
+                                        </p:tav>
+                                        <p:tav tm="100000">
+                                          <p:val>
+                                            <p:strVal val="#ppt_y"/>
+                                          </p:val>
+                                        </p:tav>
+                                      </p:tavLst>
+                                    </p:anim>
+                                  </p:childTnLst>
+                                </p:cTn>
+                              </p:par>
+                            </p:childTnLst>
+                          </p:cTn>
+                        </p:par>
+                        <p:par>
+                          <p:cTn id="9" fill="hold">
+                            <p:stCondLst>
+                              <p:cond delay="500"/>
+                            </p:stCondLst>
+                            <p:childTnLst>
+                              <p:par>
+                                <p:cTn id="10" presetID="42" presetClass="entr" presetSubtype="0" fill="hold" grpId="0" nodeType="afterEffect">
+                                  <p:stCondLst>
+                                    <p:cond delay="0"/>
+                                  </p:stCondLst>
+                                  <p:childTnLst>
+                                    <p:set>
+                                      <p:cBhvr>
+                                        <p:cTn id="11" dur="1" fill="hold">
+                                          <p:stCondLst>
+                                            <p:cond delay="0"/>
+                                          </p:stCondLst>
+                                        </p:cTn>
+                                        <p:tgtEl>
+                                          <p:spTgt spid="3">
+                                            <p:txEl>
+                                              <p:pRg st="0" end="0"/>
+                                            </p:txEl>
+                                          </p:spTgt>
+                                        </p:tgtEl>
+                                        <p:attrNameLst>
+                                          <p:attrName>style.visibility</p:attrName>
+                                        </p:attrNameLst>
+                                      </p:cBhvr>
+                                      <p:to>
+                                        <p:strVal val="visible"/>
+                                      </p:to>
+                                    </p:set>
+                                    <p:animEffect transition="in" filter="fade">
+                                      <p:cBhvr>
+                                        <p:cTn id="12" dur="1000"/>
+                                        <p:tgtEl>
+                                          <p:spTgt spid="3">
+                                            <p:txEl>
+                                              <p:pRg st="0" end="0"/>
+                                            </p:txEl>
+                                          </p:spTgt>
+                                        </p:tgtEl>
+                                      </p:cBhvr>
+                                    </p:animEffect>
+                                    <p:anim calcmode="lin" valueType="num">
+                                      <p:cBhvr>
+                                        <p:cTn id="13" dur="1000" fill="hold"/>
+                                        <p:tgtEl>
+                                          <p:spTgt spid="3">
+                                            <p:txEl>
+                                              <p:pRg st="0" end="0"/>
+                                            </p:txEl>
+                                          </p:spTgt>
+                                        </p:tgtEl>
+                                        <p:attrNameLst>
+                                          <p:attrName>ppt_x</p:attrName>
+                                        </p:attrNameLst>
+                                      </p:cBhvr>
+                                      <p:tavLst>
+                                        <p:tav tm="0">
+                                          <p:val>
+                                            <p:strVal val="#ppt_x"/>
+                                          </p:val>
+                                        </p:tav>
+                                        <p:tav tm="100000">
+                                          <p:val>
+                                            <p:strVal val="#ppt_x"/>
+                                          </p:val>
+                                        </p:tav>
+                                      </p:tavLst>
+                                    </p:anim>
+                                    <p:anim calcmode="lin" valueType="num">
+                                      <p:cBhvr>
+                                        <p:cTn id="14" dur="1000" fill="hold"/>
+                                        <p:tgtEl>
+                                          <p:spTgt spid="3">
+                                            <p:txEl>
+                                              <p:pRg st="0" end="0"/>
+                                            </p:txEl>
+                                          </p:spTgt>
+                                        </p:tgtEl>
+                                        <p:attrNameLst>
+                                          <p:attrName>ppt_y</p:attrName>
+                                        </p:attrNameLst>
+                                      </p:cBhvr>
+                                      <p:tavLst>
+                                        <p:tav tm="0">
+                                          <p:val>
+                                            <p:strVal val="#ppt_y+.1"/>
+                                          </p:val>
+                                        </p:tav>
+                                        <p:tav tm="100000">
+                                          <p:val>
+                                            <p:strVal val="#ppt_y"/>
+                                          </p:val>
+                                        </p:tav>
+                                      </p:tavLst>
+                                    </p:anim>
+                                  </p:childTnLst>
+                                </p:cTn>
+                              </p:par>
+                            </p:childTnLst>
+                          </p:cTn>
+                        </p:par>
+                        <p:par>
+                          <p:cTn id="15" fill="hold">
+                            <p:stCondLst>
+                              <p:cond delay="1500"/>
+                            </p:stCondLst>
+                            <p:childTnLst>
+                              <p:par>
+                                <p:cTn id="16" presetID="42" presetClass="entr" presetSubtype="0" fill="hold" grpId="0" nodeType="afterEffect">
+                                  <p:stCondLst>
+                                    <p:cond delay="0"/>
+                                  </p:stCondLst>
+                                  <p:childTnLst>
+                                    <p:set>
+                                      <p:cBhvr>
+                                        <p:cTn id="17" dur="1" fill="hold">
+                                          <p:stCondLst>
+                                            <p:cond delay="0"/>
+                                          </p:stCondLst>
+                                        </p:cTn>
+                                        <p:tgtEl>
+                                          <p:spTgt spid="3">
+                                            <p:txEl>
+                                              <p:pRg st="1" end="1"/>
+                                            </p:txEl>
+                                          </p:spTgt>
+                                        </p:tgtEl>
+                                        <p:attrNameLst>
+                                          <p:attrName>style.visibility</p:attrName>
+                                        </p:attrNameLst>
+                                      </p:cBhvr>
+                                      <p:to>
+                                        <p:strVal val="visible"/>
+                                      </p:to>
+                                    </p:set>
+                                    <p:animEffect transition="in" filter="fade">
+                                      <p:cBhvr>
+                                        <p:cTn id="18" dur="1000"/>
+                                        <p:tgtEl>
+                                          <p:spTgt spid="3">
+                                            <p:txEl>
+                                              <p:pRg st="1" end="1"/>
+                                            </p:txEl>
+                                          </p:spTgt>
+                                        </p:tgtEl>
+                                      </p:cBhvr>
+                                    </p:animEffect>
+                                    <p:anim calcmode="lin" valueType="num">
+                                      <p:cBhvr>
+                                        <p:cTn id="19" dur="1000" fill="hold"/>
+                                        <p:tgtEl>
+                                          <p:spTgt spid="3">
+                                            <p:txEl>
+                                              <p:pRg st="1" end="1"/>
+                                            </p:txEl>
+                                          </p:spTgt>
+                                        </p:tgtEl>
+                                        <p:attrNameLst>
+                                          <p:attrName>ppt_x</p:attrName>
+                                        </p:attrNameLst>
+                                      </p:cBhvr>
+                                      <p:tavLst>
+                                        <p:tav tm="0">
+                                          <p:val>
+                                            <p:strVal val="#ppt_x"/>
+                                          </p:val>
+                                        </p:tav>
+                                        <p:tav tm="100000">
+                                          <p:val>
+                                            <p:strVal val="#ppt_x"/>
+                                          </p:val>
+                                        </p:tav>
+                                      </p:tavLst>
+                                    </p:anim>
+                                    <p:anim calcmode="lin" valueType="num">
+                                      <p:cBhvr>
+                                        <p:cTn id="20" dur="1000" fill="hold"/>
+                                        <p:tgtEl>
+                                          <p:spTgt spid="3">
+                                            <p:txEl>
+                                              <p:pRg st="1" end="1"/>
+                                            </p:txEl>
+                                          </p:spTgt>
+                                        </p:tgtEl>
+                                        <p:attrNameLst>
+                                          <p:attrName>ppt_y</p:attrName>
+                                        </p:attrNameLst>
+                                      </p:cBhvr>
+                                      <p:tavLst>
+                                        <p:tav tm="0">
+                                          <p:val>
+                                            <p:strVal val="#ppt_y+.1"/>
+                                          </p:val>
+                                        </p:tav>
+                                        <p:tav tm="100000">
+                                          <p:val>
+                                            <p:strVal val="#ppt_y"/>
+                                          </p:val>
+                                        </p:tav>
+                                      </p:tavLst>
+                                    </p:anim>
+                                  </p:childTnLst>
+                                </p:cTn>
+                              </p:par>
+                            </p:childTnLst>
+                          </p:cTn>
+                        </p:par>
+                        <p:par>
+                          <p:cTn id="21" fill="hold">
+                            <p:stCondLst>
+                              <p:cond delay="2500"/>
+                            </p:stCondLst>
+                            <p:childTnLst>
+                              <p:par>
+                                <p:cTn id="22" presetID="42" presetClass="entr" presetSubtype="0" fill="hold" grpId="0" nodeType="afterEffect">
+                                  <p:stCondLst>
+                                    <p:cond delay="0"/>
+                                  </p:stCondLst>
+                                  <p:childTnLst>
+                                    <p:set>
+                                      <p:cBhvr>
+                                        <p:cTn id="23" dur="1" fill="hold">
+                                          <p:stCondLst>
+                                            <p:cond delay="0"/>
+                                          </p:stCondLst>
+                                        </p:cTn>
+                                        <p:tgtEl>
+                                          <p:spTgt spid="3">
+                                            <p:txEl>
+                                              <p:pRg st="2" end="2"/>
+                                            </p:txEl>
+                                          </p:spTgt>
+                                        </p:tgtEl>
+                                        <p:attrNameLst>
+                                          <p:attrName>style.visibility</p:attrName>
+                                        </p:attrNameLst>
+                                      </p:cBhvr>
+                                      <p:to>
+                                        <p:strVal val="visible"/>
+                                      </p:to>
+                                    </p:set>
+                                    <p:animEffect transition="in" filter="fade">
+                                      <p:cBhvr>
+                                        <p:cTn id="24" dur="1000"/>
+                                        <p:tgtEl>
+                                          <p:spTgt spid="3">
+                                            <p:txEl>
+                                              <p:pRg st="2" end="2"/>
+                                            </p:txEl>
+                                          </p:spTgt>
+                                        </p:tgtEl>
+                                      </p:cBhvr>
+                                    </p:animEffect>
+                                    <p:anim calcmode="lin" valueType="num">
+                                      <p:cBhvr>
+                                        <p:cTn id="25" dur="1000" fill="hold"/>
+                                        <p:tgtEl>
+                                          <p:spTgt spid="3">
+                                            <p:txEl>
+                                              <p:pRg st="2" end="2"/>
+                                            </p:txEl>
+                                          </p:spTgt>
+                                        </p:tgtEl>
+                                        <p:attrNameLst>
+                                          <p:attrName>ppt_x</p:attrName>
+                                        </p:attrNameLst>
+                                      </p:cBhvr>
+                                      <p:tavLst>
+                                        <p:tav tm="0">
+                                          <p:val>
+                                            <p:strVal val="#ppt_x"/>
+                                          </p:val>
+                                        </p:tav>
+                                        <p:tav tm="100000">
+                                          <p:val>
+                                            <p:strVal val="#ppt_x"/>
+                                          </p:val>
+                                        </p:tav>
+                                      </p:tavLst>
+                                    </p:anim>
+                                    <p:anim calcmode="lin" valueType="num">
+                                      <p:cBhvr>
+                                        <p:cTn id="26" dur="1000" fill="hold"/>
+                                        <p:tgtEl>
+                                          <p:spTgt spid="3">
+                                            <p:txEl>
+                                              <p:pRg st="2" end="2"/>
+                                            </p:txEl>
+                                          </p:spTgt>
+                                        </p:tgtEl>
+                                        <p:attrNameLst>
+                                          <p:attrName>ppt_y</p:attrName>
+                                        </p:attrNameLst>
+                                      </p:cBhvr>
+                                      <p:tavLst>
+                                        <p:tav tm="0">
+                                          <p:val>
+                                            <p:strVal val="#ppt_y+.1"/>
+                                          </p:val>
+                                        </p:tav>
+                                        <p:tav tm="100000">
+                                          <p:val>
+                                            <p:strVal val="#ppt_y"/>
+                                          </p:val>
+                                        </p:tav>
+                                      </p:tavLst>
+                                    </p:anim>
+                                  </p:childTnLst>
+                                </p:cTn>
+                              </p:par>
+                            </p:childTnLst>
+                          </p:cTn>
+                        </p:par>
+                        <p:par>
+                          <p:cTn id="27" fill="hold">
+                            <p:stCondLst>
+                              <p:cond delay="3500"/>
+                            </p:stCondLst>
+                            <p:childTnLst>
+                              <p:par>
+                                <p:cTn id="28" presetID="42" presetClass="entr" presetSubtype="0" fill="hold" grpId="0" nodeType="afterEffect">
+                                  <p:stCondLst>
+                                    <p:cond delay="0"/>
+                                  </p:stCondLst>
+                                  <p:childTnLst>
+                                    <p:set>
+                                      <p:cBhvr>
+                                        <p:cTn id="29" dur="1" fill="hold">
+                                          <p:stCondLst>
+                                            <p:cond delay="0"/>
+                                          </p:stCondLst>
+                                        </p:cTn>
+                                        <p:tgtEl>
+                                          <p:spTgt spid="3">
+                                            <p:txEl>
+                                              <p:pRg st="3" end="3"/>
+                                            </p:txEl>
+                                          </p:spTgt>
+                                        </p:tgtEl>
+                                        <p:attrNameLst>
+                                          <p:attrName>style.visibility</p:attrName>
+                                        </p:attrNameLst>
+                                      </p:cBhvr>
+                                      <p:to>
+                                        <p:strVal val="visible"/>
+                                      </p:to>
+                                    </p:set>
+                                    <p:animEffect transition="in" filter="fade">
+                                      <p:cBhvr>
+                                        <p:cTn id="30" dur="1000"/>
+                                        <p:tgtEl>
+                                          <p:spTgt spid="3">
+                                            <p:txEl>
+                                              <p:pRg st="3" end="3"/>
+                                            </p:txEl>
+                                          </p:spTgt>
+                                        </p:tgtEl>
+                                      </p:cBhvr>
+                                    </p:animEffect>
+                                    <p:anim calcmode="lin" valueType="num">
+                                      <p:cBhvr>
+                                        <p:cTn id="31" dur="1000" fill="hold"/>
+                                        <p:tgtEl>
+                                          <p:spTgt spid="3">
+                                            <p:txEl>
+                                              <p:pRg st="3" end="3"/>
+                                            </p:txEl>
+                                          </p:spTgt>
+                                        </p:tgtEl>
+                                        <p:attrNameLst>
+                                          <p:attrName>ppt_x</p:attrName>
+                                        </p:attrNameLst>
+                                      </p:cBhvr>
+                                      <p:tavLst>
+                                        <p:tav tm="0">
+                                          <p:val>
+                                            <p:strVal val="#ppt_x"/>
+                                          </p:val>
+                                        </p:tav>
+                                        <p:tav tm="100000">
+                                          <p:val>
+                                            <p:strVal val="#ppt_x"/>
+                                          </p:val>
+                                        </p:tav>
+                                      </p:tavLst>
+                                    </p:anim>
+                                    <p:anim calcmode="lin" valueType="num">
+                                      <p:cBhvr>
+                                        <p:cTn id="32" dur="1000" fill="hold"/>
+                                        <p:tgtEl>
+                                          <p:spTgt spid="3">
+                                            <p:txEl>
+                                              <p:pRg st="3" end="3"/>
+                                            </p:txEl>
+                                          </p:spTgt>
+                                        </p:tgtEl>
+                                        <p:attrNameLst>
+                                          <p:attrName>ppt_y</p:attrName>
+                                        </p:attrNameLst>
+                                      </p:cBhvr>
+                                      <p:tavLst>
+                                        <p:tav tm="0">
+                                          <p:val>
+                                            <p:strVal val="#ppt_y+.1"/>
+                                          </p:val>
+                                        </p:tav>
+                                        <p:tav tm="100000">
+                                          <p:val>
+                                            <p:strVal val="#ppt_y"/>
+                                          </p:val>
+                                        </p:tav>
+                                      </p:tavLst>
+                                    </p:anim>
+                                  </p:childTnLst>
+                                </p:cTn>
+                              </p:par>
+                            </p:childTnLst>
+                          </p:cTn>
+                        </p:par>
+                        <p:par>
+                          <p:cTn id="33" fill="hold">
+                            <p:stCondLst>
+                              <p:cond delay="4500"/>
+                            </p:stCondLst>
+                            <p:childTnLst>
+                              <p:par>
+                                <p:cTn id="34" presetID="42" presetClass="entr" presetSubtype="0" fill="hold" grpId="0" nodeType="afterEffect">
+                                  <p:stCondLst>
+                                    <p:cond delay="0"/>
+                                  </p:stCondLst>
+                                  <p:childTnLst>
+                                    <p:set>
+                                      <p:cBhvr>
+                                        <p:cTn id="35" dur="1" fill="hold">
+                                          <p:stCondLst>
+                                            <p:cond delay="0"/>
+                                          </p:stCondLst>
+                                        </p:cTn>
+                                        <p:tgtEl>
+                                          <p:spTgt spid="3">
+                                            <p:txEl>
+                                              <p:pRg st="4" end="4"/>
+                                            </p:txEl>
+                                          </p:spTgt>
+                                        </p:tgtEl>
+                                        <p:attrNameLst>
+                                          <p:attrName>style.visibility</p:attrName>
+                                        </p:attrNameLst>
+                                      </p:cBhvr>
+                                      <p:to>
+                                        <p:strVal val="visible"/>
+                                      </p:to>
+                                    </p:set>
+                                    <p:animEffect transition="in" filter="fade">
+                                      <p:cBhvr>
+                                        <p:cTn id="36" dur="1000"/>
+                                        <p:tgtEl>
+                                          <p:spTgt spid="3">
+                                            <p:txEl>
+                                              <p:pRg st="4" end="4"/>
+                                            </p:txEl>
+                                          </p:spTgt>
+                                        </p:tgtEl>
+                                      </p:cBhvr>
+                                    </p:animEffect>
+                                    <p:anim calcmode="lin" valueType="num">
+                                      <p:cBhvr>
+                                        <p:cTn id="37" dur="1000" fill="hold"/>
+                                        <p:tgtEl>
+                                          <p:spTgt spid="3">
+                                            <p:txEl>
+                                              <p:pRg st="4" end="4"/>
+                                            </p:txEl>
+                                          </p:spTgt>
+                                        </p:tgtEl>
+                                        <p:attrNameLst>
+                                          <p:attrName>ppt_x</p:attrName>
+                                        </p:attrNameLst>
+                                      </p:cBhvr>
+                                      <p:tavLst>
+                                        <p:tav tm="0">
+                                          <p:val>
+                                            <p:strVal val="#ppt_x"/>
+                                          </p:val>
+                                        </p:tav>
+                                        <p:tav tm="100000">
+                                          <p:val>
+                                            <p:strVal val="#ppt_x"/>
+                                          </p:val>
+                                        </p:tav>
+                                      </p:tavLst>
+                                    </p:anim>
+                                    <p:anim calcmode="lin" valueType="num">
+                                      <p:cBhvr>
+                                        <p:cTn id="38" dur="1000" fill="hold"/>
+                                        <p:tgtEl>
+                                          <p:spTgt spid="3">
+                                            <p:txEl>
+                                              <p:pRg st="4" end="4"/>
+                                            </p:txEl>
+                                          </p:spTgt>
+                                        </p:tgtEl>
+                                        <p:attrNameLst>
+                                          <p:attrName>ppt_y</p:attrName>
+                                        </p:attrNameLst>
+                                      </p:cBhvr>
+                                      <p:tavLst>
+                                        <p:tav tm="0">
+                                          <p:val>
+                                            <p:strVal val="#ppt_y+.1"/>
+                                          </p:val>
+                                        </p:tav>
+                                        <p:tav tm="100000">
+                                          <p:val>
+                                            <p:strVal val="#ppt_y"/>
+                                          </p:val>
+                                        </p:tav>
+                                      </p:tavLst>
+                                    </p:anim>
+                                  </p:childTnLst>
+                                </p:cTn>
+                              </p:par>
+                            </p:childTnLst>
+                          </p:cTn>
+                        </p:par>
+                      </p:childTnLst>
+                    </p:cTn>
+                  </p:par>
+                </p:childTnLst>
+              </p:cTn>
+              <p:prevCondLst>
+                <p:cond evt="onPrev" delay="0">
+                  <p:tgtEl>
+                    <p:sldTgt/>
+                  </p:tgtEl>
+                </p:cond>
+              </p:prevCondLst>
+              <p:nextCondLst>
+                <p:cond evt="onNext" delay="0">
+                  <p:tgtEl>
+                    <p:sldTgt/>
+                  </p:tgtEl>
+                </p:cond>
+              </p:nextCondLst>
+            </p:seq>
+          </p:childTnLst>
+        </p:cTn>
+      </p:par>
+    </p:tnLst>
+    <p:bldLst>
+      <p:bldP spid="2" grpId="0"/>
+      <p:bldP spid="3" grpId="0" build="p"/>
+    </p:bldLst>
+  </p:timing>
 </p:sld>
 </file>
 
@@ -7387,13 +12916,27 @@
                 <a:solidFill>
                   <a:schemeClr val="tx1"/>
                 </a:solidFill>
+                <a:latin typeface="Times New Roman" panose="02020603050405020304" pitchFamily="18" charset="0"/>
+                <a:cs typeface="Times New Roman" panose="02020603050405020304" pitchFamily="18" charset="0"/>
               </a:rPr>
-              <a:t>Literature Review ( contd..)</a:t>
+              <a:t>LITERATURE REVIEW ( </a:t>
+            </a:r>
+            <a:r>
+              <a:rPr lang="en-US" b="1" dirty="0" smtClean="0">
+                <a:solidFill>
+                  <a:schemeClr val="tx1"/>
+                </a:solidFill>
+                <a:latin typeface="Times New Roman" panose="02020603050405020304" pitchFamily="18" charset="0"/>
+                <a:cs typeface="Times New Roman" panose="02020603050405020304" pitchFamily="18" charset="0"/>
+              </a:rPr>
+              <a:t>contd..)</a:t>
             </a:r>
             <a:endParaRPr lang="en-US" b="1" dirty="0">
               <a:solidFill>
                 <a:schemeClr val="tx1"/>
               </a:solidFill>
+              <a:latin typeface="Times New Roman" panose="02020603050405020304" pitchFamily="18" charset="0"/>
+              <a:cs typeface="Times New Roman" panose="02020603050405020304" pitchFamily="18" charset="0"/>
             </a:endParaRPr>
           </a:p>
         </p:txBody>
@@ -7421,39 +12964,63 @@
           <a:lstStyle/>
           <a:p>
             <a:r>
-              <a:rPr lang="en-US" sz="2400" dirty="0"/>
+              <a:rPr lang="en-US" sz="2400" dirty="0">
+                <a:latin typeface="Times New Roman" panose="02020603050405020304" pitchFamily="18" charset="0"/>
+                <a:cs typeface="Times New Roman" panose="02020603050405020304" pitchFamily="18" charset="0"/>
+              </a:rPr>
               <a:t>At present, digital marketing or e-commerce has taken the business prospect to the next level with the help of AI </a:t>
             </a:r>
             <a:r>
-              <a:rPr lang="en-US" sz="2400" dirty="0" smtClean="0"/>
+              <a:rPr lang="en-US" sz="2400" dirty="0" smtClean="0">
+                <a:latin typeface="Times New Roman" panose="02020603050405020304" pitchFamily="18" charset="0"/>
+                <a:cs typeface="Times New Roman" panose="02020603050405020304" pitchFamily="18" charset="0"/>
+              </a:rPr>
               <a:t>technology.</a:t>
             </a:r>
           </a:p>
           <a:p>
             <a:r>
-              <a:rPr lang="en-US" sz="2400" dirty="0"/>
+              <a:rPr lang="en-US" sz="2400" dirty="0">
+                <a:latin typeface="Times New Roman" panose="02020603050405020304" pitchFamily="18" charset="0"/>
+                <a:cs typeface="Times New Roman" panose="02020603050405020304" pitchFamily="18" charset="0"/>
+              </a:rPr>
               <a:t>eBay uses artificial intelligence in personalization, search, </a:t>
             </a:r>
             <a:r>
-              <a:rPr lang="en-US" sz="2400" dirty="0" smtClean="0"/>
+              <a:rPr lang="en-US" sz="2400" dirty="0" smtClean="0">
+                <a:latin typeface="Times New Roman" panose="02020603050405020304" pitchFamily="18" charset="0"/>
+                <a:cs typeface="Times New Roman" panose="02020603050405020304" pitchFamily="18" charset="0"/>
+              </a:rPr>
               <a:t>natural language processing and so on.</a:t>
             </a:r>
           </a:p>
           <a:p>
             <a:r>
-              <a:rPr lang="en-US" sz="2400" dirty="0"/>
+              <a:rPr lang="en-US" sz="2400" dirty="0">
+                <a:latin typeface="Times New Roman" panose="02020603050405020304" pitchFamily="18" charset="0"/>
+                <a:cs typeface="Times New Roman" panose="02020603050405020304" pitchFamily="18" charset="0"/>
+              </a:rPr>
               <a:t>The </a:t>
             </a:r>
             <a:r>
-              <a:rPr lang="en-US" sz="2400" dirty="0" err="1"/>
+              <a:rPr lang="en-US" sz="2400" dirty="0" err="1">
+                <a:latin typeface="Times New Roman" panose="02020603050405020304" pitchFamily="18" charset="0"/>
+                <a:cs typeface="Times New Roman" panose="02020603050405020304" pitchFamily="18" charset="0"/>
+              </a:rPr>
               <a:t>Daraz</a:t>
             </a:r>
             <a:r>
-              <a:rPr lang="en-US" sz="2400" dirty="0"/>
+              <a:rPr lang="en-US" sz="2400" dirty="0">
+                <a:latin typeface="Times New Roman" panose="02020603050405020304" pitchFamily="18" charset="0"/>
+                <a:cs typeface="Times New Roman" panose="02020603050405020304" pitchFamily="18" charset="0"/>
+              </a:rPr>
               <a:t> Mobile Application implements artificial intelligence by providing three super smart options for the customers to shop online with more </a:t>
             </a:r>
             <a:r>
-              <a:rPr lang="en-US" sz="2400" dirty="0" smtClean="0"/>
+              <a:rPr lang="en-US" sz="2400" dirty="0" smtClean="0">
+                <a:latin typeface="Times New Roman" panose="02020603050405020304" pitchFamily="18" charset="0"/>
+                <a:cs typeface="Times New Roman" panose="02020603050405020304" pitchFamily="18" charset="0"/>
+              </a:rPr>
               <a:t>comfort. </a:t>
             </a:r>
             <a:endParaRPr lang="en-US" sz="2400" dirty="0">
@@ -7473,6 +13040,452 @@
   <p:clrMapOvr>
     <a:masterClrMapping/>
   </p:clrMapOvr>
+  <p:timing>
+    <p:tnLst>
+      <p:par>
+        <p:cTn id="1" dur="indefinite" restart="never" nodeType="tmRoot">
+          <p:childTnLst>
+            <p:seq concurrent="1" nextAc="seek">
+              <p:cTn id="2" dur="indefinite" nodeType="mainSeq">
+                <p:childTnLst>
+                  <p:par>
+                    <p:cTn id="3" fill="hold">
+                      <p:stCondLst>
+                        <p:cond delay="indefinite"/>
+                        <p:cond evt="onBegin" delay="0">
+                          <p:tn val="2"/>
+                        </p:cond>
+                      </p:stCondLst>
+                      <p:childTnLst>
+                        <p:par>
+                          <p:cTn id="4" fill="hold">
+                            <p:stCondLst>
+                              <p:cond delay="0"/>
+                            </p:stCondLst>
+                            <p:childTnLst>
+                              <p:par>
+                                <p:cTn id="5" presetID="2" presetClass="entr" presetSubtype="4" fill="hold" grpId="0" nodeType="afterEffect">
+                                  <p:stCondLst>
+                                    <p:cond delay="0"/>
+                                  </p:stCondLst>
+                                  <p:childTnLst>
+                                    <p:set>
+                                      <p:cBhvr>
+                                        <p:cTn id="6" dur="1" fill="hold">
+                                          <p:stCondLst>
+                                            <p:cond delay="0"/>
+                                          </p:stCondLst>
+                                        </p:cTn>
+                                        <p:tgtEl>
+                                          <p:spTgt spid="2"/>
+                                        </p:tgtEl>
+                                        <p:attrNameLst>
+                                          <p:attrName>style.visibility</p:attrName>
+                                        </p:attrNameLst>
+                                      </p:cBhvr>
+                                      <p:to>
+                                        <p:strVal val="visible"/>
+                                      </p:to>
+                                    </p:set>
+                                    <p:anim calcmode="lin" valueType="num">
+                                      <p:cBhvr additive="base">
+                                        <p:cTn id="7" dur="500" fill="hold"/>
+                                        <p:tgtEl>
+                                          <p:spTgt spid="2"/>
+                                        </p:tgtEl>
+                                        <p:attrNameLst>
+                                          <p:attrName>ppt_x</p:attrName>
+                                        </p:attrNameLst>
+                                      </p:cBhvr>
+                                      <p:tavLst>
+                                        <p:tav tm="0">
+                                          <p:val>
+                                            <p:strVal val="#ppt_x"/>
+                                          </p:val>
+                                        </p:tav>
+                                        <p:tav tm="100000">
+                                          <p:val>
+                                            <p:strVal val="#ppt_x"/>
+                                          </p:val>
+                                        </p:tav>
+                                      </p:tavLst>
+                                    </p:anim>
+                                    <p:anim calcmode="lin" valueType="num">
+                                      <p:cBhvr additive="base">
+                                        <p:cTn id="8" dur="500" fill="hold"/>
+                                        <p:tgtEl>
+                                          <p:spTgt spid="2"/>
+                                        </p:tgtEl>
+                                        <p:attrNameLst>
+                                          <p:attrName>ppt_y</p:attrName>
+                                        </p:attrNameLst>
+                                      </p:cBhvr>
+                                      <p:tavLst>
+                                        <p:tav tm="0">
+                                          <p:val>
+                                            <p:strVal val="1+#ppt_h/2"/>
+                                          </p:val>
+                                        </p:tav>
+                                        <p:tav tm="100000">
+                                          <p:val>
+                                            <p:strVal val="#ppt_y"/>
+                                          </p:val>
+                                        </p:tav>
+                                      </p:tavLst>
+                                    </p:anim>
+                                  </p:childTnLst>
+                                </p:cTn>
+                              </p:par>
+                            </p:childTnLst>
+                          </p:cTn>
+                        </p:par>
+                        <p:par>
+                          <p:cTn id="9" fill="hold">
+                            <p:stCondLst>
+                              <p:cond delay="500"/>
+                            </p:stCondLst>
+                            <p:childTnLst>
+                              <p:par>
+                                <p:cTn id="10" presetID="42" presetClass="entr" presetSubtype="0" fill="hold" grpId="0" nodeType="afterEffect">
+                                  <p:stCondLst>
+                                    <p:cond delay="0"/>
+                                  </p:stCondLst>
+                                  <p:childTnLst>
+                                    <p:set>
+                                      <p:cBhvr>
+                                        <p:cTn id="11" dur="1" fill="hold">
+                                          <p:stCondLst>
+                                            <p:cond delay="0"/>
+                                          </p:stCondLst>
+                                        </p:cTn>
+                                        <p:tgtEl>
+                                          <p:spTgt spid="3">
+                                            <p:txEl>
+                                              <p:pRg st="0" end="0"/>
+                                            </p:txEl>
+                                          </p:spTgt>
+                                        </p:tgtEl>
+                                        <p:attrNameLst>
+                                          <p:attrName>style.visibility</p:attrName>
+                                        </p:attrNameLst>
+                                      </p:cBhvr>
+                                      <p:to>
+                                        <p:strVal val="visible"/>
+                                      </p:to>
+                                    </p:set>
+                                    <p:animEffect transition="in" filter="fade">
+                                      <p:cBhvr>
+                                        <p:cTn id="12" dur="1000"/>
+                                        <p:tgtEl>
+                                          <p:spTgt spid="3">
+                                            <p:txEl>
+                                              <p:pRg st="0" end="0"/>
+                                            </p:txEl>
+                                          </p:spTgt>
+                                        </p:tgtEl>
+                                      </p:cBhvr>
+                                    </p:animEffect>
+                                    <p:anim calcmode="lin" valueType="num">
+                                      <p:cBhvr>
+                                        <p:cTn id="13" dur="1000" fill="hold"/>
+                                        <p:tgtEl>
+                                          <p:spTgt spid="3">
+                                            <p:txEl>
+                                              <p:pRg st="0" end="0"/>
+                                            </p:txEl>
+                                          </p:spTgt>
+                                        </p:tgtEl>
+                                        <p:attrNameLst>
+                                          <p:attrName>ppt_x</p:attrName>
+                                        </p:attrNameLst>
+                                      </p:cBhvr>
+                                      <p:tavLst>
+                                        <p:tav tm="0">
+                                          <p:val>
+                                            <p:strVal val="#ppt_x"/>
+                                          </p:val>
+                                        </p:tav>
+                                        <p:tav tm="100000">
+                                          <p:val>
+                                            <p:strVal val="#ppt_x"/>
+                                          </p:val>
+                                        </p:tav>
+                                      </p:tavLst>
+                                    </p:anim>
+                                    <p:anim calcmode="lin" valueType="num">
+                                      <p:cBhvr>
+                                        <p:cTn id="14" dur="1000" fill="hold"/>
+                                        <p:tgtEl>
+                                          <p:spTgt spid="3">
+                                            <p:txEl>
+                                              <p:pRg st="0" end="0"/>
+                                            </p:txEl>
+                                          </p:spTgt>
+                                        </p:tgtEl>
+                                        <p:attrNameLst>
+                                          <p:attrName>ppt_y</p:attrName>
+                                        </p:attrNameLst>
+                                      </p:cBhvr>
+                                      <p:tavLst>
+                                        <p:tav tm="0">
+                                          <p:val>
+                                            <p:strVal val="#ppt_y+.1"/>
+                                          </p:val>
+                                        </p:tav>
+                                        <p:tav tm="100000">
+                                          <p:val>
+                                            <p:strVal val="#ppt_y"/>
+                                          </p:val>
+                                        </p:tav>
+                                      </p:tavLst>
+                                    </p:anim>
+                                  </p:childTnLst>
+                                </p:cTn>
+                              </p:par>
+                            </p:childTnLst>
+                          </p:cTn>
+                        </p:par>
+                        <p:par>
+                          <p:cTn id="15" fill="hold">
+                            <p:stCondLst>
+                              <p:cond delay="1500"/>
+                            </p:stCondLst>
+                            <p:childTnLst>
+                              <p:par>
+                                <p:cTn id="16" presetID="42" presetClass="entr" presetSubtype="0" fill="hold" grpId="0" nodeType="afterEffect">
+                                  <p:stCondLst>
+                                    <p:cond delay="0"/>
+                                  </p:stCondLst>
+                                  <p:childTnLst>
+                                    <p:set>
+                                      <p:cBhvr>
+                                        <p:cTn id="17" dur="1" fill="hold">
+                                          <p:stCondLst>
+                                            <p:cond delay="0"/>
+                                          </p:stCondLst>
+                                        </p:cTn>
+                                        <p:tgtEl>
+                                          <p:spTgt spid="3">
+                                            <p:txEl>
+                                              <p:pRg st="1" end="1"/>
+                                            </p:txEl>
+                                          </p:spTgt>
+                                        </p:tgtEl>
+                                        <p:attrNameLst>
+                                          <p:attrName>style.visibility</p:attrName>
+                                        </p:attrNameLst>
+                                      </p:cBhvr>
+                                      <p:to>
+                                        <p:strVal val="visible"/>
+                                      </p:to>
+                                    </p:set>
+                                    <p:animEffect transition="in" filter="fade">
+                                      <p:cBhvr>
+                                        <p:cTn id="18" dur="1000"/>
+                                        <p:tgtEl>
+                                          <p:spTgt spid="3">
+                                            <p:txEl>
+                                              <p:pRg st="1" end="1"/>
+                                            </p:txEl>
+                                          </p:spTgt>
+                                        </p:tgtEl>
+                                      </p:cBhvr>
+                                    </p:animEffect>
+                                    <p:anim calcmode="lin" valueType="num">
+                                      <p:cBhvr>
+                                        <p:cTn id="19" dur="1000" fill="hold"/>
+                                        <p:tgtEl>
+                                          <p:spTgt spid="3">
+                                            <p:txEl>
+                                              <p:pRg st="1" end="1"/>
+                                            </p:txEl>
+                                          </p:spTgt>
+                                        </p:tgtEl>
+                                        <p:attrNameLst>
+                                          <p:attrName>ppt_x</p:attrName>
+                                        </p:attrNameLst>
+                                      </p:cBhvr>
+                                      <p:tavLst>
+                                        <p:tav tm="0">
+                                          <p:val>
+                                            <p:strVal val="#ppt_x"/>
+                                          </p:val>
+                                        </p:tav>
+                                        <p:tav tm="100000">
+                                          <p:val>
+                                            <p:strVal val="#ppt_x"/>
+                                          </p:val>
+                                        </p:tav>
+                                      </p:tavLst>
+                                    </p:anim>
+                                    <p:anim calcmode="lin" valueType="num">
+                                      <p:cBhvr>
+                                        <p:cTn id="20" dur="1000" fill="hold"/>
+                                        <p:tgtEl>
+                                          <p:spTgt spid="3">
+                                            <p:txEl>
+                                              <p:pRg st="1" end="1"/>
+                                            </p:txEl>
+                                          </p:spTgt>
+                                        </p:tgtEl>
+                                        <p:attrNameLst>
+                                          <p:attrName>ppt_y</p:attrName>
+                                        </p:attrNameLst>
+                                      </p:cBhvr>
+                                      <p:tavLst>
+                                        <p:tav tm="0">
+                                          <p:val>
+                                            <p:strVal val="#ppt_y+.1"/>
+                                          </p:val>
+                                        </p:tav>
+                                        <p:tav tm="100000">
+                                          <p:val>
+                                            <p:strVal val="#ppt_y"/>
+                                          </p:val>
+                                        </p:tav>
+                                      </p:tavLst>
+                                    </p:anim>
+                                  </p:childTnLst>
+                                </p:cTn>
+                              </p:par>
+                            </p:childTnLst>
+                          </p:cTn>
+                        </p:par>
+                        <p:par>
+                          <p:cTn id="21" fill="hold">
+                            <p:stCondLst>
+                              <p:cond delay="2500"/>
+                            </p:stCondLst>
+                            <p:childTnLst>
+                              <p:par>
+                                <p:cTn id="22" presetID="42" presetClass="entr" presetSubtype="0" fill="hold" grpId="0" nodeType="afterEffect">
+                                  <p:stCondLst>
+                                    <p:cond delay="0"/>
+                                  </p:stCondLst>
+                                  <p:childTnLst>
+                                    <p:set>
+                                      <p:cBhvr>
+                                        <p:cTn id="23" dur="1" fill="hold">
+                                          <p:stCondLst>
+                                            <p:cond delay="0"/>
+                                          </p:stCondLst>
+                                        </p:cTn>
+                                        <p:tgtEl>
+                                          <p:spTgt spid="3">
+                                            <p:txEl>
+                                              <p:pRg st="2" end="2"/>
+                                            </p:txEl>
+                                          </p:spTgt>
+                                        </p:tgtEl>
+                                        <p:attrNameLst>
+                                          <p:attrName>style.visibility</p:attrName>
+                                        </p:attrNameLst>
+                                      </p:cBhvr>
+                                      <p:to>
+                                        <p:strVal val="visible"/>
+                                      </p:to>
+                                    </p:set>
+                                    <p:animEffect transition="in" filter="fade">
+                                      <p:cBhvr>
+                                        <p:cTn id="24" dur="1000"/>
+                                        <p:tgtEl>
+                                          <p:spTgt spid="3">
+                                            <p:txEl>
+                                              <p:pRg st="2" end="2"/>
+                                            </p:txEl>
+                                          </p:spTgt>
+                                        </p:tgtEl>
+                                      </p:cBhvr>
+                                    </p:animEffect>
+                                    <p:anim calcmode="lin" valueType="num">
+                                      <p:cBhvr>
+                                        <p:cTn id="25" dur="1000" fill="hold"/>
+                                        <p:tgtEl>
+                                          <p:spTgt spid="3">
+                                            <p:txEl>
+                                              <p:pRg st="2" end="2"/>
+                                            </p:txEl>
+                                          </p:spTgt>
+                                        </p:tgtEl>
+                                        <p:attrNameLst>
+                                          <p:attrName>ppt_x</p:attrName>
+                                        </p:attrNameLst>
+                                      </p:cBhvr>
+                                      <p:tavLst>
+                                        <p:tav tm="0">
+                                          <p:val>
+                                            <p:strVal val="#ppt_x"/>
+                                          </p:val>
+                                        </p:tav>
+                                        <p:tav tm="100000">
+                                          <p:val>
+                                            <p:strVal val="#ppt_x"/>
+                                          </p:val>
+                                        </p:tav>
+                                      </p:tavLst>
+                                    </p:anim>
+                                    <p:anim calcmode="lin" valueType="num">
+                                      <p:cBhvr>
+                                        <p:cTn id="26" dur="1000" fill="hold"/>
+                                        <p:tgtEl>
+                                          <p:spTgt spid="3">
+                                            <p:txEl>
+                                              <p:pRg st="2" end="2"/>
+                                            </p:txEl>
+                                          </p:spTgt>
+                                        </p:tgtEl>
+                                        <p:attrNameLst>
+                                          <p:attrName>ppt_y</p:attrName>
+                                        </p:attrNameLst>
+                                      </p:cBhvr>
+                                      <p:tavLst>
+                                        <p:tav tm="0">
+                                          <p:val>
+                                            <p:strVal val="#ppt_y+.1"/>
+                                          </p:val>
+                                        </p:tav>
+                                        <p:tav tm="100000">
+                                          <p:val>
+                                            <p:strVal val="#ppt_y"/>
+                                          </p:val>
+                                        </p:tav>
+                                      </p:tavLst>
+                                    </p:anim>
+                                  </p:childTnLst>
+                                </p:cTn>
+                              </p:par>
+                            </p:childTnLst>
+                          </p:cTn>
+                        </p:par>
+                      </p:childTnLst>
+                    </p:cTn>
+                  </p:par>
+                </p:childTnLst>
+              </p:cTn>
+              <p:prevCondLst>
+                <p:cond evt="onPrev" delay="0">
+                  <p:tgtEl>
+                    <p:sldTgt/>
+                  </p:tgtEl>
+                </p:cond>
+              </p:prevCondLst>
+              <p:nextCondLst>
+                <p:cond evt="onNext" delay="0">
+                  <p:tgtEl>
+                    <p:sldTgt/>
+                  </p:tgtEl>
+                </p:cond>
+              </p:nextCondLst>
+            </p:seq>
+          </p:childTnLst>
+        </p:cTn>
+      </p:par>
+    </p:tnLst>
+    <p:bldLst>
+      <p:bldP spid="2" grpId="0"/>
+      <p:bldP spid="3" grpId="0" build="p"/>
+    </p:bldLst>
+  </p:timing>
 </p:sld>
 </file>
 
@@ -7520,6 +13533,8 @@
                 <a:solidFill>
                   <a:schemeClr val="tx1"/>
                 </a:solidFill>
+                <a:latin typeface="Times New Roman" panose="02020603050405020304" pitchFamily="18" charset="0"/>
+                <a:cs typeface="Times New Roman" panose="02020603050405020304" pitchFamily="18" charset="0"/>
               </a:rPr>
               <a:t>SYSTEM BLOCK DIAGRAM</a:t>
             </a:r>
@@ -7527,6 +13542,8 @@
               <a:solidFill>
                 <a:schemeClr val="tx1"/>
               </a:solidFill>
+              <a:latin typeface="Times New Roman" panose="02020603050405020304" pitchFamily="18" charset="0"/>
+              <a:cs typeface="Times New Roman" panose="02020603050405020304" pitchFamily="18" charset="0"/>
             </a:endParaRPr>
           </a:p>
         </p:txBody>
@@ -7579,9 +13596,219 @@
   <p:timing>
     <p:tnLst>
       <p:par>
-        <p:cTn id="1" dur="indefinite" restart="never" nodeType="tmRoot"/>
+        <p:cTn id="1" dur="indefinite" restart="never" nodeType="tmRoot">
+          <p:childTnLst>
+            <p:seq concurrent="1" nextAc="seek">
+              <p:cTn id="2" dur="indefinite" nodeType="mainSeq">
+                <p:childTnLst>
+                  <p:par>
+                    <p:cTn id="3" fill="hold">
+                      <p:stCondLst>
+                        <p:cond delay="indefinite"/>
+                        <p:cond evt="onBegin" delay="0">
+                          <p:tn val="2"/>
+                        </p:cond>
+                      </p:stCondLst>
+                      <p:childTnLst>
+                        <p:par>
+                          <p:cTn id="4" fill="hold">
+                            <p:stCondLst>
+                              <p:cond delay="0"/>
+                            </p:stCondLst>
+                            <p:childTnLst>
+                              <p:par>
+                                <p:cTn id="5" presetID="42" presetClass="entr" presetSubtype="0" fill="hold" grpId="0" nodeType="afterEffect">
+                                  <p:stCondLst>
+                                    <p:cond delay="0"/>
+                                  </p:stCondLst>
+                                  <p:childTnLst>
+                                    <p:set>
+                                      <p:cBhvr>
+                                        <p:cTn id="6" dur="1" fill="hold">
+                                          <p:stCondLst>
+                                            <p:cond delay="0"/>
+                                          </p:stCondLst>
+                                        </p:cTn>
+                                        <p:tgtEl>
+                                          <p:spTgt spid="2"/>
+                                        </p:tgtEl>
+                                        <p:attrNameLst>
+                                          <p:attrName>style.visibility</p:attrName>
+                                        </p:attrNameLst>
+                                      </p:cBhvr>
+                                      <p:to>
+                                        <p:strVal val="visible"/>
+                                      </p:to>
+                                    </p:set>
+                                    <p:animEffect transition="in" filter="fade">
+                                      <p:cBhvr>
+                                        <p:cTn id="7" dur="1000"/>
+                                        <p:tgtEl>
+                                          <p:spTgt spid="2"/>
+                                        </p:tgtEl>
+                                      </p:cBhvr>
+                                    </p:animEffect>
+                                    <p:anim calcmode="lin" valueType="num">
+                                      <p:cBhvr>
+                                        <p:cTn id="8" dur="1000" fill="hold"/>
+                                        <p:tgtEl>
+                                          <p:spTgt spid="2"/>
+                                        </p:tgtEl>
+                                        <p:attrNameLst>
+                                          <p:attrName>ppt_x</p:attrName>
+                                        </p:attrNameLst>
+                                      </p:cBhvr>
+                                      <p:tavLst>
+                                        <p:tav tm="0">
+                                          <p:val>
+                                            <p:strVal val="#ppt_x"/>
+                                          </p:val>
+                                        </p:tav>
+                                        <p:tav tm="100000">
+                                          <p:val>
+                                            <p:strVal val="#ppt_x"/>
+                                          </p:val>
+                                        </p:tav>
+                                      </p:tavLst>
+                                    </p:anim>
+                                    <p:anim calcmode="lin" valueType="num">
+                                      <p:cBhvr>
+                                        <p:cTn id="9" dur="1000" fill="hold"/>
+                                        <p:tgtEl>
+                                          <p:spTgt spid="2"/>
+                                        </p:tgtEl>
+                                        <p:attrNameLst>
+                                          <p:attrName>ppt_y</p:attrName>
+                                        </p:attrNameLst>
+                                      </p:cBhvr>
+                                      <p:tavLst>
+                                        <p:tav tm="0">
+                                          <p:val>
+                                            <p:strVal val="#ppt_y+.1"/>
+                                          </p:val>
+                                        </p:tav>
+                                        <p:tav tm="100000">
+                                          <p:val>
+                                            <p:strVal val="#ppt_y"/>
+                                          </p:val>
+                                        </p:tav>
+                                      </p:tavLst>
+                                    </p:anim>
+                                  </p:childTnLst>
+                                </p:cTn>
+                              </p:par>
+                            </p:childTnLst>
+                          </p:cTn>
+                        </p:par>
+                        <p:par>
+                          <p:cTn id="10" fill="hold">
+                            <p:stCondLst>
+                              <p:cond delay="1000"/>
+                            </p:stCondLst>
+                            <p:childTnLst>
+                              <p:par>
+                                <p:cTn id="11" presetID="2" presetClass="entr" presetSubtype="4" fill="hold" nodeType="afterEffect">
+                                  <p:stCondLst>
+                                    <p:cond delay="0"/>
+                                  </p:stCondLst>
+                                  <p:childTnLst>
+                                    <p:set>
+                                      <p:cBhvr>
+                                        <p:cTn id="12" dur="1" fill="hold">
+                                          <p:stCondLst>
+                                            <p:cond delay="0"/>
+                                          </p:stCondLst>
+                                        </p:cTn>
+                                        <p:tgtEl>
+                                          <p:spTgt spid="4"/>
+                                        </p:tgtEl>
+                                        <p:attrNameLst>
+                                          <p:attrName>style.visibility</p:attrName>
+                                        </p:attrNameLst>
+                                      </p:cBhvr>
+                                      <p:to>
+                                        <p:strVal val="visible"/>
+                                      </p:to>
+                                    </p:set>
+                                    <p:anim calcmode="lin" valueType="num">
+                                      <p:cBhvr additive="base">
+                                        <p:cTn id="13" dur="500" fill="hold"/>
+                                        <p:tgtEl>
+                                          <p:spTgt spid="4"/>
+                                        </p:tgtEl>
+                                        <p:attrNameLst>
+                                          <p:attrName>ppt_x</p:attrName>
+                                        </p:attrNameLst>
+                                      </p:cBhvr>
+                                      <p:tavLst>
+                                        <p:tav tm="0">
+                                          <p:val>
+                                            <p:strVal val="#ppt_x"/>
+                                          </p:val>
+                                        </p:tav>
+                                        <p:tav tm="100000">
+                                          <p:val>
+                                            <p:strVal val="#ppt_x"/>
+                                          </p:val>
+                                        </p:tav>
+                                      </p:tavLst>
+                                    </p:anim>
+                                    <p:anim calcmode="lin" valueType="num">
+                                      <p:cBhvr additive="base">
+                                        <p:cTn id="14" dur="500" fill="hold"/>
+                                        <p:tgtEl>
+                                          <p:spTgt spid="4"/>
+                                        </p:tgtEl>
+                                        <p:attrNameLst>
+                                          <p:attrName>ppt_y</p:attrName>
+                                        </p:attrNameLst>
+                                      </p:cBhvr>
+                                      <p:tavLst>
+                                        <p:tav tm="0">
+                                          <p:val>
+                                            <p:strVal val="1+#ppt_h/2"/>
+                                          </p:val>
+                                        </p:tav>
+                                        <p:tav tm="100000">
+                                          <p:val>
+                                            <p:strVal val="#ppt_y"/>
+                                          </p:val>
+                                        </p:tav>
+                                      </p:tavLst>
+                                    </p:anim>
+                                  </p:childTnLst>
+                                </p:cTn>
+                              </p:par>
+                            </p:childTnLst>
+                          </p:cTn>
+                        </p:par>
+                      </p:childTnLst>
+                    </p:cTn>
+                  </p:par>
+                </p:childTnLst>
+              </p:cTn>
+              <p:prevCondLst>
+                <p:cond evt="onPrev" delay="0">
+                  <p:tgtEl>
+                    <p:sldTgt/>
+                  </p:tgtEl>
+                </p:cond>
+              </p:prevCondLst>
+              <p:nextCondLst>
+                <p:cond evt="onNext" delay="0">
+                  <p:tgtEl>
+                    <p:sldTgt/>
+                  </p:tgtEl>
+                </p:cond>
+              </p:nextCondLst>
+            </p:seq>
+          </p:childTnLst>
+        </p:cTn>
       </p:par>
     </p:tnLst>
+    <p:bldLst>
+      <p:bldP spid="2" grpId="0"/>
+    </p:bldLst>
   </p:timing>
 </p:sld>
 </file>
@@ -7630,6 +13857,8 @@
                 <a:solidFill>
                   <a:schemeClr val="tx1"/>
                 </a:solidFill>
+                <a:latin typeface="Times New Roman" panose="02020603050405020304" pitchFamily="18" charset="0"/>
+                <a:cs typeface="Times New Roman" panose="02020603050405020304" pitchFamily="18" charset="0"/>
               </a:rPr>
               <a:t>FLOW CHART</a:t>
             </a:r>
@@ -7637,6 +13866,8 @@
               <a:solidFill>
                 <a:schemeClr val="tx1"/>
               </a:solidFill>
+              <a:latin typeface="Times New Roman" panose="02020603050405020304" pitchFamily="18" charset="0"/>
+              <a:cs typeface="Times New Roman" panose="02020603050405020304" pitchFamily="18" charset="0"/>
             </a:endParaRPr>
           </a:p>
         </p:txBody>
@@ -7690,9 +13921,219 @@
   <p:timing>
     <p:tnLst>
       <p:par>
-        <p:cTn id="1" dur="indefinite" restart="never" nodeType="tmRoot"/>
+        <p:cTn id="1" dur="indefinite" restart="never" nodeType="tmRoot">
+          <p:childTnLst>
+            <p:seq concurrent="1" nextAc="seek">
+              <p:cTn id="2" dur="indefinite" nodeType="mainSeq">
+                <p:childTnLst>
+                  <p:par>
+                    <p:cTn id="3" fill="hold">
+                      <p:stCondLst>
+                        <p:cond delay="indefinite"/>
+                        <p:cond evt="onBegin" delay="0">
+                          <p:tn val="2"/>
+                        </p:cond>
+                      </p:stCondLst>
+                      <p:childTnLst>
+                        <p:par>
+                          <p:cTn id="4" fill="hold">
+                            <p:stCondLst>
+                              <p:cond delay="0"/>
+                            </p:stCondLst>
+                            <p:childTnLst>
+                              <p:par>
+                                <p:cTn id="5" presetID="2" presetClass="entr" presetSubtype="4" fill="hold" grpId="0" nodeType="afterEffect">
+                                  <p:stCondLst>
+                                    <p:cond delay="0"/>
+                                  </p:stCondLst>
+                                  <p:childTnLst>
+                                    <p:set>
+                                      <p:cBhvr>
+                                        <p:cTn id="6" dur="1" fill="hold">
+                                          <p:stCondLst>
+                                            <p:cond delay="0"/>
+                                          </p:stCondLst>
+                                        </p:cTn>
+                                        <p:tgtEl>
+                                          <p:spTgt spid="2"/>
+                                        </p:tgtEl>
+                                        <p:attrNameLst>
+                                          <p:attrName>style.visibility</p:attrName>
+                                        </p:attrNameLst>
+                                      </p:cBhvr>
+                                      <p:to>
+                                        <p:strVal val="visible"/>
+                                      </p:to>
+                                    </p:set>
+                                    <p:anim calcmode="lin" valueType="num">
+                                      <p:cBhvr additive="base">
+                                        <p:cTn id="7" dur="500" fill="hold"/>
+                                        <p:tgtEl>
+                                          <p:spTgt spid="2"/>
+                                        </p:tgtEl>
+                                        <p:attrNameLst>
+                                          <p:attrName>ppt_x</p:attrName>
+                                        </p:attrNameLst>
+                                      </p:cBhvr>
+                                      <p:tavLst>
+                                        <p:tav tm="0">
+                                          <p:val>
+                                            <p:strVal val="#ppt_x"/>
+                                          </p:val>
+                                        </p:tav>
+                                        <p:tav tm="100000">
+                                          <p:val>
+                                            <p:strVal val="#ppt_x"/>
+                                          </p:val>
+                                        </p:tav>
+                                      </p:tavLst>
+                                    </p:anim>
+                                    <p:anim calcmode="lin" valueType="num">
+                                      <p:cBhvr additive="base">
+                                        <p:cTn id="8" dur="500" fill="hold"/>
+                                        <p:tgtEl>
+                                          <p:spTgt spid="2"/>
+                                        </p:tgtEl>
+                                        <p:attrNameLst>
+                                          <p:attrName>ppt_y</p:attrName>
+                                        </p:attrNameLst>
+                                      </p:cBhvr>
+                                      <p:tavLst>
+                                        <p:tav tm="0">
+                                          <p:val>
+                                            <p:strVal val="1+#ppt_h/2"/>
+                                          </p:val>
+                                        </p:tav>
+                                        <p:tav tm="100000">
+                                          <p:val>
+                                            <p:strVal val="#ppt_y"/>
+                                          </p:val>
+                                        </p:tav>
+                                      </p:tavLst>
+                                    </p:anim>
+                                  </p:childTnLst>
+                                </p:cTn>
+                              </p:par>
+                            </p:childTnLst>
+                          </p:cTn>
+                        </p:par>
+                        <p:par>
+                          <p:cTn id="9" fill="hold">
+                            <p:stCondLst>
+                              <p:cond delay="500"/>
+                            </p:stCondLst>
+                            <p:childTnLst>
+                              <p:par>
+                                <p:cTn id="10" presetID="42" presetClass="entr" presetSubtype="0" fill="hold" nodeType="afterEffect">
+                                  <p:stCondLst>
+                                    <p:cond delay="0"/>
+                                  </p:stCondLst>
+                                  <p:childTnLst>
+                                    <p:set>
+                                      <p:cBhvr>
+                                        <p:cTn id="11" dur="1" fill="hold">
+                                          <p:stCondLst>
+                                            <p:cond delay="0"/>
+                                          </p:stCondLst>
+                                        </p:cTn>
+                                        <p:tgtEl>
+                                          <p:spTgt spid="5"/>
+                                        </p:tgtEl>
+                                        <p:attrNameLst>
+                                          <p:attrName>style.visibility</p:attrName>
+                                        </p:attrNameLst>
+                                      </p:cBhvr>
+                                      <p:to>
+                                        <p:strVal val="visible"/>
+                                      </p:to>
+                                    </p:set>
+                                    <p:animEffect transition="in" filter="fade">
+                                      <p:cBhvr>
+                                        <p:cTn id="12" dur="1000"/>
+                                        <p:tgtEl>
+                                          <p:spTgt spid="5"/>
+                                        </p:tgtEl>
+                                      </p:cBhvr>
+                                    </p:animEffect>
+                                    <p:anim calcmode="lin" valueType="num">
+                                      <p:cBhvr>
+                                        <p:cTn id="13" dur="1000" fill="hold"/>
+                                        <p:tgtEl>
+                                          <p:spTgt spid="5"/>
+                                        </p:tgtEl>
+                                        <p:attrNameLst>
+                                          <p:attrName>ppt_x</p:attrName>
+                                        </p:attrNameLst>
+                                      </p:cBhvr>
+                                      <p:tavLst>
+                                        <p:tav tm="0">
+                                          <p:val>
+                                            <p:strVal val="#ppt_x"/>
+                                          </p:val>
+                                        </p:tav>
+                                        <p:tav tm="100000">
+                                          <p:val>
+                                            <p:strVal val="#ppt_x"/>
+                                          </p:val>
+                                        </p:tav>
+                                      </p:tavLst>
+                                    </p:anim>
+                                    <p:anim calcmode="lin" valueType="num">
+                                      <p:cBhvr>
+                                        <p:cTn id="14" dur="1000" fill="hold"/>
+                                        <p:tgtEl>
+                                          <p:spTgt spid="5"/>
+                                        </p:tgtEl>
+                                        <p:attrNameLst>
+                                          <p:attrName>ppt_y</p:attrName>
+                                        </p:attrNameLst>
+                                      </p:cBhvr>
+                                      <p:tavLst>
+                                        <p:tav tm="0">
+                                          <p:val>
+                                            <p:strVal val="#ppt_y+.1"/>
+                                          </p:val>
+                                        </p:tav>
+                                        <p:tav tm="100000">
+                                          <p:val>
+                                            <p:strVal val="#ppt_y"/>
+                                          </p:val>
+                                        </p:tav>
+                                      </p:tavLst>
+                                    </p:anim>
+                                  </p:childTnLst>
+                                </p:cTn>
+                              </p:par>
+                            </p:childTnLst>
+                          </p:cTn>
+                        </p:par>
+                      </p:childTnLst>
+                    </p:cTn>
+                  </p:par>
+                </p:childTnLst>
+              </p:cTn>
+              <p:prevCondLst>
+                <p:cond evt="onPrev" delay="0">
+                  <p:tgtEl>
+                    <p:sldTgt/>
+                  </p:tgtEl>
+                </p:cond>
+              </p:prevCondLst>
+              <p:nextCondLst>
+                <p:cond evt="onNext" delay="0">
+                  <p:tgtEl>
+                    <p:sldTgt/>
+                  </p:tgtEl>
+                </p:cond>
+              </p:nextCondLst>
+            </p:seq>
+          </p:childTnLst>
+        </p:cTn>
       </p:par>
     </p:tnLst>
+    <p:bldLst>
+      <p:bldP spid="2" grpId="0"/>
+    </p:bldLst>
   </p:timing>
 </p:sld>
 </file>

--- a/Proposal/Presentation/ProposalSlide.pptx
+++ b/Proposal/Presentation/ProposalSlide.pptx
@@ -4,6 +4,9 @@
   <p:sldMasterIdLst>
     <p:sldMasterId id="2147483733" r:id="rId1"/>
   </p:sldMasterIdLst>
+  <p:notesMasterIdLst>
+    <p:notesMasterId r:id="rId16"/>
+  </p:notesMasterIdLst>
   <p:sldIdLst>
     <p:sldId id="256" r:id="rId2"/>
     <p:sldId id="257" r:id="rId3"/>
@@ -123,6 +126,440 @@
     </p:ext>
   </p:extLst>
 </p:presentation>
+</file>
+
+<file path=ppt/notesMasters/notesMaster1.xml><?xml version="1.0" encoding="utf-8"?>
+<p:notesMaster xmlns:a="http://schemas.openxmlformats.org/drawingml/2006/main" xmlns:r="http://schemas.openxmlformats.org/officeDocument/2006/relationships" xmlns:p="http://schemas.openxmlformats.org/presentationml/2006/main">
+  <p:cSld>
+    <p:bg>
+      <p:bgRef idx="1001">
+        <a:schemeClr val="bg1"/>
+      </p:bgRef>
+    </p:bg>
+    <p:spTree>
+      <p:nvGrpSpPr>
+        <p:cNvPr id="1" name=""/>
+        <p:cNvGrpSpPr/>
+        <p:nvPr/>
+      </p:nvGrpSpPr>
+      <p:grpSpPr>
+        <a:xfrm>
+          <a:off x="0" y="0"/>
+          <a:ext cx="0" cy="0"/>
+          <a:chOff x="0" y="0"/>
+          <a:chExt cx="0" cy="0"/>
+        </a:xfrm>
+      </p:grpSpPr>
+      <p:sp>
+        <p:nvSpPr>
+          <p:cNvPr id="2" name="Header Placeholder 1"/>
+          <p:cNvSpPr>
+            <a:spLocks noGrp="1"/>
+          </p:cNvSpPr>
+          <p:nvPr>
+            <p:ph type="hdr" sz="quarter"/>
+          </p:nvPr>
+        </p:nvSpPr>
+        <p:spPr>
+          <a:xfrm>
+            <a:off x="0" y="0"/>
+            <a:ext cx="2971800" cy="458788"/>
+          </a:xfrm>
+          <a:prstGeom prst="rect">
+            <a:avLst/>
+          </a:prstGeom>
+        </p:spPr>
+        <p:txBody>
+          <a:bodyPr vert="horz" lIns="91440" tIns="45720" rIns="91440" bIns="45720" rtlCol="0"/>
+          <a:lstStyle>
+            <a:lvl1pPr algn="l">
+              <a:defRPr sz="1200"/>
+            </a:lvl1pPr>
+          </a:lstStyle>
+          <a:p>
+            <a:endParaRPr lang="en-US"/>
+          </a:p>
+        </p:txBody>
+      </p:sp>
+      <p:sp>
+        <p:nvSpPr>
+          <p:cNvPr id="3" name="Date Placeholder 2"/>
+          <p:cNvSpPr>
+            <a:spLocks noGrp="1"/>
+          </p:cNvSpPr>
+          <p:nvPr>
+            <p:ph type="dt" idx="1"/>
+          </p:nvPr>
+        </p:nvSpPr>
+        <p:spPr>
+          <a:xfrm>
+            <a:off x="3884613" y="0"/>
+            <a:ext cx="2971800" cy="458788"/>
+          </a:xfrm>
+          <a:prstGeom prst="rect">
+            <a:avLst/>
+          </a:prstGeom>
+        </p:spPr>
+        <p:txBody>
+          <a:bodyPr vert="horz" lIns="91440" tIns="45720" rIns="91440" bIns="45720" rtlCol="0"/>
+          <a:lstStyle>
+            <a:lvl1pPr algn="r">
+              <a:defRPr sz="1200"/>
+            </a:lvl1pPr>
+          </a:lstStyle>
+          <a:p>
+            <a:fld id="{CC53B14D-18C0-438A-9E7D-B8292C4C7CAC}" type="datetimeFigureOut">
+              <a:rPr lang="en-US" smtClean="0"/>
+              <a:t>11/21/2019</a:t>
+            </a:fld>
+            <a:endParaRPr lang="en-US"/>
+          </a:p>
+        </p:txBody>
+      </p:sp>
+      <p:sp>
+        <p:nvSpPr>
+          <p:cNvPr id="4" name="Slide Image Placeholder 3"/>
+          <p:cNvSpPr>
+            <a:spLocks noGrp="1" noRot="1" noChangeAspect="1"/>
+          </p:cNvSpPr>
+          <p:nvPr>
+            <p:ph type="sldImg" idx="2"/>
+          </p:nvPr>
+        </p:nvSpPr>
+        <p:spPr>
+          <a:xfrm>
+            <a:off x="685800" y="1143000"/>
+            <a:ext cx="5486400" cy="3086100"/>
+          </a:xfrm>
+          <a:prstGeom prst="rect">
+            <a:avLst/>
+          </a:prstGeom>
+          <a:noFill/>
+          <a:ln w="12700">
+            <a:solidFill>
+              <a:prstClr val="black"/>
+            </a:solidFill>
+          </a:ln>
+        </p:spPr>
+        <p:txBody>
+          <a:bodyPr vert="horz" lIns="91440" tIns="45720" rIns="91440" bIns="45720" rtlCol="0" anchor="ctr"/>
+          <a:lstStyle/>
+          <a:p>
+            <a:endParaRPr lang="en-US"/>
+          </a:p>
+        </p:txBody>
+      </p:sp>
+      <p:sp>
+        <p:nvSpPr>
+          <p:cNvPr id="5" name="Notes Placeholder 4"/>
+          <p:cNvSpPr>
+            <a:spLocks noGrp="1"/>
+          </p:cNvSpPr>
+          <p:nvPr>
+            <p:ph type="body" sz="quarter" idx="3"/>
+          </p:nvPr>
+        </p:nvSpPr>
+        <p:spPr>
+          <a:xfrm>
+            <a:off x="685800" y="4400550"/>
+            <a:ext cx="5486400" cy="3600450"/>
+          </a:xfrm>
+          <a:prstGeom prst="rect">
+            <a:avLst/>
+          </a:prstGeom>
+        </p:spPr>
+        <p:txBody>
+          <a:bodyPr vert="horz" lIns="91440" tIns="45720" rIns="91440" bIns="45720" rtlCol="0"/>
+          <a:lstStyle/>
+          <a:p>
+            <a:pPr lvl="0"/>
+            <a:r>
+              <a:rPr lang="en-US" smtClean="0"/>
+              <a:t>Click to edit Master text styles</a:t>
+            </a:r>
+          </a:p>
+          <a:p>
+            <a:pPr lvl="1"/>
+            <a:r>
+              <a:rPr lang="en-US" smtClean="0"/>
+              <a:t>Second level</a:t>
+            </a:r>
+          </a:p>
+          <a:p>
+            <a:pPr lvl="2"/>
+            <a:r>
+              <a:rPr lang="en-US" smtClean="0"/>
+              <a:t>Third level</a:t>
+            </a:r>
+          </a:p>
+          <a:p>
+            <a:pPr lvl="3"/>
+            <a:r>
+              <a:rPr lang="en-US" smtClean="0"/>
+              <a:t>Fourth level</a:t>
+            </a:r>
+          </a:p>
+          <a:p>
+            <a:pPr lvl="4"/>
+            <a:r>
+              <a:rPr lang="en-US" smtClean="0"/>
+              <a:t>Fifth level</a:t>
+            </a:r>
+            <a:endParaRPr lang="en-US"/>
+          </a:p>
+        </p:txBody>
+      </p:sp>
+      <p:sp>
+        <p:nvSpPr>
+          <p:cNvPr id="6" name="Footer Placeholder 5"/>
+          <p:cNvSpPr>
+            <a:spLocks noGrp="1"/>
+          </p:cNvSpPr>
+          <p:nvPr>
+            <p:ph type="ftr" sz="quarter" idx="4"/>
+          </p:nvPr>
+        </p:nvSpPr>
+        <p:spPr>
+          <a:xfrm>
+            <a:off x="0" y="8685213"/>
+            <a:ext cx="2971800" cy="458787"/>
+          </a:xfrm>
+          <a:prstGeom prst="rect">
+            <a:avLst/>
+          </a:prstGeom>
+        </p:spPr>
+        <p:txBody>
+          <a:bodyPr vert="horz" lIns="91440" tIns="45720" rIns="91440" bIns="45720" rtlCol="0" anchor="b"/>
+          <a:lstStyle>
+            <a:lvl1pPr algn="l">
+              <a:defRPr sz="1200"/>
+            </a:lvl1pPr>
+          </a:lstStyle>
+          <a:p>
+            <a:endParaRPr lang="en-US"/>
+          </a:p>
+        </p:txBody>
+      </p:sp>
+      <p:sp>
+        <p:nvSpPr>
+          <p:cNvPr id="7" name="Slide Number Placeholder 6"/>
+          <p:cNvSpPr>
+            <a:spLocks noGrp="1"/>
+          </p:cNvSpPr>
+          <p:nvPr>
+            <p:ph type="sldNum" sz="quarter" idx="5"/>
+          </p:nvPr>
+        </p:nvSpPr>
+        <p:spPr>
+          <a:xfrm>
+            <a:off x="3884613" y="8685213"/>
+            <a:ext cx="2971800" cy="458787"/>
+          </a:xfrm>
+          <a:prstGeom prst="rect">
+            <a:avLst/>
+          </a:prstGeom>
+        </p:spPr>
+        <p:txBody>
+          <a:bodyPr vert="horz" lIns="91440" tIns="45720" rIns="91440" bIns="45720" rtlCol="0" anchor="b"/>
+          <a:lstStyle>
+            <a:lvl1pPr algn="r">
+              <a:defRPr sz="1200"/>
+            </a:lvl1pPr>
+          </a:lstStyle>
+          <a:p>
+            <a:fld id="{C4ECBCAE-B38C-44B7-ACF3-7986D4D9A4B3}" type="slidenum">
+              <a:rPr lang="en-US" smtClean="0"/>
+              <a:t>‹#›</a:t>
+            </a:fld>
+            <a:endParaRPr lang="en-US"/>
+          </a:p>
+        </p:txBody>
+      </p:sp>
+    </p:spTree>
+    <p:extLst>
+      <p:ext uri="{BB962C8B-B14F-4D97-AF65-F5344CB8AC3E}">
+        <p14:creationId xmlns:p14="http://schemas.microsoft.com/office/powerpoint/2010/main" val="3635051641"/>
+      </p:ext>
+    </p:extLst>
+  </p:cSld>
+  <p:clrMap bg1="lt1" tx1="dk1" bg2="lt2" tx2="dk2" accent1="accent1" accent2="accent2" accent3="accent3" accent4="accent4" accent5="accent5" accent6="accent6" hlink="hlink" folHlink="folHlink"/>
+  <p:notesStyle>
+    <a:lvl1pPr marL="0" algn="l" defTabSz="914400" rtl="0" eaLnBrk="1" latinLnBrk="0" hangingPunct="1">
+      <a:defRPr sz="1200" kern="1200">
+        <a:solidFill>
+          <a:schemeClr val="tx1"/>
+        </a:solidFill>
+        <a:latin typeface="+mn-lt"/>
+        <a:ea typeface="+mn-ea"/>
+        <a:cs typeface="+mn-cs"/>
+      </a:defRPr>
+    </a:lvl1pPr>
+    <a:lvl2pPr marL="457200" algn="l" defTabSz="914400" rtl="0" eaLnBrk="1" latinLnBrk="0" hangingPunct="1">
+      <a:defRPr sz="1200" kern="1200">
+        <a:solidFill>
+          <a:schemeClr val="tx1"/>
+        </a:solidFill>
+        <a:latin typeface="+mn-lt"/>
+        <a:ea typeface="+mn-ea"/>
+        <a:cs typeface="+mn-cs"/>
+      </a:defRPr>
+    </a:lvl2pPr>
+    <a:lvl3pPr marL="914400" algn="l" defTabSz="914400" rtl="0" eaLnBrk="1" latinLnBrk="0" hangingPunct="1">
+      <a:defRPr sz="1200" kern="1200">
+        <a:solidFill>
+          <a:schemeClr val="tx1"/>
+        </a:solidFill>
+        <a:latin typeface="+mn-lt"/>
+        <a:ea typeface="+mn-ea"/>
+        <a:cs typeface="+mn-cs"/>
+      </a:defRPr>
+    </a:lvl3pPr>
+    <a:lvl4pPr marL="1371600" algn="l" defTabSz="914400" rtl="0" eaLnBrk="1" latinLnBrk="0" hangingPunct="1">
+      <a:defRPr sz="1200" kern="1200">
+        <a:solidFill>
+          <a:schemeClr val="tx1"/>
+        </a:solidFill>
+        <a:latin typeface="+mn-lt"/>
+        <a:ea typeface="+mn-ea"/>
+        <a:cs typeface="+mn-cs"/>
+      </a:defRPr>
+    </a:lvl4pPr>
+    <a:lvl5pPr marL="1828800" algn="l" defTabSz="914400" rtl="0" eaLnBrk="1" latinLnBrk="0" hangingPunct="1">
+      <a:defRPr sz="1200" kern="1200">
+        <a:solidFill>
+          <a:schemeClr val="tx1"/>
+        </a:solidFill>
+        <a:latin typeface="+mn-lt"/>
+        <a:ea typeface="+mn-ea"/>
+        <a:cs typeface="+mn-cs"/>
+      </a:defRPr>
+    </a:lvl5pPr>
+    <a:lvl6pPr marL="2286000" algn="l" defTabSz="914400" rtl="0" eaLnBrk="1" latinLnBrk="0" hangingPunct="1">
+      <a:defRPr sz="1200" kern="1200">
+        <a:solidFill>
+          <a:schemeClr val="tx1"/>
+        </a:solidFill>
+        <a:latin typeface="+mn-lt"/>
+        <a:ea typeface="+mn-ea"/>
+        <a:cs typeface="+mn-cs"/>
+      </a:defRPr>
+    </a:lvl6pPr>
+    <a:lvl7pPr marL="2743200" algn="l" defTabSz="914400" rtl="0" eaLnBrk="1" latinLnBrk="0" hangingPunct="1">
+      <a:defRPr sz="1200" kern="1200">
+        <a:solidFill>
+          <a:schemeClr val="tx1"/>
+        </a:solidFill>
+        <a:latin typeface="+mn-lt"/>
+        <a:ea typeface="+mn-ea"/>
+        <a:cs typeface="+mn-cs"/>
+      </a:defRPr>
+    </a:lvl7pPr>
+    <a:lvl8pPr marL="3200400" algn="l" defTabSz="914400" rtl="0" eaLnBrk="1" latinLnBrk="0" hangingPunct="1">
+      <a:defRPr sz="1200" kern="1200">
+        <a:solidFill>
+          <a:schemeClr val="tx1"/>
+        </a:solidFill>
+        <a:latin typeface="+mn-lt"/>
+        <a:ea typeface="+mn-ea"/>
+        <a:cs typeface="+mn-cs"/>
+      </a:defRPr>
+    </a:lvl8pPr>
+    <a:lvl9pPr marL="3657600" algn="l" defTabSz="914400" rtl="0" eaLnBrk="1" latinLnBrk="0" hangingPunct="1">
+      <a:defRPr sz="1200" kern="1200">
+        <a:solidFill>
+          <a:schemeClr val="tx1"/>
+        </a:solidFill>
+        <a:latin typeface="+mn-lt"/>
+        <a:ea typeface="+mn-ea"/>
+        <a:cs typeface="+mn-cs"/>
+      </a:defRPr>
+    </a:lvl9pPr>
+  </p:notesStyle>
+</p:notesMaster>
+</file>
+
+<file path=ppt/notesSlides/notesSlide1.xml><?xml version="1.0" encoding="utf-8"?>
+<p:notes xmlns:a="http://schemas.openxmlformats.org/drawingml/2006/main" xmlns:r="http://schemas.openxmlformats.org/officeDocument/2006/relationships" xmlns:p="http://schemas.openxmlformats.org/presentationml/2006/main">
+  <p:cSld>
+    <p:spTree>
+      <p:nvGrpSpPr>
+        <p:cNvPr id="1" name=""/>
+        <p:cNvGrpSpPr/>
+        <p:nvPr/>
+      </p:nvGrpSpPr>
+      <p:grpSpPr>
+        <a:xfrm>
+          <a:off x="0" y="0"/>
+          <a:ext cx="0" cy="0"/>
+          <a:chOff x="0" y="0"/>
+          <a:chExt cx="0" cy="0"/>
+        </a:xfrm>
+      </p:grpSpPr>
+      <p:sp>
+        <p:nvSpPr>
+          <p:cNvPr id="2" name="Slide Image Placeholder 1"/>
+          <p:cNvSpPr>
+            <a:spLocks noGrp="1" noRot="1" noChangeAspect="1"/>
+          </p:cNvSpPr>
+          <p:nvPr>
+            <p:ph type="sldImg"/>
+          </p:nvPr>
+        </p:nvSpPr>
+        <p:spPr/>
+      </p:sp>
+      <p:sp>
+        <p:nvSpPr>
+          <p:cNvPr id="3" name="Notes Placeholder 2"/>
+          <p:cNvSpPr>
+            <a:spLocks noGrp="1"/>
+          </p:cNvSpPr>
+          <p:nvPr>
+            <p:ph type="body" idx="1"/>
+          </p:nvPr>
+        </p:nvSpPr>
+        <p:spPr/>
+        <p:txBody>
+          <a:bodyPr/>
+          <a:lstStyle/>
+          <a:p>
+            <a:endParaRPr lang="en-US"/>
+          </a:p>
+        </p:txBody>
+      </p:sp>
+      <p:sp>
+        <p:nvSpPr>
+          <p:cNvPr id="4" name="Slide Number Placeholder 3"/>
+          <p:cNvSpPr>
+            <a:spLocks noGrp="1"/>
+          </p:cNvSpPr>
+          <p:nvPr>
+            <p:ph type="sldNum" sz="quarter" idx="10"/>
+          </p:nvPr>
+        </p:nvSpPr>
+        <p:spPr/>
+        <p:txBody>
+          <a:bodyPr/>
+          <a:lstStyle/>
+          <a:p>
+            <a:fld id="{C4ECBCAE-B38C-44B7-ACF3-7986D4D9A4B3}" type="slidenum">
+              <a:rPr lang="en-US" smtClean="0"/>
+              <a:t>1</a:t>
+            </a:fld>
+            <a:endParaRPr lang="en-US"/>
+          </a:p>
+        </p:txBody>
+      </p:sp>
+    </p:spTree>
+    <p:extLst>
+      <p:ext uri="{BB962C8B-B14F-4D97-AF65-F5344CB8AC3E}">
+        <p14:creationId xmlns:p14="http://schemas.microsoft.com/office/powerpoint/2010/main" val="4144247789"/>
+      </p:ext>
+    </p:extLst>
+  </p:cSld>
+  <p:clrMapOvr>
+    <a:masterClrMapping/>
+  </p:clrMapOvr>
+</p:notes>
 </file>
 
 <file path=ppt/slideLayouts/slideLayout1.xml><?xml version="1.0" encoding="utf-8"?>
@@ -868,11 +1305,10 @@
           <a:bodyPr/>
           <a:lstStyle/>
           <a:p>
-            <a:fld id="{B61BEF0D-F0BB-DE4B-95CE-6DB70DBA9567}" type="datetimeFigureOut">
+            <a:r>
               <a:rPr lang="en-US" smtClean="0"/>
-              <a:pPr/>
-              <a:t>11/21/2019</a:t>
-            </a:fld>
+              <a:t>11/22/2019</a:t>
+            </a:r>
             <a:endParaRPr lang="en-US" dirty="0"/>
           </a:p>
         </p:txBody>
@@ -1121,11 +1557,10 @@
           <a:bodyPr/>
           <a:lstStyle/>
           <a:p>
-            <a:fld id="{B61BEF0D-F0BB-DE4B-95CE-6DB70DBA9567}" type="datetimeFigureOut">
+            <a:r>
               <a:rPr lang="en-US" smtClean="0"/>
-              <a:pPr/>
-              <a:t>11/21/2019</a:t>
-            </a:fld>
+              <a:t>11/22/2019</a:t>
+            </a:r>
             <a:endParaRPr lang="en-US" dirty="0"/>
           </a:p>
         </p:txBody>
@@ -1437,11 +1872,10 @@
           <a:bodyPr/>
           <a:lstStyle/>
           <a:p>
-            <a:fld id="{B61BEF0D-F0BB-DE4B-95CE-6DB70DBA9567}" type="datetimeFigureOut">
+            <a:r>
               <a:rPr lang="en-US" smtClean="0"/>
-              <a:pPr/>
-              <a:t>11/21/2019</a:t>
-            </a:fld>
+              <a:t>11/22/2019</a:t>
+            </a:r>
             <a:endParaRPr lang="en-US" dirty="0"/>
           </a:p>
         </p:txBody>
@@ -1772,11 +2206,10 @@
           <a:bodyPr/>
           <a:lstStyle/>
           <a:p>
-            <a:fld id="{B61BEF0D-F0BB-DE4B-95CE-6DB70DBA9567}" type="datetimeFigureOut">
+            <a:r>
               <a:rPr lang="en-US" smtClean="0"/>
-              <a:pPr/>
-              <a:t>11/21/2019</a:t>
-            </a:fld>
+              <a:t>11/22/2019</a:t>
+            </a:r>
             <a:endParaRPr lang="en-US" dirty="0"/>
           </a:p>
         </p:txBody>
@@ -2088,11 +2521,10 @@
           <a:bodyPr/>
           <a:lstStyle/>
           <a:p>
-            <a:fld id="{B61BEF0D-F0BB-DE4B-95CE-6DB70DBA9567}" type="datetimeFigureOut">
+            <a:r>
               <a:rPr lang="en-US" smtClean="0"/>
-              <a:pPr/>
-              <a:t>11/21/2019</a:t>
-            </a:fld>
+              <a:t>11/22/2019</a:t>
+            </a:r>
             <a:endParaRPr lang="en-US" dirty="0"/>
           </a:p>
         </p:txBody>
@@ -2483,11 +2915,10 @@
           <a:bodyPr/>
           <a:lstStyle/>
           <a:p>
-            <a:fld id="{B61BEF0D-F0BB-DE4B-95CE-6DB70DBA9567}" type="datetimeFigureOut">
+            <a:r>
               <a:rPr lang="en-US" smtClean="0"/>
-              <a:pPr/>
-              <a:t>11/21/2019</a:t>
-            </a:fld>
+              <a:t>11/22/2019</a:t>
+            </a:r>
             <a:endParaRPr lang="en-US" dirty="0"/>
           </a:p>
         </p:txBody>
@@ -2655,11 +3086,10 @@
           <a:bodyPr/>
           <a:lstStyle/>
           <a:p>
-            <a:fld id="{B61BEF0D-F0BB-DE4B-95CE-6DB70DBA9567}" type="datetimeFigureOut">
+            <a:r>
               <a:rPr lang="en-US" smtClean="0"/>
-              <a:pPr/>
-              <a:t>11/21/2019</a:t>
-            </a:fld>
+              <a:t>11/22/2019</a:t>
+            </a:r>
             <a:endParaRPr lang="en-US" dirty="0"/>
           </a:p>
         </p:txBody>
@@ -2837,11 +3267,10 @@
           <a:bodyPr/>
           <a:lstStyle/>
           <a:p>
-            <a:fld id="{B61BEF0D-F0BB-DE4B-95CE-6DB70DBA9567}" type="datetimeFigureOut">
+            <a:r>
               <a:rPr lang="en-US" smtClean="0"/>
-              <a:pPr/>
-              <a:t>11/21/2019</a:t>
-            </a:fld>
+              <a:t>11/22/2019</a:t>
+            </a:r>
             <a:endParaRPr lang="en-US" dirty="0"/>
           </a:p>
         </p:txBody>
@@ -3009,10 +3438,10 @@
           <a:bodyPr/>
           <a:lstStyle/>
           <a:p>
-            <a:fld id="{52647F38-B617-4D2F-AE0A-013F0C4D2C57}" type="datetimeFigureOut">
+            <a:r>
               <a:rPr lang="en-US" smtClean="0"/>
-              <a:t>11/21/2019</a:t>
-            </a:fld>
+              <a:t>11/22/2019</a:t>
+            </a:r>
             <a:endParaRPr lang="en-US" dirty="0"/>
           </a:p>
         </p:txBody>
@@ -3256,11 +3685,10 @@
           <a:bodyPr/>
           <a:lstStyle/>
           <a:p>
-            <a:fld id="{B61BEF0D-F0BB-DE4B-95CE-6DB70DBA9567}" type="datetimeFigureOut">
+            <a:r>
               <a:rPr lang="en-US" smtClean="0"/>
-              <a:pPr/>
-              <a:t>11/21/2019</a:t>
-            </a:fld>
+              <a:t>11/22/2019</a:t>
+            </a:r>
             <a:endParaRPr lang="en-US" dirty="0"/>
           </a:p>
         </p:txBody>
@@ -3490,10 +3918,10 @@
           <a:bodyPr/>
           <a:lstStyle/>
           <a:p>
-            <a:fld id="{05BFA754-D5C3-4E66-96A6-867B257F58DC}" type="datetimeFigureOut">
+            <a:r>
               <a:rPr lang="en-US" smtClean="0"/>
-              <a:t>11/21/2019</a:t>
-            </a:fld>
+              <a:t>11/22/2019</a:t>
+            </a:r>
             <a:endParaRPr lang="en-US" dirty="0"/>
           </a:p>
         </p:txBody>
@@ -3864,11 +4292,10 @@
           <a:bodyPr/>
           <a:lstStyle/>
           <a:p>
-            <a:fld id="{B61BEF0D-F0BB-DE4B-95CE-6DB70DBA9567}" type="datetimeFigureOut">
+            <a:r>
               <a:rPr lang="en-US" smtClean="0"/>
-              <a:pPr/>
-              <a:t>11/21/2019</a:t>
-            </a:fld>
+              <a:t>11/22/2019</a:t>
+            </a:r>
             <a:endParaRPr lang="en-US" dirty="0"/>
           </a:p>
         </p:txBody>
@@ -3989,11 +4416,10 @@
           <a:bodyPr/>
           <a:lstStyle/>
           <a:p>
-            <a:fld id="{B61BEF0D-F0BB-DE4B-95CE-6DB70DBA9567}" type="datetimeFigureOut">
+            <a:r>
               <a:rPr lang="en-US" smtClean="0"/>
-              <a:pPr/>
-              <a:t>11/21/2019</a:t>
-            </a:fld>
+              <a:t>11/22/2019</a:t>
+            </a:r>
             <a:endParaRPr lang="en-US" dirty="0"/>
           </a:p>
         </p:txBody>
@@ -4086,11 +4512,10 @@
           <a:bodyPr/>
           <a:lstStyle/>
           <a:p>
-            <a:fld id="{B61BEF0D-F0BB-DE4B-95CE-6DB70DBA9567}" type="datetimeFigureOut">
+            <a:r>
               <a:rPr lang="en-US" smtClean="0"/>
-              <a:pPr/>
-              <a:t>11/21/2019</a:t>
-            </a:fld>
+              <a:t>11/22/2019</a:t>
+            </a:r>
             <a:endParaRPr lang="en-US" dirty="0"/>
           </a:p>
         </p:txBody>
@@ -4343,11 +4768,10 @@
           <a:bodyPr/>
           <a:lstStyle/>
           <a:p>
-            <a:fld id="{B61BEF0D-F0BB-DE4B-95CE-6DB70DBA9567}" type="datetimeFigureOut">
+            <a:r>
               <a:rPr lang="en-US" smtClean="0"/>
-              <a:pPr/>
-              <a:t>11/21/2019</a:t>
-            </a:fld>
+              <a:t>11/22/2019</a:t>
+            </a:r>
             <a:endParaRPr lang="en-US" dirty="0"/>
           </a:p>
         </p:txBody>
@@ -4651,11 +5075,10 @@
           <a:bodyPr/>
           <a:lstStyle/>
           <a:p>
-            <a:fld id="{B61BEF0D-F0BB-DE4B-95CE-6DB70DBA9567}" type="datetimeFigureOut">
+            <a:r>
               <a:rPr lang="en-US" smtClean="0"/>
-              <a:pPr/>
-              <a:t>11/21/2019</a:t>
-            </a:fld>
+              <a:t>11/22/2019</a:t>
+            </a:r>
             <a:endParaRPr lang="en-US" dirty="0"/>
           </a:p>
         </p:txBody>
@@ -5354,11 +5777,10 @@
             </a:lvl1pPr>
           </a:lstStyle>
           <a:p>
-            <a:fld id="{B61BEF0D-F0BB-DE4B-95CE-6DB70DBA9567}" type="datetimeFigureOut">
+            <a:r>
               <a:rPr lang="en-US" smtClean="0"/>
-              <a:pPr/>
-              <a:t>11/21/2019</a:t>
-            </a:fld>
+              <a:t>11/22/2019</a:t>
+            </a:r>
             <a:endParaRPr lang="en-US" dirty="0"/>
           </a:p>
         </p:txBody>
@@ -5466,6 +5888,7 @@
     <p:sldLayoutId id="2147483748" r:id="rId15"/>
     <p:sldLayoutId id="2147483749" r:id="rId16"/>
   </p:sldLayoutIdLst>
+  <p:hf hdr="0" ftr="0"/>
   <p:txStyles>
     <p:titleStyle>
       <a:lvl1pPr algn="l" defTabSz="457200" rtl="0" eaLnBrk="1" latinLnBrk="0" hangingPunct="1">
@@ -6424,7 +6847,7 @@
           <p:nvPr/>
         </p:nvPicPr>
         <p:blipFill>
-          <a:blip r:embed="rId2"/>
+          <a:blip r:embed="rId3"/>
           <a:stretch>
             <a:fillRect/>
           </a:stretch>
@@ -6439,6 +6862,53 @@
           </a:prstGeom>
         </p:spPr>
       </p:pic>
+      <p:sp>
+        <p:nvSpPr>
+          <p:cNvPr id="3" name="Date Placeholder 2"/>
+          <p:cNvSpPr>
+            <a:spLocks noGrp="1"/>
+          </p:cNvSpPr>
+          <p:nvPr>
+            <p:ph type="dt" sz="half" idx="10"/>
+          </p:nvPr>
+        </p:nvSpPr>
+        <p:spPr/>
+        <p:txBody>
+          <a:bodyPr/>
+          <a:lstStyle/>
+          <a:p>
+            <a:r>
+              <a:rPr lang="en-US" smtClean="0"/>
+              <a:t>11/22/2019</a:t>
+            </a:r>
+            <a:endParaRPr lang="en-US" dirty="0"/>
+          </a:p>
+        </p:txBody>
+      </p:sp>
+      <p:sp>
+        <p:nvSpPr>
+          <p:cNvPr id="6" name="Slide Number Placeholder 5"/>
+          <p:cNvSpPr>
+            <a:spLocks noGrp="1"/>
+          </p:cNvSpPr>
+          <p:nvPr>
+            <p:ph type="sldNum" sz="quarter" idx="12"/>
+          </p:nvPr>
+        </p:nvSpPr>
+        <p:spPr/>
+        <p:txBody>
+          <a:bodyPr/>
+          <a:lstStyle/>
+          <a:p>
+            <a:fld id="{D57F1E4F-1CFF-5643-939E-217C01CDF565}" type="slidenum">
+              <a:rPr lang="en-US" smtClean="0"/>
+              <a:pPr/>
+              <a:t>1</a:t>
+            </a:fld>
+            <a:endParaRPr lang="en-US" dirty="0"/>
+          </a:p>
+        </p:txBody>
+      </p:sp>
     </p:spTree>
     <p:extLst>
       <p:ext uri="{BB962C8B-B14F-4D97-AF65-F5344CB8AC3E}">
@@ -6827,6 +7297,52 @@
           </a:ln>
         </p:spPr>
       </p:pic>
+      <p:sp>
+        <p:nvSpPr>
+          <p:cNvPr id="3" name="Date Placeholder 2"/>
+          <p:cNvSpPr>
+            <a:spLocks noGrp="1"/>
+          </p:cNvSpPr>
+          <p:nvPr>
+            <p:ph type="dt" sz="half" idx="10"/>
+          </p:nvPr>
+        </p:nvSpPr>
+        <p:spPr/>
+        <p:txBody>
+          <a:bodyPr/>
+          <a:lstStyle/>
+          <a:p>
+            <a:r>
+              <a:rPr lang="en-US" smtClean="0"/>
+              <a:t>11/22/2019</a:t>
+            </a:r>
+            <a:endParaRPr lang="en-US" dirty="0"/>
+          </a:p>
+        </p:txBody>
+      </p:sp>
+      <p:sp>
+        <p:nvSpPr>
+          <p:cNvPr id="5" name="Slide Number Placeholder 4"/>
+          <p:cNvSpPr>
+            <a:spLocks noGrp="1"/>
+          </p:cNvSpPr>
+          <p:nvPr>
+            <p:ph type="sldNum" sz="quarter" idx="12"/>
+          </p:nvPr>
+        </p:nvSpPr>
+        <p:spPr/>
+        <p:txBody>
+          <a:bodyPr/>
+          <a:lstStyle/>
+          <a:p>
+            <a:fld id="{E97799C9-84D9-46D2-A11E-BCF8A720529D}" type="slidenum">
+              <a:rPr lang="en-US" smtClean="0"/>
+              <a:t>10</a:t>
+            </a:fld>
+            <a:endParaRPr lang="en-US" dirty="0"/>
+          </a:p>
+        </p:txBody>
+      </p:sp>
     </p:spTree>
     <p:extLst>
       <p:ext uri="{BB962C8B-B14F-4D97-AF65-F5344CB8AC3E}">
@@ -7129,11 +7645,11 @@
               <a:t>: HTML, CSS, </a:t>
             </a:r>
             <a:r>
-              <a:rPr lang="en-US" sz="2400" dirty="0" err="1" smtClean="0">
+              <a:rPr lang="en-US" sz="2400" dirty="0" smtClean="0">
                 <a:latin typeface="Times New Roman" panose="02020603050405020304" pitchFamily="18" charset="0"/>
                 <a:cs typeface="Times New Roman" panose="02020603050405020304" pitchFamily="18" charset="0"/>
               </a:rPr>
-              <a:t>Javascript</a:t>
+              <a:t>JavaScript</a:t>
             </a:r>
             <a:endParaRPr lang="en-US" sz="2400" dirty="0" smtClean="0">
               <a:latin typeface="Times New Roman" panose="02020603050405020304" pitchFamily="18" charset="0"/>
@@ -7213,6 +7729,52 @@
               <a:latin typeface="Times New Roman" panose="02020603050405020304" pitchFamily="18" charset="0"/>
               <a:cs typeface="Times New Roman" panose="02020603050405020304" pitchFamily="18" charset="0"/>
             </a:endParaRPr>
+          </a:p>
+        </p:txBody>
+      </p:sp>
+      <p:sp>
+        <p:nvSpPr>
+          <p:cNvPr id="4" name="Date Placeholder 3"/>
+          <p:cNvSpPr>
+            <a:spLocks noGrp="1"/>
+          </p:cNvSpPr>
+          <p:nvPr>
+            <p:ph type="dt" sz="half" idx="10"/>
+          </p:nvPr>
+        </p:nvSpPr>
+        <p:spPr/>
+        <p:txBody>
+          <a:bodyPr/>
+          <a:lstStyle/>
+          <a:p>
+            <a:r>
+              <a:rPr lang="en-US" smtClean="0"/>
+              <a:t>11/22/2019</a:t>
+            </a:r>
+            <a:endParaRPr lang="en-US" dirty="0"/>
+          </a:p>
+        </p:txBody>
+      </p:sp>
+      <p:sp>
+        <p:nvSpPr>
+          <p:cNvPr id="5" name="Slide Number Placeholder 4"/>
+          <p:cNvSpPr>
+            <a:spLocks noGrp="1"/>
+          </p:cNvSpPr>
+          <p:nvPr>
+            <p:ph type="sldNum" sz="quarter" idx="12"/>
+          </p:nvPr>
+        </p:nvSpPr>
+        <p:spPr/>
+        <p:txBody>
+          <a:bodyPr/>
+          <a:lstStyle/>
+          <a:p>
+            <a:fld id="{E97799C9-84D9-46D2-A11E-BCF8A720529D}" type="slidenum">
+              <a:rPr lang="en-US" smtClean="0"/>
+              <a:t>11</a:t>
+            </a:fld>
+            <a:endParaRPr lang="en-US" dirty="0"/>
           </a:p>
         </p:txBody>
       </p:sp>
@@ -7823,18 +8385,18 @@
           <a:lstStyle/>
           <a:p>
             <a:r>
-              <a:rPr lang="en-US" sz="2400" dirty="0" err="1" smtClean="0">
-                <a:latin typeface="Times New Roman" panose="02020603050405020304" pitchFamily="18" charset="0"/>
-                <a:cs typeface="Times New Roman" panose="02020603050405020304" pitchFamily="18" charset="0"/>
-              </a:rPr>
-              <a:t>Userfriendly</a:t>
-            </a:r>
-            <a:r>
               <a:rPr lang="en-US" sz="2400" dirty="0" smtClean="0">
                 <a:latin typeface="Times New Roman" panose="02020603050405020304" pitchFamily="18" charset="0"/>
                 <a:cs typeface="Times New Roman" panose="02020603050405020304" pitchFamily="18" charset="0"/>
               </a:rPr>
-              <a:t> site.</a:t>
+              <a:t>User friendly </a:t>
+            </a:r>
+            <a:r>
+              <a:rPr lang="en-US" sz="2400" dirty="0" smtClean="0">
+                <a:latin typeface="Times New Roman" panose="02020603050405020304" pitchFamily="18" charset="0"/>
+                <a:cs typeface="Times New Roman" panose="02020603050405020304" pitchFamily="18" charset="0"/>
+              </a:rPr>
+              <a:t>site.</a:t>
             </a:r>
           </a:p>
           <a:p>
@@ -7888,6 +8450,52 @@
               </a:rPr>
               <a:t>Review user’s feedback.</a:t>
             </a:r>
+          </a:p>
+        </p:txBody>
+      </p:sp>
+      <p:sp>
+        <p:nvSpPr>
+          <p:cNvPr id="4" name="Date Placeholder 3"/>
+          <p:cNvSpPr>
+            <a:spLocks noGrp="1"/>
+          </p:cNvSpPr>
+          <p:nvPr>
+            <p:ph type="dt" sz="half" idx="10"/>
+          </p:nvPr>
+        </p:nvSpPr>
+        <p:spPr/>
+        <p:txBody>
+          <a:bodyPr/>
+          <a:lstStyle/>
+          <a:p>
+            <a:r>
+              <a:rPr lang="en-US" smtClean="0"/>
+              <a:t>11/22/2019</a:t>
+            </a:r>
+            <a:endParaRPr lang="en-US" dirty="0"/>
+          </a:p>
+        </p:txBody>
+      </p:sp>
+      <p:sp>
+        <p:nvSpPr>
+          <p:cNvPr id="5" name="Slide Number Placeholder 4"/>
+          <p:cNvSpPr>
+            <a:spLocks noGrp="1"/>
+          </p:cNvSpPr>
+          <p:nvPr>
+            <p:ph type="sldNum" sz="quarter" idx="12"/>
+          </p:nvPr>
+        </p:nvSpPr>
+        <p:spPr/>
+        <p:txBody>
+          <a:bodyPr/>
+          <a:lstStyle/>
+          <a:p>
+            <a:fld id="{E97799C9-84D9-46D2-A11E-BCF8A720529D}" type="slidenum">
+              <a:rPr lang="en-US" smtClean="0"/>
+              <a:t>12</a:t>
+            </a:fld>
+            <a:endParaRPr lang="en-US" dirty="0"/>
           </a:p>
         </p:txBody>
       </p:sp>
@@ -8824,6 +9432,52 @@
           </a:p>
         </p:txBody>
       </p:sp>
+      <p:sp>
+        <p:nvSpPr>
+          <p:cNvPr id="4" name="Date Placeholder 3"/>
+          <p:cNvSpPr>
+            <a:spLocks noGrp="1"/>
+          </p:cNvSpPr>
+          <p:nvPr>
+            <p:ph type="dt" sz="half" idx="10"/>
+          </p:nvPr>
+        </p:nvSpPr>
+        <p:spPr/>
+        <p:txBody>
+          <a:bodyPr/>
+          <a:lstStyle/>
+          <a:p>
+            <a:r>
+              <a:rPr lang="en-US" smtClean="0"/>
+              <a:t>11/22/2019</a:t>
+            </a:r>
+            <a:endParaRPr lang="en-US" dirty="0"/>
+          </a:p>
+        </p:txBody>
+      </p:sp>
+      <p:sp>
+        <p:nvSpPr>
+          <p:cNvPr id="5" name="Slide Number Placeholder 4"/>
+          <p:cNvSpPr>
+            <a:spLocks noGrp="1"/>
+          </p:cNvSpPr>
+          <p:nvPr>
+            <p:ph type="sldNum" sz="quarter" idx="12"/>
+          </p:nvPr>
+        </p:nvSpPr>
+        <p:spPr/>
+        <p:txBody>
+          <a:bodyPr/>
+          <a:lstStyle/>
+          <a:p>
+            <a:fld id="{E97799C9-84D9-46D2-A11E-BCF8A720529D}" type="slidenum">
+              <a:rPr lang="en-US" smtClean="0"/>
+              <a:t>13</a:t>
+            </a:fld>
+            <a:endParaRPr lang="en-US" dirty="0"/>
+          </a:p>
+        </p:txBody>
+      </p:sp>
     </p:spTree>
     <p:extLst>
       <p:ext uri="{BB962C8B-B14F-4D97-AF65-F5344CB8AC3E}">
@@ -9372,6 +10026,52 @@
           </a:p>
         </p:txBody>
       </p:sp>
+      <p:sp>
+        <p:nvSpPr>
+          <p:cNvPr id="3" name="Date Placeholder 2"/>
+          <p:cNvSpPr>
+            <a:spLocks noGrp="1"/>
+          </p:cNvSpPr>
+          <p:nvPr>
+            <p:ph type="dt" sz="half" idx="10"/>
+          </p:nvPr>
+        </p:nvSpPr>
+        <p:spPr/>
+        <p:txBody>
+          <a:bodyPr/>
+          <a:lstStyle/>
+          <a:p>
+            <a:r>
+              <a:rPr lang="en-US" smtClean="0"/>
+              <a:t>11/22/2019</a:t>
+            </a:r>
+            <a:endParaRPr lang="en-US" dirty="0"/>
+          </a:p>
+        </p:txBody>
+      </p:sp>
+      <p:sp>
+        <p:nvSpPr>
+          <p:cNvPr id="4" name="Slide Number Placeholder 3"/>
+          <p:cNvSpPr>
+            <a:spLocks noGrp="1"/>
+          </p:cNvSpPr>
+          <p:nvPr>
+            <p:ph type="sldNum" sz="quarter" idx="12"/>
+          </p:nvPr>
+        </p:nvSpPr>
+        <p:spPr/>
+        <p:txBody>
+          <a:bodyPr/>
+          <a:lstStyle/>
+          <a:p>
+            <a:fld id="{E97799C9-84D9-46D2-A11E-BCF8A720529D}" type="slidenum">
+              <a:rPr lang="en-US" smtClean="0"/>
+              <a:t>14</a:t>
+            </a:fld>
+            <a:endParaRPr lang="en-US" dirty="0"/>
+          </a:p>
+        </p:txBody>
+      </p:sp>
     </p:spTree>
     <p:extLst>
       <p:ext uri="{BB962C8B-B14F-4D97-AF65-F5344CB8AC3E}">
@@ -9689,6 +10389,52 @@
             </a:endParaRPr>
           </a:p>
           <a:p>
+            <a:endParaRPr lang="en-US" dirty="0"/>
+          </a:p>
+        </p:txBody>
+      </p:sp>
+      <p:sp>
+        <p:nvSpPr>
+          <p:cNvPr id="4" name="Date Placeholder 3"/>
+          <p:cNvSpPr>
+            <a:spLocks noGrp="1"/>
+          </p:cNvSpPr>
+          <p:nvPr>
+            <p:ph type="dt" sz="half" idx="10"/>
+          </p:nvPr>
+        </p:nvSpPr>
+        <p:spPr/>
+        <p:txBody>
+          <a:bodyPr/>
+          <a:lstStyle/>
+          <a:p>
+            <a:r>
+              <a:rPr lang="en-US" smtClean="0"/>
+              <a:t>11/22/2019</a:t>
+            </a:r>
+            <a:endParaRPr lang="en-US" dirty="0"/>
+          </a:p>
+        </p:txBody>
+      </p:sp>
+      <p:sp>
+        <p:nvSpPr>
+          <p:cNvPr id="5" name="Slide Number Placeholder 4"/>
+          <p:cNvSpPr>
+            <a:spLocks noGrp="1"/>
+          </p:cNvSpPr>
+          <p:nvPr>
+            <p:ph type="sldNum" sz="quarter" idx="12"/>
+          </p:nvPr>
+        </p:nvSpPr>
+        <p:spPr/>
+        <p:txBody>
+          <a:bodyPr/>
+          <a:lstStyle/>
+          <a:p>
+            <a:fld id="{E97799C9-84D9-46D2-A11E-BCF8A720529D}" type="slidenum">
+              <a:rPr lang="en-US" smtClean="0"/>
+              <a:t>2</a:t>
+            </a:fld>
             <a:endParaRPr lang="en-US" dirty="0"/>
           </a:p>
         </p:txBody>
@@ -10468,11 +11214,18 @@
               <a:t>like </a:t>
             </a:r>
             <a:r>
-              <a:rPr lang="en-US" sz="2400" dirty="0" err="1">
+              <a:rPr lang="en-US" sz="2400" dirty="0" smtClean="0">
                 <a:latin typeface="Times New Roman" panose="02020603050405020304" pitchFamily="18" charset="0"/>
                 <a:cs typeface="Times New Roman" panose="02020603050405020304" pitchFamily="18" charset="0"/>
               </a:rPr>
-              <a:t>Ebay</a:t>
+              <a:t>eB</a:t>
+            </a:r>
+            <a:r>
+              <a:rPr lang="en-US" sz="2400" dirty="0" smtClean="0">
+                <a:latin typeface="Times New Roman" panose="02020603050405020304" pitchFamily="18" charset="0"/>
+                <a:cs typeface="Times New Roman" panose="02020603050405020304" pitchFamily="18" charset="0"/>
+              </a:rPr>
+              <a:t>ay</a:t>
             </a:r>
             <a:r>
               <a:rPr lang="en-US" sz="2400" dirty="0">
@@ -10499,6 +11252,52 @@
             </a:r>
           </a:p>
           <a:p>
+            <a:endParaRPr lang="en-US" dirty="0"/>
+          </a:p>
+        </p:txBody>
+      </p:sp>
+      <p:sp>
+        <p:nvSpPr>
+          <p:cNvPr id="4" name="Date Placeholder 3"/>
+          <p:cNvSpPr>
+            <a:spLocks noGrp="1"/>
+          </p:cNvSpPr>
+          <p:nvPr>
+            <p:ph type="dt" sz="half" idx="10"/>
+          </p:nvPr>
+        </p:nvSpPr>
+        <p:spPr/>
+        <p:txBody>
+          <a:bodyPr/>
+          <a:lstStyle/>
+          <a:p>
+            <a:r>
+              <a:rPr lang="en-US" smtClean="0"/>
+              <a:t>11/22/2019</a:t>
+            </a:r>
+            <a:endParaRPr lang="en-US" dirty="0"/>
+          </a:p>
+        </p:txBody>
+      </p:sp>
+      <p:sp>
+        <p:nvSpPr>
+          <p:cNvPr id="5" name="Slide Number Placeholder 4"/>
+          <p:cNvSpPr>
+            <a:spLocks noGrp="1"/>
+          </p:cNvSpPr>
+          <p:nvPr>
+            <p:ph type="sldNum" sz="quarter" idx="12"/>
+          </p:nvPr>
+        </p:nvSpPr>
+        <p:spPr/>
+        <p:txBody>
+          <a:bodyPr/>
+          <a:lstStyle/>
+          <a:p>
+            <a:fld id="{E97799C9-84D9-46D2-A11E-BCF8A720529D}" type="slidenum">
+              <a:rPr lang="en-US" smtClean="0"/>
+              <a:t>3</a:t>
+            </a:fld>
             <a:endParaRPr lang="en-US" dirty="0"/>
           </a:p>
         </p:txBody>
@@ -10984,6 +11783,52 @@
           </a:p>
         </p:txBody>
       </p:sp>
+      <p:sp>
+        <p:nvSpPr>
+          <p:cNvPr id="4" name="Date Placeholder 3"/>
+          <p:cNvSpPr>
+            <a:spLocks noGrp="1"/>
+          </p:cNvSpPr>
+          <p:nvPr>
+            <p:ph type="dt" sz="half" idx="10"/>
+          </p:nvPr>
+        </p:nvSpPr>
+        <p:spPr/>
+        <p:txBody>
+          <a:bodyPr/>
+          <a:lstStyle/>
+          <a:p>
+            <a:r>
+              <a:rPr lang="en-US" smtClean="0"/>
+              <a:t>11/22/2019</a:t>
+            </a:r>
+            <a:endParaRPr lang="en-US" dirty="0"/>
+          </a:p>
+        </p:txBody>
+      </p:sp>
+      <p:sp>
+        <p:nvSpPr>
+          <p:cNvPr id="5" name="Slide Number Placeholder 4"/>
+          <p:cNvSpPr>
+            <a:spLocks noGrp="1"/>
+          </p:cNvSpPr>
+          <p:nvPr>
+            <p:ph type="sldNum" sz="quarter" idx="12"/>
+          </p:nvPr>
+        </p:nvSpPr>
+        <p:spPr/>
+        <p:txBody>
+          <a:bodyPr/>
+          <a:lstStyle/>
+          <a:p>
+            <a:fld id="{E97799C9-84D9-46D2-A11E-BCF8A720529D}" type="slidenum">
+              <a:rPr lang="en-US" smtClean="0"/>
+              <a:t>4</a:t>
+            </a:fld>
+            <a:endParaRPr lang="en-US" dirty="0"/>
+          </a:p>
+        </p:txBody>
+      </p:sp>
     </p:spTree>
     <p:extLst>
       <p:ext uri="{BB962C8B-B14F-4D97-AF65-F5344CB8AC3E}">
@@ -11740,8 +12585,68 @@
                 <a:latin typeface="Times New Roman" panose="02020603050405020304" pitchFamily="18" charset="0"/>
                 <a:cs typeface="Times New Roman" panose="02020603050405020304" pitchFamily="18" charset="0"/>
               </a:rPr>
-              <a:t>To build a platform where people or business originations can buy and sell any kind of goods with each other.</a:t>
-            </a:r>
+              <a:t>To build a platform where people or business </a:t>
+            </a:r>
+            <a:r>
+              <a:rPr lang="en-US" sz="2400" dirty="0" smtClean="0">
+                <a:latin typeface="Times New Roman" panose="02020603050405020304" pitchFamily="18" charset="0"/>
+                <a:cs typeface="Times New Roman" panose="02020603050405020304" pitchFamily="18" charset="0"/>
+              </a:rPr>
+              <a:t>organizations </a:t>
+            </a:r>
+            <a:r>
+              <a:rPr lang="en-US" sz="2400" dirty="0">
+                <a:latin typeface="Times New Roman" panose="02020603050405020304" pitchFamily="18" charset="0"/>
+                <a:cs typeface="Times New Roman" panose="02020603050405020304" pitchFamily="18" charset="0"/>
+              </a:rPr>
+              <a:t>can buy and sell any kind of goods with each other.</a:t>
+            </a:r>
+          </a:p>
+        </p:txBody>
+      </p:sp>
+      <p:sp>
+        <p:nvSpPr>
+          <p:cNvPr id="4" name="Date Placeholder 3"/>
+          <p:cNvSpPr>
+            <a:spLocks noGrp="1"/>
+          </p:cNvSpPr>
+          <p:nvPr>
+            <p:ph type="dt" sz="half" idx="10"/>
+          </p:nvPr>
+        </p:nvSpPr>
+        <p:spPr/>
+        <p:txBody>
+          <a:bodyPr/>
+          <a:lstStyle/>
+          <a:p>
+            <a:r>
+              <a:rPr lang="en-US" smtClean="0"/>
+              <a:t>11/22/2019</a:t>
+            </a:r>
+            <a:endParaRPr lang="en-US" dirty="0"/>
+          </a:p>
+        </p:txBody>
+      </p:sp>
+      <p:sp>
+        <p:nvSpPr>
+          <p:cNvPr id="5" name="Slide Number Placeholder 4"/>
+          <p:cNvSpPr>
+            <a:spLocks noGrp="1"/>
+          </p:cNvSpPr>
+          <p:nvPr>
+            <p:ph type="sldNum" sz="quarter" idx="12"/>
+          </p:nvPr>
+        </p:nvSpPr>
+        <p:spPr/>
+        <p:txBody>
+          <a:bodyPr/>
+          <a:lstStyle/>
+          <a:p>
+            <a:fld id="{E97799C9-84D9-46D2-A11E-BCF8A720529D}" type="slidenum">
+              <a:rPr lang="en-US" smtClean="0"/>
+              <a:t>5</a:t>
+            </a:fld>
+            <a:endParaRPr lang="en-US" dirty="0"/>
           </a:p>
         </p:txBody>
       </p:sp>
@@ -12201,6 +13106,52 @@
           </a:p>
         </p:txBody>
       </p:sp>
+      <p:sp>
+        <p:nvSpPr>
+          <p:cNvPr id="4" name="Date Placeholder 3"/>
+          <p:cNvSpPr>
+            <a:spLocks noGrp="1"/>
+          </p:cNvSpPr>
+          <p:nvPr>
+            <p:ph type="dt" sz="half" idx="10"/>
+          </p:nvPr>
+        </p:nvSpPr>
+        <p:spPr/>
+        <p:txBody>
+          <a:bodyPr/>
+          <a:lstStyle/>
+          <a:p>
+            <a:r>
+              <a:rPr lang="en-US" smtClean="0"/>
+              <a:t>11/22/2019</a:t>
+            </a:r>
+            <a:endParaRPr lang="en-US" dirty="0"/>
+          </a:p>
+        </p:txBody>
+      </p:sp>
+      <p:sp>
+        <p:nvSpPr>
+          <p:cNvPr id="5" name="Slide Number Placeholder 4"/>
+          <p:cNvSpPr>
+            <a:spLocks noGrp="1"/>
+          </p:cNvSpPr>
+          <p:nvPr>
+            <p:ph type="sldNum" sz="quarter" idx="12"/>
+          </p:nvPr>
+        </p:nvSpPr>
+        <p:spPr/>
+        <p:txBody>
+          <a:bodyPr/>
+          <a:lstStyle/>
+          <a:p>
+            <a:fld id="{E97799C9-84D9-46D2-A11E-BCF8A720529D}" type="slidenum">
+              <a:rPr lang="en-US" smtClean="0"/>
+              <a:t>6</a:t>
+            </a:fld>
+            <a:endParaRPr lang="en-US" dirty="0"/>
+          </a:p>
+        </p:txBody>
+      </p:sp>
     </p:spTree>
     <p:extLst>
       <p:ext uri="{BB962C8B-B14F-4D97-AF65-F5344CB8AC3E}">
@@ -12919,17 +13870,7 @@
                 <a:latin typeface="Times New Roman" panose="02020603050405020304" pitchFamily="18" charset="0"/>
                 <a:cs typeface="Times New Roman" panose="02020603050405020304" pitchFamily="18" charset="0"/>
               </a:rPr>
-              <a:t>LITERATURE REVIEW ( </a:t>
-            </a:r>
-            <a:r>
-              <a:rPr lang="en-US" b="1" dirty="0" smtClean="0">
-                <a:solidFill>
-                  <a:schemeClr val="tx1"/>
-                </a:solidFill>
-                <a:latin typeface="Times New Roman" panose="02020603050405020304" pitchFamily="18" charset="0"/>
-                <a:cs typeface="Times New Roman" panose="02020603050405020304" pitchFamily="18" charset="0"/>
-              </a:rPr>
-              <a:t>contd..)</a:t>
+              <a:t>LITERATURE REVIEW ( contd..)</a:t>
             </a:r>
             <a:endParaRPr lang="en-US" b="1" dirty="0">
               <a:solidFill>
@@ -13027,6 +13968,52 @@
               <a:latin typeface="Times New Roman" panose="02020603050405020304" pitchFamily="18" charset="0"/>
               <a:cs typeface="Times New Roman" panose="02020603050405020304" pitchFamily="18" charset="0"/>
             </a:endParaRPr>
+          </a:p>
+        </p:txBody>
+      </p:sp>
+      <p:sp>
+        <p:nvSpPr>
+          <p:cNvPr id="4" name="Date Placeholder 3"/>
+          <p:cNvSpPr>
+            <a:spLocks noGrp="1"/>
+          </p:cNvSpPr>
+          <p:nvPr>
+            <p:ph type="dt" sz="half" idx="10"/>
+          </p:nvPr>
+        </p:nvSpPr>
+        <p:spPr/>
+        <p:txBody>
+          <a:bodyPr/>
+          <a:lstStyle/>
+          <a:p>
+            <a:r>
+              <a:rPr lang="en-US" smtClean="0"/>
+              <a:t>11/22/2019</a:t>
+            </a:r>
+            <a:endParaRPr lang="en-US" dirty="0"/>
+          </a:p>
+        </p:txBody>
+      </p:sp>
+      <p:sp>
+        <p:nvSpPr>
+          <p:cNvPr id="5" name="Slide Number Placeholder 4"/>
+          <p:cNvSpPr>
+            <a:spLocks noGrp="1"/>
+          </p:cNvSpPr>
+          <p:nvPr>
+            <p:ph type="sldNum" sz="quarter" idx="12"/>
+          </p:nvPr>
+        </p:nvSpPr>
+        <p:spPr/>
+        <p:txBody>
+          <a:bodyPr/>
+          <a:lstStyle/>
+          <a:p>
+            <a:fld id="{E97799C9-84D9-46D2-A11E-BCF8A720529D}" type="slidenum">
+              <a:rPr lang="en-US" smtClean="0"/>
+              <a:t>7</a:t>
+            </a:fld>
+            <a:endParaRPr lang="en-US" dirty="0"/>
           </a:p>
         </p:txBody>
       </p:sp>
@@ -13583,6 +14570,52 @@
           </a:ln>
         </p:spPr>
       </p:pic>
+      <p:sp>
+        <p:nvSpPr>
+          <p:cNvPr id="3" name="Date Placeholder 2"/>
+          <p:cNvSpPr>
+            <a:spLocks noGrp="1"/>
+          </p:cNvSpPr>
+          <p:nvPr>
+            <p:ph type="dt" sz="half" idx="10"/>
+          </p:nvPr>
+        </p:nvSpPr>
+        <p:spPr/>
+        <p:txBody>
+          <a:bodyPr/>
+          <a:lstStyle/>
+          <a:p>
+            <a:r>
+              <a:rPr lang="en-US" smtClean="0"/>
+              <a:t>11/22/2019</a:t>
+            </a:r>
+            <a:endParaRPr lang="en-US" dirty="0"/>
+          </a:p>
+        </p:txBody>
+      </p:sp>
+      <p:sp>
+        <p:nvSpPr>
+          <p:cNvPr id="5" name="Slide Number Placeholder 4"/>
+          <p:cNvSpPr>
+            <a:spLocks noGrp="1"/>
+          </p:cNvSpPr>
+          <p:nvPr>
+            <p:ph type="sldNum" sz="quarter" idx="12"/>
+          </p:nvPr>
+        </p:nvSpPr>
+        <p:spPr/>
+        <p:txBody>
+          <a:bodyPr/>
+          <a:lstStyle/>
+          <a:p>
+            <a:fld id="{E97799C9-84D9-46D2-A11E-BCF8A720529D}" type="slidenum">
+              <a:rPr lang="en-US" smtClean="0"/>
+              <a:t>8</a:t>
+            </a:fld>
+            <a:endParaRPr lang="en-US" dirty="0"/>
+          </a:p>
+        </p:txBody>
+      </p:sp>
     </p:spTree>
     <p:extLst>
       <p:ext uri="{BB962C8B-B14F-4D97-AF65-F5344CB8AC3E}">
@@ -13908,6 +14941,52 @@
           </a:extLst>
         </p:spPr>
       </p:pic>
+      <p:sp>
+        <p:nvSpPr>
+          <p:cNvPr id="3" name="Date Placeholder 2"/>
+          <p:cNvSpPr>
+            <a:spLocks noGrp="1"/>
+          </p:cNvSpPr>
+          <p:nvPr>
+            <p:ph type="dt" sz="half" idx="10"/>
+          </p:nvPr>
+        </p:nvSpPr>
+        <p:spPr/>
+        <p:txBody>
+          <a:bodyPr/>
+          <a:lstStyle/>
+          <a:p>
+            <a:r>
+              <a:rPr lang="en-US" smtClean="0"/>
+              <a:t>11/22/2019</a:t>
+            </a:r>
+            <a:endParaRPr lang="en-US" dirty="0"/>
+          </a:p>
+        </p:txBody>
+      </p:sp>
+      <p:sp>
+        <p:nvSpPr>
+          <p:cNvPr id="4" name="Slide Number Placeholder 3"/>
+          <p:cNvSpPr>
+            <a:spLocks noGrp="1"/>
+          </p:cNvSpPr>
+          <p:nvPr>
+            <p:ph type="sldNum" sz="quarter" idx="12"/>
+          </p:nvPr>
+        </p:nvSpPr>
+        <p:spPr/>
+        <p:txBody>
+          <a:bodyPr/>
+          <a:lstStyle/>
+          <a:p>
+            <a:fld id="{E97799C9-84D9-46D2-A11E-BCF8A720529D}" type="slidenum">
+              <a:rPr lang="en-US" smtClean="0"/>
+              <a:t>9</a:t>
+            </a:fld>
+            <a:endParaRPr lang="en-US" dirty="0"/>
+          </a:p>
+        </p:txBody>
+      </p:sp>
     </p:spTree>
     <p:extLst>
       <p:ext uri="{BB962C8B-B14F-4D97-AF65-F5344CB8AC3E}">
@@ -14393,4 +15472,265 @@
     </a:ext>
   </a:extLst>
 </a:theme>
+</file>
+
+<file path=ppt/theme/theme2.xml><?xml version="1.0" encoding="utf-8"?>
+<a:theme xmlns:a="http://schemas.openxmlformats.org/drawingml/2006/main" name="Office Theme">
+  <a:themeElements>
+    <a:clrScheme name="Office">
+      <a:dk1>
+        <a:sysClr val="windowText" lastClr="000000"/>
+      </a:dk1>
+      <a:lt1>
+        <a:sysClr val="window" lastClr="FFFFFF"/>
+      </a:lt1>
+      <a:dk2>
+        <a:srgbClr val="44546A"/>
+      </a:dk2>
+      <a:lt2>
+        <a:srgbClr val="E7E6E6"/>
+      </a:lt2>
+      <a:accent1>
+        <a:srgbClr val="5B9BD5"/>
+      </a:accent1>
+      <a:accent2>
+        <a:srgbClr val="ED7D31"/>
+      </a:accent2>
+      <a:accent3>
+        <a:srgbClr val="A5A5A5"/>
+      </a:accent3>
+      <a:accent4>
+        <a:srgbClr val="FFC000"/>
+      </a:accent4>
+      <a:accent5>
+        <a:srgbClr val="4472C4"/>
+      </a:accent5>
+      <a:accent6>
+        <a:srgbClr val="70AD47"/>
+      </a:accent6>
+      <a:hlink>
+        <a:srgbClr val="0563C1"/>
+      </a:hlink>
+      <a:folHlink>
+        <a:srgbClr val="954F72"/>
+      </a:folHlink>
+    </a:clrScheme>
+    <a:fontScheme name="Office">
+      <a:majorFont>
+        <a:latin typeface="Calibri Light" panose="020F0302020204030204"/>
+        <a:ea typeface=""/>
+        <a:cs typeface=""/>
+        <a:font script="Jpan" typeface="ＭＳ Ｐゴシック"/>
+        <a:font script="Hang" typeface="맑은 고딕"/>
+        <a:font script="Hans" typeface="宋体"/>
+        <a:font script="Hant" typeface="新細明體"/>
+        <a:font script="Arab" typeface="Times New Roman"/>
+        <a:font script="Hebr" typeface="Times New Roman"/>
+        <a:font script="Thai" typeface="Angsana New"/>
+        <a:font script="Ethi" typeface="Nyala"/>
+        <a:font script="Beng" typeface="Vrinda"/>
+        <a:font script="Gujr" typeface="Shruti"/>
+        <a:font script="Khmr" typeface="MoolBoran"/>
+        <a:font script="Knda" typeface="Tunga"/>
+        <a:font script="Guru" typeface="Raavi"/>
+        <a:font script="Cans" typeface="Euphemia"/>
+        <a:font script="Cher" typeface="Plantagenet Cherokee"/>
+        <a:font script="Yiii" typeface="Microsoft Yi Baiti"/>
+        <a:font script="Tibt" typeface="Microsoft Himalaya"/>
+        <a:font script="Thaa" typeface="MV Boli"/>
+        <a:font script="Deva" typeface="Mangal"/>
+        <a:font script="Telu" typeface="Gautami"/>
+        <a:font script="Taml" typeface="Latha"/>
+        <a:font script="Syrc" typeface="Estrangelo Edessa"/>
+        <a:font script="Orya" typeface="Kalinga"/>
+        <a:font script="Mlym" typeface="Kartika"/>
+        <a:font script="Laoo" typeface="DokChampa"/>
+        <a:font script="Sinh" typeface="Iskoola Pota"/>
+        <a:font script="Mong" typeface="Mongolian Baiti"/>
+        <a:font script="Viet" typeface="Times New Roman"/>
+        <a:font script="Uigh" typeface="Microsoft Uighur"/>
+        <a:font script="Geor" typeface="Sylfaen"/>
+      </a:majorFont>
+      <a:minorFont>
+        <a:latin typeface="Calibri" panose="020F0502020204030204"/>
+        <a:ea typeface=""/>
+        <a:cs typeface=""/>
+        <a:font script="Jpan" typeface="ＭＳ Ｐゴシック"/>
+        <a:font script="Hang" typeface="맑은 고딕"/>
+        <a:font script="Hans" typeface="宋体"/>
+        <a:font script="Hant" typeface="新細明體"/>
+        <a:font script="Arab" typeface="Arial"/>
+        <a:font script="Hebr" typeface="Arial"/>
+        <a:font script="Thai" typeface="Cordia New"/>
+        <a:font script="Ethi" typeface="Nyala"/>
+        <a:font script="Beng" typeface="Vrinda"/>
+        <a:font script="Gujr" typeface="Shruti"/>
+        <a:font script="Khmr" typeface="DaunPenh"/>
+        <a:font script="Knda" typeface="Tunga"/>
+        <a:font script="Guru" typeface="Raavi"/>
+        <a:font script="Cans" typeface="Euphemia"/>
+        <a:font script="Cher" typeface="Plantagenet Cherokee"/>
+        <a:font script="Yiii" typeface="Microsoft Yi Baiti"/>
+        <a:font script="Tibt" typeface="Microsoft Himalaya"/>
+        <a:font script="Thaa" typeface="MV Boli"/>
+        <a:font script="Deva" typeface="Mangal"/>
+        <a:font script="Telu" typeface="Gautami"/>
+        <a:font script="Taml" typeface="Latha"/>
+        <a:font script="Syrc" typeface="Estrangelo Edessa"/>
+        <a:font script="Orya" typeface="Kalinga"/>
+        <a:font script="Mlym" typeface="Kartika"/>
+        <a:font script="Laoo" typeface="DokChampa"/>
+        <a:font script="Sinh" typeface="Iskoola Pota"/>
+        <a:font script="Mong" typeface="Mongolian Baiti"/>
+        <a:font script="Viet" typeface="Arial"/>
+        <a:font script="Uigh" typeface="Microsoft Uighur"/>
+        <a:font script="Geor" typeface="Sylfaen"/>
+      </a:minorFont>
+    </a:fontScheme>
+    <a:fmtScheme name="Office">
+      <a:fillStyleLst>
+        <a:solidFill>
+          <a:schemeClr val="phClr"/>
+        </a:solidFill>
+        <a:gradFill rotWithShape="1">
+          <a:gsLst>
+            <a:gs pos="0">
+              <a:schemeClr val="phClr">
+                <a:lumMod val="110000"/>
+                <a:satMod val="105000"/>
+                <a:tint val="67000"/>
+              </a:schemeClr>
+            </a:gs>
+            <a:gs pos="50000">
+              <a:schemeClr val="phClr">
+                <a:lumMod val="105000"/>
+                <a:satMod val="103000"/>
+                <a:tint val="73000"/>
+              </a:schemeClr>
+            </a:gs>
+            <a:gs pos="100000">
+              <a:schemeClr val="phClr">
+                <a:lumMod val="105000"/>
+                <a:satMod val="109000"/>
+                <a:tint val="81000"/>
+              </a:schemeClr>
+            </a:gs>
+          </a:gsLst>
+          <a:lin ang="5400000" scaled="0"/>
+        </a:gradFill>
+        <a:gradFill rotWithShape="1">
+          <a:gsLst>
+            <a:gs pos="0">
+              <a:schemeClr val="phClr">
+                <a:satMod val="103000"/>
+                <a:lumMod val="102000"/>
+                <a:tint val="94000"/>
+              </a:schemeClr>
+            </a:gs>
+            <a:gs pos="50000">
+              <a:schemeClr val="phClr">
+                <a:satMod val="110000"/>
+                <a:lumMod val="100000"/>
+                <a:shade val="100000"/>
+              </a:schemeClr>
+            </a:gs>
+            <a:gs pos="100000">
+              <a:schemeClr val="phClr">
+                <a:lumMod val="99000"/>
+                <a:satMod val="120000"/>
+                <a:shade val="78000"/>
+              </a:schemeClr>
+            </a:gs>
+          </a:gsLst>
+          <a:lin ang="5400000" scaled="0"/>
+        </a:gradFill>
+      </a:fillStyleLst>
+      <a:lnStyleLst>
+        <a:ln w="6350" cap="flat" cmpd="sng" algn="ctr">
+          <a:solidFill>
+            <a:schemeClr val="phClr"/>
+          </a:solidFill>
+          <a:prstDash val="solid"/>
+          <a:miter lim="800000"/>
+        </a:ln>
+        <a:ln w="12700" cap="flat" cmpd="sng" algn="ctr">
+          <a:solidFill>
+            <a:schemeClr val="phClr"/>
+          </a:solidFill>
+          <a:prstDash val="solid"/>
+          <a:miter lim="800000"/>
+        </a:ln>
+        <a:ln w="19050" cap="flat" cmpd="sng" algn="ctr">
+          <a:solidFill>
+            <a:schemeClr val="phClr"/>
+          </a:solidFill>
+          <a:prstDash val="solid"/>
+          <a:miter lim="800000"/>
+        </a:ln>
+      </a:lnStyleLst>
+      <a:effectStyleLst>
+        <a:effectStyle>
+          <a:effectLst/>
+        </a:effectStyle>
+        <a:effectStyle>
+          <a:effectLst/>
+        </a:effectStyle>
+        <a:effectStyle>
+          <a:effectLst>
+            <a:outerShdw blurRad="57150" dist="19050" dir="5400000" algn="ctr" rotWithShape="0">
+              <a:srgbClr val="000000">
+                <a:alpha val="63000"/>
+              </a:srgbClr>
+            </a:outerShdw>
+          </a:effectLst>
+        </a:effectStyle>
+      </a:effectStyleLst>
+      <a:bgFillStyleLst>
+        <a:solidFill>
+          <a:schemeClr val="phClr"/>
+        </a:solidFill>
+        <a:solidFill>
+          <a:schemeClr val="phClr">
+            <a:tint val="95000"/>
+            <a:satMod val="170000"/>
+          </a:schemeClr>
+        </a:solidFill>
+        <a:gradFill rotWithShape="1">
+          <a:gsLst>
+            <a:gs pos="0">
+              <a:schemeClr val="phClr">
+                <a:tint val="93000"/>
+                <a:satMod val="150000"/>
+                <a:shade val="98000"/>
+                <a:lumMod val="102000"/>
+              </a:schemeClr>
+            </a:gs>
+            <a:gs pos="50000">
+              <a:schemeClr val="phClr">
+                <a:tint val="98000"/>
+                <a:satMod val="130000"/>
+                <a:shade val="90000"/>
+                <a:lumMod val="103000"/>
+              </a:schemeClr>
+            </a:gs>
+            <a:gs pos="100000">
+              <a:schemeClr val="phClr">
+                <a:shade val="63000"/>
+                <a:satMod val="120000"/>
+              </a:schemeClr>
+            </a:gs>
+          </a:gsLst>
+          <a:lin ang="5400000" scaled="0"/>
+        </a:gradFill>
+      </a:bgFillStyleLst>
+    </a:fmtScheme>
+  </a:themeElements>
+  <a:objectDefaults/>
+  <a:extraClrSchemeLst/>
+  <a:extLst>
+    <a:ext uri="{05A4C25C-085E-4340-85A3-A5531E510DB2}">
+      <thm15:themeFamily xmlns:thm15="http://schemas.microsoft.com/office/thememl/2012/main" name="Office Theme" id="{62F939B6-93AF-4DB8-9C6B-D6C7DFDC589F}" vid="{4A3C46E8-61CC-4603-A589-7422A47A8E4A}"/>
+    </a:ext>
+  </a:extLst>
+</a:theme>
 </file>
--- a/Proposal/Presentation/ProposalSlide.pptx
+++ b/Proposal/Presentation/ProposalSlide.pptx
@@ -7642,19 +7642,8 @@
                 <a:latin typeface="Times New Roman" panose="02020603050405020304" pitchFamily="18" charset="0"/>
                 <a:cs typeface="Times New Roman" panose="02020603050405020304" pitchFamily="18" charset="0"/>
               </a:rPr>
-              <a:t>: HTML, CSS, </a:t>
-            </a:r>
-            <a:r>
-              <a:rPr lang="en-US" sz="2400" dirty="0" smtClean="0">
-                <a:latin typeface="Times New Roman" panose="02020603050405020304" pitchFamily="18" charset="0"/>
-                <a:cs typeface="Times New Roman" panose="02020603050405020304" pitchFamily="18" charset="0"/>
-              </a:rPr>
-              <a:t>JavaScript</a:t>
-            </a:r>
-            <a:endParaRPr lang="en-US" sz="2400" dirty="0" smtClean="0">
-              <a:latin typeface="Times New Roman" panose="02020603050405020304" pitchFamily="18" charset="0"/>
-              <a:cs typeface="Times New Roman" panose="02020603050405020304" pitchFamily="18" charset="0"/>
-            </a:endParaRPr>
+              <a:t>: HTML, CSS, JavaScript</a:t>
+            </a:r>
           </a:p>
           <a:p>
             <a:r>
@@ -8389,14 +8378,7 @@
                 <a:latin typeface="Times New Roman" panose="02020603050405020304" pitchFamily="18" charset="0"/>
                 <a:cs typeface="Times New Roman" panose="02020603050405020304" pitchFamily="18" charset="0"/>
               </a:rPr>
-              <a:t>User friendly </a:t>
-            </a:r>
-            <a:r>
-              <a:rPr lang="en-US" sz="2400" dirty="0" smtClean="0">
-                <a:latin typeface="Times New Roman" panose="02020603050405020304" pitchFamily="18" charset="0"/>
-                <a:cs typeface="Times New Roman" panose="02020603050405020304" pitchFamily="18" charset="0"/>
-              </a:rPr>
-              <a:t>site.</a:t>
+              <a:t>User friendly site.</a:t>
             </a:r>
           </a:p>
           <a:p>
@@ -11218,14 +11200,7 @@
                 <a:latin typeface="Times New Roman" panose="02020603050405020304" pitchFamily="18" charset="0"/>
                 <a:cs typeface="Times New Roman" panose="02020603050405020304" pitchFamily="18" charset="0"/>
               </a:rPr>
-              <a:t>eB</a:t>
-            </a:r>
-            <a:r>
-              <a:rPr lang="en-US" sz="2400" dirty="0" smtClean="0">
-                <a:latin typeface="Times New Roman" panose="02020603050405020304" pitchFamily="18" charset="0"/>
-                <a:cs typeface="Times New Roman" panose="02020603050405020304" pitchFamily="18" charset="0"/>
-              </a:rPr>
-              <a:t>ay</a:t>
+              <a:t>eBay</a:t>
             </a:r>
             <a:r>
               <a:rPr lang="en-US" sz="2400" dirty="0">
@@ -13905,11 +13880,41 @@
           <a:lstStyle/>
           <a:p>
             <a:r>
+              <a:rPr lang="en-GB" sz="2400" dirty="0" smtClean="0">
+                <a:latin typeface="Times New Roman" panose="02020603050405020304" pitchFamily="18" charset="0"/>
+                <a:cs typeface="Times New Roman" panose="02020603050405020304" pitchFamily="18" charset="0"/>
+              </a:rPr>
+              <a:t>In 2005, Recommendation technology </a:t>
+            </a:r>
+            <a:r>
+              <a:rPr lang="en-GB" sz="2400" dirty="0">
+                <a:latin typeface="Times New Roman" panose="02020603050405020304" pitchFamily="18" charset="0"/>
+                <a:cs typeface="Times New Roman" panose="02020603050405020304" pitchFamily="18" charset="0"/>
+              </a:rPr>
+              <a:t>brings AI to </a:t>
+            </a:r>
+            <a:r>
+              <a:rPr lang="en-GB" sz="2400" dirty="0" smtClean="0">
+                <a:latin typeface="Times New Roman" panose="02020603050405020304" pitchFamily="18" charset="0"/>
+                <a:cs typeface="Times New Roman" panose="02020603050405020304" pitchFamily="18" charset="0"/>
+              </a:rPr>
+              <a:t>marketing.</a:t>
+            </a:r>
+          </a:p>
+          <a:p>
+            <a:r>
+              <a:rPr lang="en-US" sz="2400" dirty="0" smtClean="0">
+                <a:latin typeface="Times New Roman" panose="02020603050405020304" pitchFamily="18" charset="0"/>
+                <a:cs typeface="Times New Roman" panose="02020603050405020304" pitchFamily="18" charset="0"/>
+              </a:rPr>
+              <a:t>At </a:t>
+            </a:r>
+            <a:r>
               <a:rPr lang="en-US" sz="2400" dirty="0">
                 <a:latin typeface="Times New Roman" panose="02020603050405020304" pitchFamily="18" charset="0"/>
                 <a:cs typeface="Times New Roman" panose="02020603050405020304" pitchFamily="18" charset="0"/>
               </a:rPr>
-              <a:t>At present, digital marketing or e-commerce has taken the business prospect to the next level with the help of AI </a:t>
+              <a:t>present, digital marketing or e-commerce has taken the business prospect to the next level with the help of AI </a:t>
             </a:r>
             <a:r>
               <a:rPr lang="en-US" sz="2400" dirty="0" smtClean="0">
@@ -14418,6 +14423,112 @@
                                           <p:spTgt spid="3">
                                             <p:txEl>
                                               <p:pRg st="2" end="2"/>
+                                            </p:txEl>
+                                          </p:spTgt>
+                                        </p:tgtEl>
+                                        <p:attrNameLst>
+                                          <p:attrName>ppt_y</p:attrName>
+                                        </p:attrNameLst>
+                                      </p:cBhvr>
+                                      <p:tavLst>
+                                        <p:tav tm="0">
+                                          <p:val>
+                                            <p:strVal val="#ppt_y+.1"/>
+                                          </p:val>
+                                        </p:tav>
+                                        <p:tav tm="100000">
+                                          <p:val>
+                                            <p:strVal val="#ppt_y"/>
+                                          </p:val>
+                                        </p:tav>
+                                      </p:tavLst>
+                                    </p:anim>
+                                  </p:childTnLst>
+                                </p:cTn>
+                              </p:par>
+                            </p:childTnLst>
+                          </p:cTn>
+                        </p:par>
+                        <p:par>
+                          <p:cTn id="27" fill="hold">
+                            <p:stCondLst>
+                              <p:cond delay="3500"/>
+                            </p:stCondLst>
+                            <p:childTnLst>
+                              <p:par>
+                                <p:cTn id="28" presetID="42" presetClass="entr" presetSubtype="0" fill="hold" grpId="0" nodeType="afterEffect">
+                                  <p:stCondLst>
+                                    <p:cond delay="0"/>
+                                  </p:stCondLst>
+                                  <p:childTnLst>
+                                    <p:set>
+                                      <p:cBhvr>
+                                        <p:cTn id="29" dur="1" fill="hold">
+                                          <p:stCondLst>
+                                            <p:cond delay="0"/>
+                                          </p:stCondLst>
+                                        </p:cTn>
+                                        <p:tgtEl>
+                                          <p:spTgt spid="3">
+                                            <p:txEl>
+                                              <p:pRg st="3" end="3"/>
+                                            </p:txEl>
+                                          </p:spTgt>
+                                        </p:tgtEl>
+                                        <p:attrNameLst>
+                                          <p:attrName>style.visibility</p:attrName>
+                                        </p:attrNameLst>
+                                      </p:cBhvr>
+                                      <p:to>
+                                        <p:strVal val="visible"/>
+                                      </p:to>
+                                    </p:set>
+                                    <p:animEffect transition="in" filter="fade">
+                                      <p:cBhvr>
+                                        <p:cTn id="30" dur="1000"/>
+                                        <p:tgtEl>
+                                          <p:spTgt spid="3">
+                                            <p:txEl>
+                                              <p:pRg st="3" end="3"/>
+                                            </p:txEl>
+                                          </p:spTgt>
+                                        </p:tgtEl>
+                                      </p:cBhvr>
+                                    </p:animEffect>
+                                    <p:anim calcmode="lin" valueType="num">
+                                      <p:cBhvr>
+                                        <p:cTn id="31" dur="1000" fill="hold"/>
+                                        <p:tgtEl>
+                                          <p:spTgt spid="3">
+                                            <p:txEl>
+                                              <p:pRg st="3" end="3"/>
+                                            </p:txEl>
+                                          </p:spTgt>
+                                        </p:tgtEl>
+                                        <p:attrNameLst>
+                                          <p:attrName>ppt_x</p:attrName>
+                                        </p:attrNameLst>
+                                      </p:cBhvr>
+                                      <p:tavLst>
+                                        <p:tav tm="0">
+                                          <p:val>
+                                            <p:strVal val="#ppt_x"/>
+                                          </p:val>
+                                        </p:tav>
+                                        <p:tav tm="100000">
+                                          <p:val>
+                                            <p:strVal val="#ppt_x"/>
+                                          </p:val>
+                                        </p:tav>
+                                      </p:tavLst>
+                                    </p:anim>
+                                    <p:anim calcmode="lin" valueType="num">
+                                      <p:cBhvr>
+                                        <p:cTn id="32" dur="1000" fill="hold"/>
+                                        <p:tgtEl>
+                                          <p:spTgt spid="3">
+                                            <p:txEl>
+                                              <p:pRg st="3" end="3"/>
                                             </p:txEl>
                                           </p:spTgt>
                                         </p:tgtEl>
